--- a/Week 11 Monday November 3.pptx
+++ b/Week 11 Monday November 3.pptx
@@ -5,7 +5,7 @@
     <p:sldMasterId id="2147483648" r:id="rId1"/>
   </p:sldMasterIdLst>
   <p:notesMasterIdLst>
-    <p:notesMasterId r:id="rId21"/>
+    <p:notesMasterId r:id="rId23"/>
   </p:notesMasterIdLst>
   <p:sldIdLst>
     <p:sldId id="841" r:id="rId2"/>
@@ -21,12 +21,14 @@
     <p:sldId id="860" r:id="rId12"/>
     <p:sldId id="856" r:id="rId13"/>
     <p:sldId id="852" r:id="rId14"/>
-    <p:sldId id="866" r:id="rId15"/>
-    <p:sldId id="868" r:id="rId16"/>
-    <p:sldId id="869" r:id="rId17"/>
-    <p:sldId id="853" r:id="rId18"/>
-    <p:sldId id="861" r:id="rId19"/>
-    <p:sldId id="862" r:id="rId20"/>
+    <p:sldId id="853" r:id="rId15"/>
+    <p:sldId id="866" r:id="rId16"/>
+    <p:sldId id="868" r:id="rId17"/>
+    <p:sldId id="869" r:id="rId18"/>
+    <p:sldId id="898" r:id="rId19"/>
+    <p:sldId id="899" r:id="rId20"/>
+    <p:sldId id="861" r:id="rId21"/>
+    <p:sldId id="862" r:id="rId22"/>
   </p:sldIdLst>
   <p:sldSz cx="12192000" cy="6858000"/>
   <p:notesSz cx="6858000" cy="9144000"/>
@@ -149,229 +151,229 @@
   <pc:docChgLst>
     <pc:chgData name="Aleksey Zimin" userId="7f2637d0bc515791" providerId="LiveId" clId="{8553A319-8433-4677-8F80-E28D63617D4C}"/>
     <pc:docChg chg="delSld">
-      <pc:chgData name="Aleksey Zimin" userId="7f2637d0bc515791" providerId="LiveId" clId="{8553A319-8433-4677-8F80-E28D63617D4C}" dt="2025-11-04T13:31:19.266" v="1" actId="47"/>
+      <pc:chgData name="Aleksey Zimin" userId="7f2637d0bc515791" providerId="LiveId" clId="{8553A319-8433-4677-8F80-E28D63617D4C}" dt="2025-11-04T17:37:51.459" v="1" actId="47"/>
       <pc:docMkLst>
         <pc:docMk/>
       </pc:docMkLst>
       <pc:sldChg chg="del">
-        <pc:chgData name="Aleksey Zimin" userId="7f2637d0bc515791" providerId="LiveId" clId="{8553A319-8433-4677-8F80-E28D63617D4C}" dt="2025-11-04T13:30:43.909" v="0" actId="47"/>
+        <pc:chgData name="Aleksey Zimin" userId="7f2637d0bc515791" providerId="LiveId" clId="{8553A319-8433-4677-8F80-E28D63617D4C}" dt="2025-11-04T17:37:51.459" v="1" actId="47"/>
         <pc:sldMkLst>
           <pc:docMk/>
           <pc:sldMk cId="1052403946" sldId="272"/>
         </pc:sldMkLst>
       </pc:sldChg>
       <pc:sldChg chg="del">
-        <pc:chgData name="Aleksey Zimin" userId="7f2637d0bc515791" providerId="LiveId" clId="{8553A319-8433-4677-8F80-E28D63617D4C}" dt="2025-11-04T13:31:19.266" v="1" actId="47"/>
+        <pc:chgData name="Aleksey Zimin" userId="7f2637d0bc515791" providerId="LiveId" clId="{8553A319-8433-4677-8F80-E28D63617D4C}" dt="2025-11-04T17:37:19.903" v="0" actId="47"/>
         <pc:sldMkLst>
           <pc:docMk/>
           <pc:sldMk cId="582660925" sldId="557"/>
         </pc:sldMkLst>
       </pc:sldChg>
       <pc:sldChg chg="del">
-        <pc:chgData name="Aleksey Zimin" userId="7f2637d0bc515791" providerId="LiveId" clId="{8553A319-8433-4677-8F80-E28D63617D4C}" dt="2025-11-04T13:31:19.266" v="1" actId="47"/>
+        <pc:chgData name="Aleksey Zimin" userId="7f2637d0bc515791" providerId="LiveId" clId="{8553A319-8433-4677-8F80-E28D63617D4C}" dt="2025-11-04T17:37:19.903" v="0" actId="47"/>
         <pc:sldMkLst>
           <pc:docMk/>
           <pc:sldMk cId="897960614" sldId="559"/>
         </pc:sldMkLst>
       </pc:sldChg>
       <pc:sldChg chg="del">
-        <pc:chgData name="Aleksey Zimin" userId="7f2637d0bc515791" providerId="LiveId" clId="{8553A319-8433-4677-8F80-E28D63617D4C}" dt="2025-11-04T13:31:19.266" v="1" actId="47"/>
+        <pc:chgData name="Aleksey Zimin" userId="7f2637d0bc515791" providerId="LiveId" clId="{8553A319-8433-4677-8F80-E28D63617D4C}" dt="2025-11-04T17:37:19.903" v="0" actId="47"/>
         <pc:sldMkLst>
           <pc:docMk/>
           <pc:sldMk cId="2016871750" sldId="560"/>
         </pc:sldMkLst>
       </pc:sldChg>
       <pc:sldChg chg="del">
-        <pc:chgData name="Aleksey Zimin" userId="7f2637d0bc515791" providerId="LiveId" clId="{8553A319-8433-4677-8F80-E28D63617D4C}" dt="2025-11-04T13:31:19.266" v="1" actId="47"/>
+        <pc:chgData name="Aleksey Zimin" userId="7f2637d0bc515791" providerId="LiveId" clId="{8553A319-8433-4677-8F80-E28D63617D4C}" dt="2025-11-04T17:37:19.903" v="0" actId="47"/>
         <pc:sldMkLst>
           <pc:docMk/>
           <pc:sldMk cId="1731479648" sldId="863"/>
         </pc:sldMkLst>
       </pc:sldChg>
       <pc:sldChg chg="del">
-        <pc:chgData name="Aleksey Zimin" userId="7f2637d0bc515791" providerId="LiveId" clId="{8553A319-8433-4677-8F80-E28D63617D4C}" dt="2025-11-04T13:31:19.266" v="1" actId="47"/>
+        <pc:chgData name="Aleksey Zimin" userId="7f2637d0bc515791" providerId="LiveId" clId="{8553A319-8433-4677-8F80-E28D63617D4C}" dt="2025-11-04T17:37:19.903" v="0" actId="47"/>
         <pc:sldMkLst>
           <pc:docMk/>
           <pc:sldMk cId="80240427" sldId="864"/>
         </pc:sldMkLst>
       </pc:sldChg>
       <pc:sldChg chg="del">
-        <pc:chgData name="Aleksey Zimin" userId="7f2637d0bc515791" providerId="LiveId" clId="{8553A319-8433-4677-8F80-E28D63617D4C}" dt="2025-11-04T13:31:19.266" v="1" actId="47"/>
+        <pc:chgData name="Aleksey Zimin" userId="7f2637d0bc515791" providerId="LiveId" clId="{8553A319-8433-4677-8F80-E28D63617D4C}" dt="2025-11-04T17:37:19.903" v="0" actId="47"/>
         <pc:sldMkLst>
           <pc:docMk/>
           <pc:sldMk cId="2634646025" sldId="865"/>
         </pc:sldMkLst>
       </pc:sldChg>
       <pc:sldChg chg="del">
-        <pc:chgData name="Aleksey Zimin" userId="7f2637d0bc515791" providerId="LiveId" clId="{8553A319-8433-4677-8F80-E28D63617D4C}" dt="2025-11-04T13:31:19.266" v="1" actId="47"/>
+        <pc:chgData name="Aleksey Zimin" userId="7f2637d0bc515791" providerId="LiveId" clId="{8553A319-8433-4677-8F80-E28D63617D4C}" dt="2025-11-04T17:37:19.903" v="0" actId="47"/>
         <pc:sldMkLst>
           <pc:docMk/>
           <pc:sldMk cId="2143161316" sldId="870"/>
         </pc:sldMkLst>
       </pc:sldChg>
       <pc:sldChg chg="del">
-        <pc:chgData name="Aleksey Zimin" userId="7f2637d0bc515791" providerId="LiveId" clId="{8553A319-8433-4677-8F80-E28D63617D4C}" dt="2025-11-04T13:31:19.266" v="1" actId="47"/>
+        <pc:chgData name="Aleksey Zimin" userId="7f2637d0bc515791" providerId="LiveId" clId="{8553A319-8433-4677-8F80-E28D63617D4C}" dt="2025-11-04T17:37:19.903" v="0" actId="47"/>
         <pc:sldMkLst>
           <pc:docMk/>
           <pc:sldMk cId="3261130923" sldId="871"/>
         </pc:sldMkLst>
       </pc:sldChg>
       <pc:sldChg chg="del">
-        <pc:chgData name="Aleksey Zimin" userId="7f2637d0bc515791" providerId="LiveId" clId="{8553A319-8433-4677-8F80-E28D63617D4C}" dt="2025-11-04T13:31:19.266" v="1" actId="47"/>
+        <pc:chgData name="Aleksey Zimin" userId="7f2637d0bc515791" providerId="LiveId" clId="{8553A319-8433-4677-8F80-E28D63617D4C}" dt="2025-11-04T17:37:19.903" v="0" actId="47"/>
         <pc:sldMkLst>
           <pc:docMk/>
           <pc:sldMk cId="415209501" sldId="872"/>
         </pc:sldMkLst>
       </pc:sldChg>
       <pc:sldChg chg="del">
-        <pc:chgData name="Aleksey Zimin" userId="7f2637d0bc515791" providerId="LiveId" clId="{8553A319-8433-4677-8F80-E28D63617D4C}" dt="2025-11-04T13:31:19.266" v="1" actId="47"/>
+        <pc:chgData name="Aleksey Zimin" userId="7f2637d0bc515791" providerId="LiveId" clId="{8553A319-8433-4677-8F80-E28D63617D4C}" dt="2025-11-04T17:37:19.903" v="0" actId="47"/>
         <pc:sldMkLst>
           <pc:docMk/>
           <pc:sldMk cId="3041595195" sldId="873"/>
         </pc:sldMkLst>
       </pc:sldChg>
       <pc:sldChg chg="del">
-        <pc:chgData name="Aleksey Zimin" userId="7f2637d0bc515791" providerId="LiveId" clId="{8553A319-8433-4677-8F80-E28D63617D4C}" dt="2025-11-04T13:31:19.266" v="1" actId="47"/>
+        <pc:chgData name="Aleksey Zimin" userId="7f2637d0bc515791" providerId="LiveId" clId="{8553A319-8433-4677-8F80-E28D63617D4C}" dt="2025-11-04T17:37:19.903" v="0" actId="47"/>
         <pc:sldMkLst>
           <pc:docMk/>
           <pc:sldMk cId="841664835" sldId="874"/>
         </pc:sldMkLst>
       </pc:sldChg>
       <pc:sldChg chg="del">
-        <pc:chgData name="Aleksey Zimin" userId="7f2637d0bc515791" providerId="LiveId" clId="{8553A319-8433-4677-8F80-E28D63617D4C}" dt="2025-11-04T13:31:19.266" v="1" actId="47"/>
+        <pc:chgData name="Aleksey Zimin" userId="7f2637d0bc515791" providerId="LiveId" clId="{8553A319-8433-4677-8F80-E28D63617D4C}" dt="2025-11-04T17:37:19.903" v="0" actId="47"/>
         <pc:sldMkLst>
           <pc:docMk/>
           <pc:sldMk cId="749756353" sldId="875"/>
         </pc:sldMkLst>
       </pc:sldChg>
       <pc:sldChg chg="del">
-        <pc:chgData name="Aleksey Zimin" userId="7f2637d0bc515791" providerId="LiveId" clId="{8553A319-8433-4677-8F80-E28D63617D4C}" dt="2025-11-04T13:31:19.266" v="1" actId="47"/>
+        <pc:chgData name="Aleksey Zimin" userId="7f2637d0bc515791" providerId="LiveId" clId="{8553A319-8433-4677-8F80-E28D63617D4C}" dt="2025-11-04T17:37:19.903" v="0" actId="47"/>
         <pc:sldMkLst>
           <pc:docMk/>
           <pc:sldMk cId="1943159719" sldId="876"/>
         </pc:sldMkLst>
       </pc:sldChg>
       <pc:sldChg chg="del">
-        <pc:chgData name="Aleksey Zimin" userId="7f2637d0bc515791" providerId="LiveId" clId="{8553A319-8433-4677-8F80-E28D63617D4C}" dt="2025-11-04T13:31:19.266" v="1" actId="47"/>
+        <pc:chgData name="Aleksey Zimin" userId="7f2637d0bc515791" providerId="LiveId" clId="{8553A319-8433-4677-8F80-E28D63617D4C}" dt="2025-11-04T17:37:19.903" v="0" actId="47"/>
         <pc:sldMkLst>
           <pc:docMk/>
           <pc:sldMk cId="2131417150" sldId="877"/>
         </pc:sldMkLst>
       </pc:sldChg>
       <pc:sldChg chg="del">
-        <pc:chgData name="Aleksey Zimin" userId="7f2637d0bc515791" providerId="LiveId" clId="{8553A319-8433-4677-8F80-E28D63617D4C}" dt="2025-11-04T13:31:19.266" v="1" actId="47"/>
+        <pc:chgData name="Aleksey Zimin" userId="7f2637d0bc515791" providerId="LiveId" clId="{8553A319-8433-4677-8F80-E28D63617D4C}" dt="2025-11-04T17:37:19.903" v="0" actId="47"/>
         <pc:sldMkLst>
           <pc:docMk/>
           <pc:sldMk cId="323728444" sldId="878"/>
         </pc:sldMkLst>
       </pc:sldChg>
       <pc:sldChg chg="del">
-        <pc:chgData name="Aleksey Zimin" userId="7f2637d0bc515791" providerId="LiveId" clId="{8553A319-8433-4677-8F80-E28D63617D4C}" dt="2025-11-04T13:31:19.266" v="1" actId="47"/>
+        <pc:chgData name="Aleksey Zimin" userId="7f2637d0bc515791" providerId="LiveId" clId="{8553A319-8433-4677-8F80-E28D63617D4C}" dt="2025-11-04T17:37:19.903" v="0" actId="47"/>
         <pc:sldMkLst>
           <pc:docMk/>
           <pc:sldMk cId="1697097188" sldId="879"/>
         </pc:sldMkLst>
       </pc:sldChg>
       <pc:sldChg chg="del">
-        <pc:chgData name="Aleksey Zimin" userId="7f2637d0bc515791" providerId="LiveId" clId="{8553A319-8433-4677-8F80-E28D63617D4C}" dt="2025-11-04T13:31:19.266" v="1" actId="47"/>
+        <pc:chgData name="Aleksey Zimin" userId="7f2637d0bc515791" providerId="LiveId" clId="{8553A319-8433-4677-8F80-E28D63617D4C}" dt="2025-11-04T17:37:19.903" v="0" actId="47"/>
         <pc:sldMkLst>
           <pc:docMk/>
           <pc:sldMk cId="702189588" sldId="882"/>
         </pc:sldMkLst>
       </pc:sldChg>
       <pc:sldChg chg="del">
-        <pc:chgData name="Aleksey Zimin" userId="7f2637d0bc515791" providerId="LiveId" clId="{8553A319-8433-4677-8F80-E28D63617D4C}" dt="2025-11-04T13:31:19.266" v="1" actId="47"/>
+        <pc:chgData name="Aleksey Zimin" userId="7f2637d0bc515791" providerId="LiveId" clId="{8553A319-8433-4677-8F80-E28D63617D4C}" dt="2025-11-04T17:37:19.903" v="0" actId="47"/>
         <pc:sldMkLst>
           <pc:docMk/>
           <pc:sldMk cId="1452179586" sldId="883"/>
         </pc:sldMkLst>
       </pc:sldChg>
       <pc:sldChg chg="del">
-        <pc:chgData name="Aleksey Zimin" userId="7f2637d0bc515791" providerId="LiveId" clId="{8553A319-8433-4677-8F80-E28D63617D4C}" dt="2025-11-04T13:31:19.266" v="1" actId="47"/>
+        <pc:chgData name="Aleksey Zimin" userId="7f2637d0bc515791" providerId="LiveId" clId="{8553A319-8433-4677-8F80-E28D63617D4C}" dt="2025-11-04T17:37:19.903" v="0" actId="47"/>
         <pc:sldMkLst>
           <pc:docMk/>
           <pc:sldMk cId="3549718570" sldId="884"/>
         </pc:sldMkLst>
       </pc:sldChg>
       <pc:sldChg chg="del">
-        <pc:chgData name="Aleksey Zimin" userId="7f2637d0bc515791" providerId="LiveId" clId="{8553A319-8433-4677-8F80-E28D63617D4C}" dt="2025-11-04T13:31:19.266" v="1" actId="47"/>
+        <pc:chgData name="Aleksey Zimin" userId="7f2637d0bc515791" providerId="LiveId" clId="{8553A319-8433-4677-8F80-E28D63617D4C}" dt="2025-11-04T17:37:19.903" v="0" actId="47"/>
         <pc:sldMkLst>
           <pc:docMk/>
           <pc:sldMk cId="941793736" sldId="885"/>
         </pc:sldMkLst>
       </pc:sldChg>
       <pc:sldChg chg="del">
-        <pc:chgData name="Aleksey Zimin" userId="7f2637d0bc515791" providerId="LiveId" clId="{8553A319-8433-4677-8F80-E28D63617D4C}" dt="2025-11-04T13:31:19.266" v="1" actId="47"/>
+        <pc:chgData name="Aleksey Zimin" userId="7f2637d0bc515791" providerId="LiveId" clId="{8553A319-8433-4677-8F80-E28D63617D4C}" dt="2025-11-04T17:37:19.903" v="0" actId="47"/>
         <pc:sldMkLst>
           <pc:docMk/>
           <pc:sldMk cId="2352345771" sldId="886"/>
         </pc:sldMkLst>
       </pc:sldChg>
       <pc:sldChg chg="del">
-        <pc:chgData name="Aleksey Zimin" userId="7f2637d0bc515791" providerId="LiveId" clId="{8553A319-8433-4677-8F80-E28D63617D4C}" dt="2025-11-04T13:31:19.266" v="1" actId="47"/>
+        <pc:chgData name="Aleksey Zimin" userId="7f2637d0bc515791" providerId="LiveId" clId="{8553A319-8433-4677-8F80-E28D63617D4C}" dt="2025-11-04T17:37:19.903" v="0" actId="47"/>
         <pc:sldMkLst>
           <pc:docMk/>
           <pc:sldMk cId="3197633200" sldId="887"/>
         </pc:sldMkLst>
       </pc:sldChg>
       <pc:sldChg chg="del">
-        <pc:chgData name="Aleksey Zimin" userId="7f2637d0bc515791" providerId="LiveId" clId="{8553A319-8433-4677-8F80-E28D63617D4C}" dt="2025-11-04T13:31:19.266" v="1" actId="47"/>
+        <pc:chgData name="Aleksey Zimin" userId="7f2637d0bc515791" providerId="LiveId" clId="{8553A319-8433-4677-8F80-E28D63617D4C}" dt="2025-11-04T17:37:19.903" v="0" actId="47"/>
         <pc:sldMkLst>
           <pc:docMk/>
           <pc:sldMk cId="2537798046" sldId="888"/>
         </pc:sldMkLst>
       </pc:sldChg>
       <pc:sldChg chg="del">
-        <pc:chgData name="Aleksey Zimin" userId="7f2637d0bc515791" providerId="LiveId" clId="{8553A319-8433-4677-8F80-E28D63617D4C}" dt="2025-11-04T13:31:19.266" v="1" actId="47"/>
+        <pc:chgData name="Aleksey Zimin" userId="7f2637d0bc515791" providerId="LiveId" clId="{8553A319-8433-4677-8F80-E28D63617D4C}" dt="2025-11-04T17:37:19.903" v="0" actId="47"/>
         <pc:sldMkLst>
           <pc:docMk/>
           <pc:sldMk cId="1574673349" sldId="890"/>
         </pc:sldMkLst>
       </pc:sldChg>
       <pc:sldChg chg="del">
-        <pc:chgData name="Aleksey Zimin" userId="7f2637d0bc515791" providerId="LiveId" clId="{8553A319-8433-4677-8F80-E28D63617D4C}" dt="2025-11-04T13:31:19.266" v="1" actId="47"/>
+        <pc:chgData name="Aleksey Zimin" userId="7f2637d0bc515791" providerId="LiveId" clId="{8553A319-8433-4677-8F80-E28D63617D4C}" dt="2025-11-04T17:37:19.903" v="0" actId="47"/>
         <pc:sldMkLst>
           <pc:docMk/>
           <pc:sldMk cId="3699968443" sldId="891"/>
         </pc:sldMkLst>
       </pc:sldChg>
       <pc:sldChg chg="del">
-        <pc:chgData name="Aleksey Zimin" userId="7f2637d0bc515791" providerId="LiveId" clId="{8553A319-8433-4677-8F80-E28D63617D4C}" dt="2025-11-04T13:31:19.266" v="1" actId="47"/>
+        <pc:chgData name="Aleksey Zimin" userId="7f2637d0bc515791" providerId="LiveId" clId="{8553A319-8433-4677-8F80-E28D63617D4C}" dt="2025-11-04T17:37:19.903" v="0" actId="47"/>
         <pc:sldMkLst>
           <pc:docMk/>
           <pc:sldMk cId="752308720" sldId="892"/>
         </pc:sldMkLst>
       </pc:sldChg>
       <pc:sldChg chg="del">
-        <pc:chgData name="Aleksey Zimin" userId="7f2637d0bc515791" providerId="LiveId" clId="{8553A319-8433-4677-8F80-E28D63617D4C}" dt="2025-11-04T13:31:19.266" v="1" actId="47"/>
+        <pc:chgData name="Aleksey Zimin" userId="7f2637d0bc515791" providerId="LiveId" clId="{8553A319-8433-4677-8F80-E28D63617D4C}" dt="2025-11-04T17:37:19.903" v="0" actId="47"/>
         <pc:sldMkLst>
           <pc:docMk/>
           <pc:sldMk cId="872453536" sldId="893"/>
         </pc:sldMkLst>
       </pc:sldChg>
       <pc:sldChg chg="del">
-        <pc:chgData name="Aleksey Zimin" userId="7f2637d0bc515791" providerId="LiveId" clId="{8553A319-8433-4677-8F80-E28D63617D4C}" dt="2025-11-04T13:31:19.266" v="1" actId="47"/>
+        <pc:chgData name="Aleksey Zimin" userId="7f2637d0bc515791" providerId="LiveId" clId="{8553A319-8433-4677-8F80-E28D63617D4C}" dt="2025-11-04T17:37:19.903" v="0" actId="47"/>
         <pc:sldMkLst>
           <pc:docMk/>
           <pc:sldMk cId="2702561878" sldId="894"/>
         </pc:sldMkLst>
       </pc:sldChg>
       <pc:sldChg chg="del">
-        <pc:chgData name="Aleksey Zimin" userId="7f2637d0bc515791" providerId="LiveId" clId="{8553A319-8433-4677-8F80-E28D63617D4C}" dt="2025-11-04T13:31:19.266" v="1" actId="47"/>
+        <pc:chgData name="Aleksey Zimin" userId="7f2637d0bc515791" providerId="LiveId" clId="{8553A319-8433-4677-8F80-E28D63617D4C}" dt="2025-11-04T17:37:19.903" v="0" actId="47"/>
         <pc:sldMkLst>
           <pc:docMk/>
           <pc:sldMk cId="1526773716" sldId="895"/>
         </pc:sldMkLst>
       </pc:sldChg>
       <pc:sldChg chg="del">
-        <pc:chgData name="Aleksey Zimin" userId="7f2637d0bc515791" providerId="LiveId" clId="{8553A319-8433-4677-8F80-E28D63617D4C}" dt="2025-11-04T13:31:19.266" v="1" actId="47"/>
+        <pc:chgData name="Aleksey Zimin" userId="7f2637d0bc515791" providerId="LiveId" clId="{8553A319-8433-4677-8F80-E28D63617D4C}" dt="2025-11-04T17:37:19.903" v="0" actId="47"/>
         <pc:sldMkLst>
           <pc:docMk/>
           <pc:sldMk cId="2253551215" sldId="896"/>
         </pc:sldMkLst>
       </pc:sldChg>
       <pc:sldChg chg="del">
-        <pc:chgData name="Aleksey Zimin" userId="7f2637d0bc515791" providerId="LiveId" clId="{8553A319-8433-4677-8F80-E28D63617D4C}" dt="2025-11-04T13:31:19.266" v="1" actId="47"/>
+        <pc:chgData name="Aleksey Zimin" userId="7f2637d0bc515791" providerId="LiveId" clId="{8553A319-8433-4677-8F80-E28D63617D4C}" dt="2025-11-04T17:37:19.903" v="0" actId="47"/>
         <pc:sldMkLst>
           <pc:docMk/>
           <pc:sldMk cId="512676943" sldId="897"/>
@@ -598,6 +600,87 @@
 </inkml:ink>
 </file>
 
+<file path=ppt/ink/ink17.xml><?xml version="1.0" encoding="utf-8"?>
+<inkml:ink xmlns:inkml="http://www.w3.org/2003/InkML">
+  <inkml:definitions>
+    <inkml:context xml:id="ctx0">
+      <inkml:inkSource xml:id="inkSrc0">
+        <inkml:traceFormat>
+          <inkml:channel name="X" type="integer" min="-2.14748E9" max="2.14748E9" units="cm"/>
+          <inkml:channel name="Y" type="integer" min="-2.14748E9" max="2.14748E9" units="cm"/>
+          <inkml:channel name="F" type="integer" max="32767" units="dev"/>
+        </inkml:traceFormat>
+        <inkml:channelProperties>
+          <inkml:channelProperty channel="X" name="resolution" value="1000" units="1/cm"/>
+          <inkml:channelProperty channel="Y" name="resolution" value="1000" units="1/cm"/>
+          <inkml:channelProperty channel="F" name="resolution" value="0" units="1/dev"/>
+        </inkml:channelProperties>
+      </inkml:inkSource>
+      <inkml:timestamp xml:id="ts0" timeString="2025-11-04T16:03:36.284"/>
+    </inkml:context>
+    <inkml:brush xml:id="br0">
+      <inkml:brushProperty name="width" value="0.035" units="cm"/>
+      <inkml:brushProperty name="height" value="0.035" units="cm"/>
+    </inkml:brush>
+  </inkml:definitions>
+  <inkml:trace contextRef="#ctx0" brushRef="#br0">1286 1900 24575,'-7'1'0,"1"0"0,-1 1 0,1 0 0,-1 0 0,1 0 0,-12 7 0,-12 4 0,-163 41 0,156-46 0,0-2 0,0-1 0,-51-1 0,55-5 0,-152-7 0,162 5 0,0-1 0,1-1 0,-1-1 0,1-1 0,-42-19 0,37 12 0,1 0 0,1-2 0,0-1 0,1-1 0,0-1 0,2-1 0,0-1 0,2-1 0,-21-27 0,19 20 0,2-1 0,1-1 0,1-1 0,-15-38 0,24 46 0,1 0 0,1 0 0,1-1 0,1 0 0,1 0 0,0-45 0,6-538 0,-1 592 0,1 1 0,0 0 0,1 0 0,1 0 0,0 0 0,1 1 0,11-23 0,1 3 0,41-60 0,-27 51 0,1 2 0,3 2 0,0 1 0,45-35 0,-60 56 0,1 0 0,1 2 0,0 1 0,1 0 0,1 2 0,0 0 0,44-13 0,3-1 0,-44 15 0,0 2 0,34-8 0,-61 17 0,48-10 0,0 2 0,79-2 0,-47 9 0,109 4 0,-160 3 0,-1 0 0,0 2 0,0 1 0,0 1 0,50 27 0,-59-28 0,1 3 0,-1 1 0,0 0 0,-1 1 0,0 2 0,24 26 0,-1-2 0,-26-25 0,-1 0 0,0 2 0,-1-1 0,-1 2 0,-1 0 0,17 34 0,-9-6 0,24 83 0,-39-114 0,1 0 0,0-1 0,0 0 0,2-1 0,0 1 0,14 20 0,-21-34 0,1 0 0,-1 0 0,0 0 0,1 0 0,-1 0 0,0 0 0,1 0 0,-1 0 0,0 0 0,1 0 0,-1-1 0,0 1 0,0 0 0,1 0 0,-1 0 0,0 0 0,1-1 0,-1 1 0,0 0 0,0 0 0,1 0 0,-1-1 0,0 1 0,0 0 0,0-1 0,0 1 0,1 0 0,-1 0 0,0-1 0,0 1 0,0 0 0,0-1 0,0 1 0,0 0 0,0-1 0,0 1 0,0 0 0,0-1 0,0 1 0,0 0 0,0-1 0,0 1 0,0 0 0,0-1 0,0 1 0,0 0 0,0-1 0,1-19 0,-3-199 0,3 286 0,-3 88 0,2-153 0,0 1 0,0-1 0,0 1 0,0-1 0,-1 1 0,0-1 0,1 0 0,-1 1 0,0-1 0,0 1 0,0-1 0,0 0 0,-1 0 0,1 0 0,-1 0 0,-1 2 0,2-3 0,-1 0 0,1-1 0,0 1 0,-1-1 0,1 0 0,-1 1 0,1-1 0,-1 0 0,1 0 0,-1 0 0,1 0 0,-1 0 0,1 0 0,-1 0 0,1-1 0,0 1 0,-1-1 0,1 1 0,-1-1 0,1 1 0,0-1 0,-1 0 0,1 1 0,0-1 0,0 0 0,0 0 0,-1 0 0,0-2 0,-20-12 0,12 10 0,1-1 0,0-1 0,0 1 0,1-1 0,-1-1 0,2 0 0,-1 0 0,1 0 0,-11-18 0,74 85 0,-27-27-1365,-15-20-5461</inkml:trace>
+</inkml:ink>
+</file>
+
+<file path=ppt/ink/ink18.xml><?xml version="1.0" encoding="utf-8"?>
+<inkml:ink xmlns:inkml="http://www.w3.org/2003/InkML">
+  <inkml:definitions>
+    <inkml:context xml:id="ctx0">
+      <inkml:inkSource xml:id="inkSrc0">
+        <inkml:traceFormat>
+          <inkml:channel name="X" type="integer" min="-2.14748E9" max="2.14748E9" units="cm"/>
+          <inkml:channel name="Y" type="integer" min="-2.14748E9" max="2.14748E9" units="cm"/>
+          <inkml:channel name="F" type="integer" max="32767" units="dev"/>
+        </inkml:traceFormat>
+        <inkml:channelProperties>
+          <inkml:channelProperty channel="X" name="resolution" value="1000" units="1/cm"/>
+          <inkml:channelProperty channel="Y" name="resolution" value="1000" units="1/cm"/>
+          <inkml:channelProperty channel="F" name="resolution" value="0" units="1/dev"/>
+        </inkml:channelProperties>
+      </inkml:inkSource>
+      <inkml:timestamp xml:id="ts0" timeString="2025-11-04T16:10:56.332"/>
+    </inkml:context>
+    <inkml:brush xml:id="br0">
+      <inkml:brushProperty name="width" value="0.035" units="cm"/>
+      <inkml:brushProperty name="height" value="0.035" units="cm"/>
+    </inkml:brush>
+  </inkml:definitions>
+  <inkml:trace contextRef="#ctx0" brushRef="#br0">1286 1900 24575,'-7'1'0,"1"0"0,-1 1 0,1 0 0,-1 0 0,1 0 0,-12 7 0,-12 4 0,-163 41 0,156-46 0,0-2 0,0-1 0,-51-1 0,55-5 0,-152-7 0,162 5 0,0-1 0,1-1 0,-1-1 0,1-1 0,-42-19 0,37 12 0,1 0 0,1-2 0,0-1 0,1-1 0,0-1 0,2-1 0,0-1 0,2-1 0,-21-27 0,19 20 0,2-1 0,1-1 0,1-1 0,-15-38 0,24 46 0,1 0 0,1 0 0,1-1 0,1 0 0,1 0 0,0-45 0,6-538 0,-1 592 0,1 1 0,0 0 0,1 0 0,1 0 0,0 0 0,1 1 0,11-23 0,1 3 0,41-60 0,-27 51 0,1 2 0,3 2 0,0 1 0,45-35 0,-60 56 0,1 0 0,1 2 0,0 1 0,1 0 0,1 2 0,0 0 0,44-13 0,3-1 0,-44 15 0,0 2 0,34-8 0,-61 17 0,48-10 0,0 2 0,79-2 0,-47 9 0,109 4 0,-160 3 0,-1 0 0,0 2 0,0 1 0,0 1 0,50 27 0,-59-28 0,1 3 0,-1 1 0,0 0 0,-1 1 0,0 2 0,24 26 0,-1-2 0,-26-25 0,-1 0 0,0 2 0,-1-1 0,-1 2 0,-1 0 0,17 34 0,-9-6 0,24 83 0,-39-114 0,1 0 0,0-1 0,0 0 0,2-1 0,0 1 0,14 20 0,-21-34 0,1 0 0,-1 0 0,0 0 0,1 0 0,-1 0 0,0 0 0,1 0 0,-1 0 0,0 0 0,1 0 0,-1-1 0,0 1 0,0 0 0,1 0 0,-1 0 0,0 0 0,1-1 0,-1 1 0,0 0 0,0 0 0,1 0 0,-1-1 0,0 1 0,0 0 0,0-1 0,0 1 0,1 0 0,-1 0 0,0-1 0,0 1 0,0 0 0,0-1 0,0 1 0,0 0 0,0-1 0,0 1 0,0 0 0,0-1 0,0 1 0,0 0 0,0-1 0,0 1 0,0 0 0,0-1 0,0 1 0,0 0 0,0-1 0,1-19 0,-3-199 0,3 286 0,-3 88 0,2-153 0,0 1 0,0-1 0,0 1 0,0-1 0,-1 1 0,0-1 0,1 0 0,-1 1 0,0-1 0,0 1 0,0-1 0,0 0 0,-1 0 0,1 0 0,-1 0 0,-1 2 0,2-3 0,-1 0 0,1-1 0,0 1 0,-1-1 0,1 0 0,-1 1 0,1-1 0,-1 0 0,1 0 0,-1 0 0,1 0 0,-1 0 0,1 0 0,-1 0 0,1-1 0,0 1 0,-1-1 0,1 1 0,-1-1 0,1 1 0,0-1 0,-1 0 0,1 1 0,0-1 0,0 0 0,0 0 0,-1 0 0,0-2 0,-20-12 0,12 10 0,1-1 0,0-1 0,0 1 0,1-1 0,-1-1 0,2 0 0,-1 0 0,1 0 0,-11-18 0,74 85 0,-27-27-1365,-15-20-5461</inkml:trace>
+</inkml:ink>
+</file>
+
+<file path=ppt/ink/ink19.xml><?xml version="1.0" encoding="utf-8"?>
+<inkml:ink xmlns:inkml="http://www.w3.org/2003/InkML">
+  <inkml:definitions>
+    <inkml:context xml:id="ctx0">
+      <inkml:inkSource xml:id="inkSrc0">
+        <inkml:traceFormat>
+          <inkml:channel name="X" type="integer" min="-2.14748E9" max="2.14748E9" units="cm"/>
+          <inkml:channel name="Y" type="integer" min="-2.14748E9" max="2.14748E9" units="cm"/>
+          <inkml:channel name="F" type="integer" max="32767" units="dev"/>
+        </inkml:traceFormat>
+        <inkml:channelProperties>
+          <inkml:channelProperty channel="X" name="resolution" value="1000" units="1/cm"/>
+          <inkml:channelProperty channel="Y" name="resolution" value="1000" units="1/cm"/>
+          <inkml:channelProperty channel="F" name="resolution" value="0" units="1/dev"/>
+        </inkml:channelProperties>
+      </inkml:inkSource>
+      <inkml:timestamp xml:id="ts0" timeString="2025-11-04T16:11:15.323"/>
+    </inkml:context>
+    <inkml:brush xml:id="br0">
+      <inkml:brushProperty name="width" value="0.035" units="cm"/>
+      <inkml:brushProperty name="height" value="0.035" units="cm"/>
+    </inkml:brush>
+  </inkml:definitions>
+  <inkml:trace contextRef="#ctx0" brushRef="#br0">1286 1900 24575,'-7'1'0,"1"0"0,-1 1 0,1 0 0,-1 0 0,1 0 0,-12 7 0,-12 4 0,-163 41 0,156-46 0,0-2 0,0-1 0,-51-1 0,55-5 0,-152-7 0,162 5 0,0-1 0,1-1 0,-1-1 0,1-1 0,-42-19 0,37 12 0,1 0 0,1-2 0,0-1 0,1-1 0,0-1 0,2-1 0,0-1 0,2-1 0,-21-27 0,19 20 0,2-1 0,1-1 0,1-1 0,-15-38 0,24 46 0,1 0 0,1 0 0,1-1 0,1 0 0,1 0 0,0-45 0,6-538 0,-1 592 0,1 1 0,0 0 0,1 0 0,1 0 0,0 0 0,1 1 0,11-23 0,1 3 0,41-60 0,-27 51 0,1 2 0,3 2 0,0 1 0,45-35 0,-60 56 0,1 0 0,1 2 0,0 1 0,1 0 0,1 2 0,0 0 0,44-13 0,3-1 0,-44 15 0,0 2 0,34-8 0,-61 17 0,48-10 0,0 2 0,79-2 0,-47 9 0,109 4 0,-160 3 0,-1 0 0,0 2 0,0 1 0,0 1 0,50 27 0,-59-28 0,1 3 0,-1 1 0,0 0 0,-1 1 0,0 2 0,24 26 0,-1-2 0,-26-25 0,-1 0 0,0 2 0,-1-1 0,-1 2 0,-1 0 0,17 34 0,-9-6 0,24 83 0,-39-114 0,1 0 0,0-1 0,0 0 0,2-1 0,0 1 0,14 20 0,-21-34 0,1 0 0,-1 0 0,0 0 0,1 0 0,-1 0 0,0 0 0,1 0 0,-1 0 0,0 0 0,1 0 0,-1-1 0,0 1 0,0 0 0,1 0 0,-1 0 0,0 0 0,1-1 0,-1 1 0,0 0 0,0 0 0,1 0 0,-1-1 0,0 1 0,0 0 0,0-1 0,0 1 0,1 0 0,-1 0 0,0-1 0,0 1 0,0 0 0,0-1 0,0 1 0,0 0 0,0-1 0,0 1 0,0 0 0,0-1 0,0 1 0,0 0 0,0-1 0,0 1 0,0 0 0,0-1 0,0 1 0,0 0 0,0-1 0,1-19 0,-3-199 0,3 286 0,-3 88 0,2-153 0,0 1 0,0-1 0,0 1 0,0-1 0,-1 1 0,0-1 0,1 0 0,-1 1 0,0-1 0,0 1 0,0-1 0,0 0 0,-1 0 0,1 0 0,-1 0 0,-1 2 0,2-3 0,-1 0 0,1-1 0,0 1 0,-1-1 0,1 0 0,-1 1 0,1-1 0,-1 0 0,1 0 0,-1 0 0,1 0 0,-1 0 0,1 0 0,-1 0 0,1-1 0,0 1 0,-1-1 0,1 1 0,-1-1 0,1 1 0,0-1 0,-1 0 0,1 1 0,0-1 0,0 0 0,0 0 0,-1 0 0,0-2 0,-20-12 0,12 10 0,1-1 0,0-1 0,0 1 0,1-1 0,-1-1 0,2 0 0,-1 0 0,1 0 0,-11-18 0,74 85 0,-27-27-1365,-15-20-5461</inkml:trace>
+</inkml:ink>
+</file>
+
 <file path=ppt/ink/ink2.xml><?xml version="1.0" encoding="utf-8"?>
 <inkml:ink xmlns:inkml="http://www.w3.org/2003/InkML">
   <inkml:definitions>
@@ -622,6 +705,168 @@
     </inkml:brush>
   </inkml:definitions>
   <inkml:trace contextRef="#ctx0" brushRef="#br0">6951 62 24575,'-48'44'0,"-2"-1"0,-71 46 0,-114 58 0,234-147 0,-217 122 0,174-100 0,-1-3 0,-2-1 0,-49 12 0,-497 132 0,375-97 0,-135 31 0,4-31 0,-362 20 0,519-80 0,-54 6 0,-679 16 0,647-29 0,133-10 0,34 2 0,18 4 0,1-4 0,0-3 0,0-5 0,-118-39 0,131 32 0,23 8 0,-65-31 0,-298-133 0,391 165 0,0 0 0,1-2 0,0 0 0,-41-40 0,41 32 0,-30-39 0,-14-13 0,40 49 0,-16-15 0,1-2 0,2-2 0,-49-72 0,19-3 0,71 124 0,4 11 0,4 15 0,23 41 0,56 100 0,-14-41 0,-65-121 0,-3-8 0,-3-17 0,-6-26 0,1 24 0,-1-1 0,-1 2 0,0-1 0,-2 1 0,-1 0 0,0 1 0,-27-35 0,-19-31 0,53 78 0,1 1 0,0-1 0,0 0 0,0 0 0,0 0 0,1 0 0,-2-13 0,8 22 0,-1 1 0,0 0 0,0 0 0,0 0 0,0 0 0,0 0 0,0 0 0,-1 1 0,3 4 0,22 30 0,3 0 0,1-2 0,1-2 0,3 0 0,44 33 0,-53-43 0,-22-12 0,-22-11 0,11-3-170,1 0-1,-1 0 0,0-1 1,1 0-1,-1 0 0,1-1 1,-9-6-1,2 0-6655</inkml:trace>
+</inkml:ink>
+</file>
+
+<file path=ppt/ink/ink20.xml><?xml version="1.0" encoding="utf-8"?>
+<inkml:ink xmlns:inkml="http://www.w3.org/2003/InkML">
+  <inkml:definitions>
+    <inkml:context xml:id="ctx0">
+      <inkml:inkSource xml:id="inkSrc0">
+        <inkml:traceFormat>
+          <inkml:channel name="X" type="integer" min="-2.14748E9" max="2.14748E9" units="cm"/>
+          <inkml:channel name="Y" type="integer" min="-2.14748E9" max="2.14748E9" units="cm"/>
+          <inkml:channel name="F" type="integer" max="32767" units="dev"/>
+        </inkml:traceFormat>
+        <inkml:channelProperties>
+          <inkml:channelProperty channel="X" name="resolution" value="1000" units="1/cm"/>
+          <inkml:channelProperty channel="Y" name="resolution" value="1000" units="1/cm"/>
+          <inkml:channelProperty channel="F" name="resolution" value="0" units="1/dev"/>
+        </inkml:channelProperties>
+      </inkml:inkSource>
+      <inkml:timestamp xml:id="ts0" timeString="2025-11-04T16:11:31.345"/>
+    </inkml:context>
+    <inkml:brush xml:id="br0">
+      <inkml:brushProperty name="width" value="0.035" units="cm"/>
+      <inkml:brushProperty name="height" value="0.035" units="cm"/>
+    </inkml:brush>
+  </inkml:definitions>
+  <inkml:trace contextRef="#ctx0" brushRef="#br0">1286 1900 24575,'-7'1'0,"1"0"0,-1 1 0,1 0 0,-1 0 0,1 0 0,-12 7 0,-12 4 0,-163 41 0,156-46 0,0-2 0,0-1 0,-51-1 0,55-5 0,-152-7 0,162 5 0,0-1 0,1-1 0,-1-1 0,1-1 0,-42-19 0,37 12 0,1 0 0,1-2 0,0-1 0,1-1 0,0-1 0,2-1 0,0-1 0,2-1 0,-21-27 0,19 20 0,2-1 0,1-1 0,1-1 0,-15-38 0,24 46 0,1 0 0,1 0 0,1-1 0,1 0 0,1 0 0,0-45 0,6-538 0,-1 592 0,1 1 0,0 0 0,1 0 0,1 0 0,0 0 0,1 1 0,11-23 0,1 3 0,41-60 0,-27 51 0,1 2 0,3 2 0,0 1 0,45-35 0,-60 56 0,1 0 0,1 2 0,0 1 0,1 0 0,1 2 0,0 0 0,44-13 0,3-1 0,-44 15 0,0 2 0,34-8 0,-61 17 0,48-10 0,0 2 0,79-2 0,-47 9 0,109 4 0,-160 3 0,-1 0 0,0 2 0,0 1 0,0 1 0,50 27 0,-59-28 0,1 3 0,-1 1 0,0 0 0,-1 1 0,0 2 0,24 26 0,-1-2 0,-26-25 0,-1 0 0,0 2 0,-1-1 0,-1 2 0,-1 0 0,17 34 0,-9-6 0,24 83 0,-39-114 0,1 0 0,0-1 0,0 0 0,2-1 0,0 1 0,14 20 0,-21-34 0,1 0 0,-1 0 0,0 0 0,1 0 0,-1 0 0,0 0 0,1 0 0,-1 0 0,0 0 0,1 0 0,-1-1 0,0 1 0,0 0 0,1 0 0,-1 0 0,0 0 0,1-1 0,-1 1 0,0 0 0,0 0 0,1 0 0,-1-1 0,0 1 0,0 0 0,0-1 0,0 1 0,1 0 0,-1 0 0,0-1 0,0 1 0,0 0 0,0-1 0,0 1 0,0 0 0,0-1 0,0 1 0,0 0 0,0-1 0,0 1 0,0 0 0,0-1 0,0 1 0,0 0 0,0-1 0,0 1 0,0 0 0,0-1 0,1-19 0,-3-199 0,3 286 0,-3 88 0,2-153 0,0 1 0,0-1 0,0 1 0,0-1 0,-1 1 0,0-1 0,1 0 0,-1 1 0,0-1 0,0 1 0,0-1 0,0 0 0,-1 0 0,1 0 0,-1 0 0,-1 2 0,2-3 0,-1 0 0,1-1 0,0 1 0,-1-1 0,1 0 0,-1 1 0,1-1 0,-1 0 0,1 0 0,-1 0 0,1 0 0,-1 0 0,1 0 0,-1 0 0,1-1 0,0 1 0,-1-1 0,1 1 0,-1-1 0,1 1 0,0-1 0,-1 0 0,1 1 0,0-1 0,0 0 0,0 0 0,-1 0 0,0-2 0,-20-12 0,12 10 0,1-1 0,0-1 0,0 1 0,1-1 0,-1-1 0,2 0 0,-1 0 0,1 0 0,-11-18 0,74 85 0,-27-27-1365,-15-20-5461</inkml:trace>
+</inkml:ink>
+</file>
+
+<file path=ppt/ink/ink21.xml><?xml version="1.0" encoding="utf-8"?>
+<inkml:ink xmlns:inkml="http://www.w3.org/2003/InkML">
+  <inkml:definitions>
+    <inkml:context xml:id="ctx0">
+      <inkml:inkSource xml:id="inkSrc0">
+        <inkml:traceFormat>
+          <inkml:channel name="X" type="integer" min="-2.14748E9" max="2.14748E9" units="cm"/>
+          <inkml:channel name="Y" type="integer" min="-2.14748E9" max="2.14748E9" units="cm"/>
+          <inkml:channel name="F" type="integer" max="32767" units="dev"/>
+        </inkml:traceFormat>
+        <inkml:channelProperties>
+          <inkml:channelProperty channel="X" name="resolution" value="1000" units="1/cm"/>
+          <inkml:channelProperty channel="Y" name="resolution" value="1000" units="1/cm"/>
+          <inkml:channelProperty channel="F" name="resolution" value="0" units="1/dev"/>
+        </inkml:channelProperties>
+      </inkml:inkSource>
+      <inkml:timestamp xml:id="ts0" timeString="2025-11-04T16:03:36.284"/>
+    </inkml:context>
+    <inkml:brush xml:id="br0">
+      <inkml:brushProperty name="width" value="0.035" units="cm"/>
+      <inkml:brushProperty name="height" value="0.035" units="cm"/>
+    </inkml:brush>
+  </inkml:definitions>
+  <inkml:trace contextRef="#ctx0" brushRef="#br0">1286 1900 24575,'-7'1'0,"1"0"0,-1 1 0,1 0 0,-1 0 0,1 0 0,-12 7 0,-12 4 0,-163 41 0,156-46 0,0-2 0,0-1 0,-51-1 0,55-5 0,-152-7 0,162 5 0,0-1 0,1-1 0,-1-1 0,1-1 0,-42-19 0,37 12 0,1 0 0,1-2 0,0-1 0,1-1 0,0-1 0,2-1 0,0-1 0,2-1 0,-21-27 0,19 20 0,2-1 0,1-1 0,1-1 0,-15-38 0,24 46 0,1 0 0,1 0 0,1-1 0,1 0 0,1 0 0,0-45 0,6-538 0,-1 592 0,1 1 0,0 0 0,1 0 0,1 0 0,0 0 0,1 1 0,11-23 0,1 3 0,41-60 0,-27 51 0,1 2 0,3 2 0,0 1 0,45-35 0,-60 56 0,1 0 0,1 2 0,0 1 0,1 0 0,1 2 0,0 0 0,44-13 0,3-1 0,-44 15 0,0 2 0,34-8 0,-61 17 0,48-10 0,0 2 0,79-2 0,-47 9 0,109 4 0,-160 3 0,-1 0 0,0 2 0,0 1 0,0 1 0,50 27 0,-59-28 0,1 3 0,-1 1 0,0 0 0,-1 1 0,0 2 0,24 26 0,-1-2 0,-26-25 0,-1 0 0,0 2 0,-1-1 0,-1 2 0,-1 0 0,17 34 0,-9-6 0,24 83 0,-39-114 0,1 0 0,0-1 0,0 0 0,2-1 0,0 1 0,14 20 0,-21-34 0,1 0 0,-1 0 0,0 0 0,1 0 0,-1 0 0,0 0 0,1 0 0,-1 0 0,0 0 0,1 0 0,-1-1 0,0 1 0,0 0 0,1 0 0,-1 0 0,0 0 0,1-1 0,-1 1 0,0 0 0,0 0 0,1 0 0,-1-1 0,0 1 0,0 0 0,0-1 0,0 1 0,1 0 0,-1 0 0,0-1 0,0 1 0,0 0 0,0-1 0,0 1 0,0 0 0,0-1 0,0 1 0,0 0 0,0-1 0,0 1 0,0 0 0,0-1 0,0 1 0,0 0 0,0-1 0,0 1 0,0 0 0,0-1 0,1-19 0,-3-199 0,3 286 0,-3 88 0,2-153 0,0 1 0,0-1 0,0 1 0,0-1 0,-1 1 0,0-1 0,1 0 0,-1 1 0,0-1 0,0 1 0,0-1 0,0 0 0,-1 0 0,1 0 0,-1 0 0,-1 2 0,2-3 0,-1 0 0,1-1 0,0 1 0,-1-1 0,1 0 0,-1 1 0,1-1 0,-1 0 0,1 0 0,-1 0 0,1 0 0,-1 0 0,1 0 0,-1 0 0,1-1 0,0 1 0,-1-1 0,1 1 0,-1-1 0,1 1 0,0-1 0,-1 0 0,1 1 0,0-1 0,0 0 0,0 0 0,-1 0 0,0-2 0,-20-12 0,12 10 0,1-1 0,0-1 0,0 1 0,1-1 0,-1-1 0,2 0 0,-1 0 0,1 0 0,-11-18 0,74 85 0,-27-27-1365,-15-20-5461</inkml:trace>
+</inkml:ink>
+</file>
+
+<file path=ppt/ink/ink22.xml><?xml version="1.0" encoding="utf-8"?>
+<inkml:ink xmlns:inkml="http://www.w3.org/2003/InkML">
+  <inkml:definitions>
+    <inkml:context xml:id="ctx0">
+      <inkml:inkSource xml:id="inkSrc0">
+        <inkml:traceFormat>
+          <inkml:channel name="X" type="integer" min="-2.14748E9" max="2.14748E9" units="cm"/>
+          <inkml:channel name="Y" type="integer" min="-2.14748E9" max="2.14748E9" units="cm"/>
+          <inkml:channel name="F" type="integer" max="32767" units="dev"/>
+        </inkml:traceFormat>
+        <inkml:channelProperties>
+          <inkml:channelProperty channel="X" name="resolution" value="1000" units="1/cm"/>
+          <inkml:channelProperty channel="Y" name="resolution" value="1000" units="1/cm"/>
+          <inkml:channelProperty channel="F" name="resolution" value="0" units="1/dev"/>
+        </inkml:channelProperties>
+      </inkml:inkSource>
+      <inkml:timestamp xml:id="ts0" timeString="2025-11-04T16:10:56.332"/>
+    </inkml:context>
+    <inkml:brush xml:id="br0">
+      <inkml:brushProperty name="width" value="0.035" units="cm"/>
+      <inkml:brushProperty name="height" value="0.035" units="cm"/>
+    </inkml:brush>
+  </inkml:definitions>
+  <inkml:trace contextRef="#ctx0" brushRef="#br0">1286 1900 24575,'-7'1'0,"1"0"0,-1 1 0,1 0 0,-1 0 0,1 0 0,-12 7 0,-12 4 0,-163 41 0,156-46 0,0-2 0,0-1 0,-51-1 0,55-5 0,-152-7 0,162 5 0,0-1 0,1-1 0,-1-1 0,1-1 0,-42-19 0,37 12 0,1 0 0,1-2 0,0-1 0,1-1 0,0-1 0,2-1 0,0-1 0,2-1 0,-21-27 0,19 20 0,2-1 0,1-1 0,1-1 0,-15-38 0,24 46 0,1 0 0,1 0 0,1-1 0,1 0 0,1 0 0,0-45 0,6-538 0,-1 592 0,1 1 0,0 0 0,1 0 0,1 0 0,0 0 0,1 1 0,11-23 0,1 3 0,41-60 0,-27 51 0,1 2 0,3 2 0,0 1 0,45-35 0,-60 56 0,1 0 0,1 2 0,0 1 0,1 0 0,1 2 0,0 0 0,44-13 0,3-1 0,-44 15 0,0 2 0,34-8 0,-61 17 0,48-10 0,0 2 0,79-2 0,-47 9 0,109 4 0,-160 3 0,-1 0 0,0 2 0,0 1 0,0 1 0,50 27 0,-59-28 0,1 3 0,-1 1 0,0 0 0,-1 1 0,0 2 0,24 26 0,-1-2 0,-26-25 0,-1 0 0,0 2 0,-1-1 0,-1 2 0,-1 0 0,17 34 0,-9-6 0,24 83 0,-39-114 0,1 0 0,0-1 0,0 0 0,2-1 0,0 1 0,14 20 0,-21-34 0,1 0 0,-1 0 0,0 0 0,1 0 0,-1 0 0,0 0 0,1 0 0,-1 0 0,0 0 0,1 0 0,-1-1 0,0 1 0,0 0 0,1 0 0,-1 0 0,0 0 0,1-1 0,-1 1 0,0 0 0,0 0 0,1 0 0,-1-1 0,0 1 0,0 0 0,0-1 0,0 1 0,1 0 0,-1 0 0,0-1 0,0 1 0,0 0 0,0-1 0,0 1 0,0 0 0,0-1 0,0 1 0,0 0 0,0-1 0,0 1 0,0 0 0,0-1 0,0 1 0,0 0 0,0-1 0,0 1 0,0 0 0,0-1 0,1-19 0,-3-199 0,3 286 0,-3 88 0,2-153 0,0 1 0,0-1 0,0 1 0,0-1 0,-1 1 0,0-1 0,1 0 0,-1 1 0,0-1 0,0 1 0,0-1 0,0 0 0,-1 0 0,1 0 0,-1 0 0,-1 2 0,2-3 0,-1 0 0,1-1 0,0 1 0,-1-1 0,1 0 0,-1 1 0,1-1 0,-1 0 0,1 0 0,-1 0 0,1 0 0,-1 0 0,1 0 0,-1 0 0,1-1 0,0 1 0,-1-1 0,1 1 0,-1-1 0,1 1 0,0-1 0,-1 0 0,1 1 0,0-1 0,0 0 0,0 0 0,-1 0 0,0-2 0,-20-12 0,12 10 0,1-1 0,0-1 0,0 1 0,1-1 0,-1-1 0,2 0 0,-1 0 0,1 0 0,-11-18 0,74 85 0,-27-27-1365,-15-20-5461</inkml:trace>
+</inkml:ink>
+</file>
+
+<file path=ppt/ink/ink23.xml><?xml version="1.0" encoding="utf-8"?>
+<inkml:ink xmlns:inkml="http://www.w3.org/2003/InkML">
+  <inkml:definitions>
+    <inkml:context xml:id="ctx0">
+      <inkml:inkSource xml:id="inkSrc0">
+        <inkml:traceFormat>
+          <inkml:channel name="X" type="integer" min="-2.14748E9" max="2.14748E9" units="cm"/>
+          <inkml:channel name="Y" type="integer" min="-2.14748E9" max="2.14748E9" units="cm"/>
+          <inkml:channel name="F" type="integer" max="32767" units="dev"/>
+        </inkml:traceFormat>
+        <inkml:channelProperties>
+          <inkml:channelProperty channel="X" name="resolution" value="1000" units="1/cm"/>
+          <inkml:channelProperty channel="Y" name="resolution" value="1000" units="1/cm"/>
+          <inkml:channelProperty channel="F" name="resolution" value="0" units="1/dev"/>
+        </inkml:channelProperties>
+      </inkml:inkSource>
+      <inkml:timestamp xml:id="ts0" timeString="2025-11-04T16:11:15.323"/>
+    </inkml:context>
+    <inkml:brush xml:id="br0">
+      <inkml:brushProperty name="width" value="0.035" units="cm"/>
+      <inkml:brushProperty name="height" value="0.035" units="cm"/>
+    </inkml:brush>
+  </inkml:definitions>
+  <inkml:trace contextRef="#ctx0" brushRef="#br0">1286 1900 24575,'-7'1'0,"1"0"0,-1 1 0,1 0 0,-1 0 0,1 0 0,-12 7 0,-12 4 0,-163 41 0,156-46 0,0-2 0,0-1 0,-51-1 0,55-5 0,-152-7 0,162 5 0,0-1 0,1-1 0,-1-1 0,1-1 0,-42-19 0,37 12 0,1 0 0,1-2 0,0-1 0,1-1 0,0-1 0,2-1 0,0-1 0,2-1 0,-21-27 0,19 20 0,2-1 0,1-1 0,1-1 0,-15-38 0,24 46 0,1 0 0,1 0 0,1-1 0,1 0 0,1 0 0,0-45 0,6-538 0,-1 592 0,1 1 0,0 0 0,1 0 0,1 0 0,0 0 0,1 1 0,11-23 0,1 3 0,41-60 0,-27 51 0,1 2 0,3 2 0,0 1 0,45-35 0,-60 56 0,1 0 0,1 2 0,0 1 0,1 0 0,1 2 0,0 0 0,44-13 0,3-1 0,-44 15 0,0 2 0,34-8 0,-61 17 0,48-10 0,0 2 0,79-2 0,-47 9 0,109 4 0,-160 3 0,-1 0 0,0 2 0,0 1 0,0 1 0,50 27 0,-59-28 0,1 3 0,-1 1 0,0 0 0,-1 1 0,0 2 0,24 26 0,-1-2 0,-26-25 0,-1 0 0,0 2 0,-1-1 0,-1 2 0,-1 0 0,17 34 0,-9-6 0,24 83 0,-39-114 0,1 0 0,0-1 0,0 0 0,2-1 0,0 1 0,14 20 0,-21-34 0,1 0 0,-1 0 0,0 0 0,1 0 0,-1 0 0,0 0 0,1 0 0,-1 0 0,0 0 0,1 0 0,-1-1 0,0 1 0,0 0 0,1 0 0,-1 0 0,0 0 0,1-1 0,-1 1 0,0 0 0,0 0 0,1 0 0,-1-1 0,0 1 0,0 0 0,0-1 0,0 1 0,1 0 0,-1 0 0,0-1 0,0 1 0,0 0 0,0-1 0,0 1 0,0 0 0,0-1 0,0 1 0,0 0 0,0-1 0,0 1 0,0 0 0,0-1 0,0 1 0,0 0 0,0-1 0,0 1 0,0 0 0,0-1 0,1-19 0,-3-199 0,3 286 0,-3 88 0,2-153 0,0 1 0,0-1 0,0 1 0,0-1 0,-1 1 0,0-1 0,1 0 0,-1 1 0,0-1 0,0 1 0,0-1 0,0 0 0,-1 0 0,1 0 0,-1 0 0,-1 2 0,2-3 0,-1 0 0,1-1 0,0 1 0,-1-1 0,1 0 0,-1 1 0,1-1 0,-1 0 0,1 0 0,-1 0 0,1 0 0,-1 0 0,1 0 0,-1 0 0,1-1 0,0 1 0,-1-1 0,1 1 0,-1-1 0,1 1 0,0-1 0,-1 0 0,1 1 0,0-1 0,0 0 0,0 0 0,-1 0 0,0-2 0,-20-12 0,12 10 0,1-1 0,0-1 0,0 1 0,1-1 0,-1-1 0,2 0 0,-1 0 0,1 0 0,-11-18 0,74 85 0,-27-27-1365,-15-20-5461</inkml:trace>
+</inkml:ink>
+</file>
+
+<file path=ppt/ink/ink24.xml><?xml version="1.0" encoding="utf-8"?>
+<inkml:ink xmlns:inkml="http://www.w3.org/2003/InkML">
+  <inkml:definitions>
+    <inkml:context xml:id="ctx0">
+      <inkml:inkSource xml:id="inkSrc0">
+        <inkml:traceFormat>
+          <inkml:channel name="X" type="integer" min="-2.14748E9" max="2.14748E9" units="cm"/>
+          <inkml:channel name="Y" type="integer" min="-2.14748E9" max="2.14748E9" units="cm"/>
+          <inkml:channel name="F" type="integer" max="32767" units="dev"/>
+        </inkml:traceFormat>
+        <inkml:channelProperties>
+          <inkml:channelProperty channel="X" name="resolution" value="1000" units="1/cm"/>
+          <inkml:channelProperty channel="Y" name="resolution" value="1000" units="1/cm"/>
+          <inkml:channelProperty channel="F" name="resolution" value="0" units="1/dev"/>
+        </inkml:channelProperties>
+      </inkml:inkSource>
+      <inkml:timestamp xml:id="ts0" timeString="2025-11-04T16:11:31.345"/>
+    </inkml:context>
+    <inkml:brush xml:id="br0">
+      <inkml:brushProperty name="width" value="0.035" units="cm"/>
+      <inkml:brushProperty name="height" value="0.035" units="cm"/>
+    </inkml:brush>
+  </inkml:definitions>
+  <inkml:trace contextRef="#ctx0" brushRef="#br0">1286 1900 24575,'-7'1'0,"1"0"0,-1 1 0,1 0 0,-1 0 0,1 0 0,-12 7 0,-12 4 0,-163 41 0,156-46 0,0-2 0,0-1 0,-51-1 0,55-5 0,-152-7 0,162 5 0,0-1 0,1-1 0,-1-1 0,1-1 0,-42-19 0,37 12 0,1 0 0,1-2 0,0-1 0,1-1 0,0-1 0,2-1 0,0-1 0,2-1 0,-21-27 0,19 20 0,2-1 0,1-1 0,1-1 0,-15-38 0,24 46 0,1 0 0,1 0 0,1-1 0,1 0 0,1 0 0,0-45 0,6-538 0,-1 592 0,1 1 0,0 0 0,1 0 0,1 0 0,0 0 0,1 1 0,11-23 0,1 3 0,41-60 0,-27 51 0,1 2 0,3 2 0,0 1 0,45-35 0,-60 56 0,1 0 0,1 2 0,0 1 0,1 0 0,1 2 0,0 0 0,44-13 0,3-1 0,-44 15 0,0 2 0,34-8 0,-61 17 0,48-10 0,0 2 0,79-2 0,-47 9 0,109 4 0,-160 3 0,-1 0 0,0 2 0,0 1 0,0 1 0,50 27 0,-59-28 0,1 3 0,-1 1 0,0 0 0,-1 1 0,0 2 0,24 26 0,-1-2 0,-26-25 0,-1 0 0,0 2 0,-1-1 0,-1 2 0,-1 0 0,17 34 0,-9-6 0,24 83 0,-39-114 0,1 0 0,0-1 0,0 0 0,2-1 0,0 1 0,14 20 0,-21-34 0,1 0 0,-1 0 0,0 0 0,1 0 0,-1 0 0,0 0 0,1 0 0,-1 0 0,0 0 0,1 0 0,-1-1 0,0 1 0,0 0 0,1 0 0,-1 0 0,0 0 0,1-1 0,-1 1 0,0 0 0,0 0 0,1 0 0,-1-1 0,0 1 0,0 0 0,0-1 0,0 1 0,1 0 0,-1 0 0,0-1 0,0 1 0,0 0 0,0-1 0,0 1 0,0 0 0,0-1 0,0 1 0,0 0 0,0-1 0,0 1 0,0 0 0,0-1 0,0 1 0,0 0 0,0-1 0,0 1 0,0 0 0,0-1 0,1-19 0,-3-199 0,3 286 0,-3 88 0,2-153 0,0 1 0,0-1 0,0 1 0,0-1 0,-1 1 0,0-1 0,1 0 0,-1 1 0,0-1 0,0 1 0,0-1 0,0 0 0,-1 0 0,1 0 0,-1 0 0,-1 2 0,2-3 0,-1 0 0,1-1 0,0 1 0,-1-1 0,1 0 0,-1 1 0,1-1 0,-1 0 0,1 0 0,-1 0 0,1 0 0,-1 0 0,1 0 0,-1 0 0,1-1 0,0 1 0,-1-1 0,1 1 0,-1-1 0,1 1 0,0-1 0,-1 0 0,1 1 0,0-1 0,0 0 0,0 0 0,-1 0 0,0-2 0,-20-12 0,12 10 0,1-1 0,0-1 0,0 1 0,1-1 0,-1-1 0,2 0 0,-1 0 0,1 0 0,-11-18 0,74 85 0,-27-27-1365,-15-20-5461</inkml:trace>
+</inkml:ink>
+</file>
+
+<file path=ppt/ink/ink25.xml><?xml version="1.0" encoding="utf-8"?>
+<inkml:ink xmlns:inkml="http://www.w3.org/2003/InkML">
+  <inkml:definitions>
+    <inkml:context xml:id="ctx0">
+      <inkml:inkSource xml:id="inkSrc0">
+        <inkml:traceFormat>
+          <inkml:channel name="X" type="integer" min="-2.14748E9" max="2.14748E9" units="cm"/>
+          <inkml:channel name="Y" type="integer" min="-2.14748E9" max="2.14748E9" units="cm"/>
+          <inkml:channel name="F" type="integer" max="32767" units="dev"/>
+        </inkml:traceFormat>
+        <inkml:channelProperties>
+          <inkml:channelProperty channel="X" name="resolution" value="1000" units="1/cm"/>
+          <inkml:channelProperty channel="Y" name="resolution" value="1000" units="1/cm"/>
+          <inkml:channelProperty channel="F" name="resolution" value="0" units="1/dev"/>
+        </inkml:channelProperties>
+      </inkml:inkSource>
+      <inkml:timestamp xml:id="ts0" timeString="2025-11-04T16:04:11.674"/>
+    </inkml:context>
+    <inkml:brush xml:id="br0">
+      <inkml:brushProperty name="width" value="0.035" units="cm"/>
+      <inkml:brushProperty name="height" value="0.035" units="cm"/>
+    </inkml:brush>
+  </inkml:definitions>
+  <inkml:trace contextRef="#ctx0" brushRef="#br0">0 1 24575</inkml:trace>
 </inkml:ink>
 </file>
 
@@ -1161,6 +1406,198 @@
     </a:lvl9pPr>
   </p:notesStyle>
 </p:notesMaster>
+</file>
+
+<file path=ppt/notesSlides/notesSlide1.xml><?xml version="1.0" encoding="utf-8"?>
+<p:notes xmlns:a="http://schemas.openxmlformats.org/drawingml/2006/main" xmlns:r="http://schemas.openxmlformats.org/officeDocument/2006/relationships" xmlns:p="http://schemas.openxmlformats.org/presentationml/2006/main">
+  <p:cSld>
+    <p:spTree>
+      <p:nvGrpSpPr>
+        <p:cNvPr id="1" name=""/>
+        <p:cNvGrpSpPr/>
+        <p:nvPr/>
+      </p:nvGrpSpPr>
+      <p:grpSpPr>
+        <a:xfrm>
+          <a:off x="0" y="0"/>
+          <a:ext cx="0" cy="0"/>
+          <a:chOff x="0" y="0"/>
+          <a:chExt cx="0" cy="0"/>
+        </a:xfrm>
+      </p:grpSpPr>
+      <p:sp>
+        <p:nvSpPr>
+          <p:cNvPr id="2" name="Slide Image Placeholder 1"/>
+          <p:cNvSpPr>
+            <a:spLocks noGrp="1" noRot="1" noChangeAspect="1"/>
+          </p:cNvSpPr>
+          <p:nvPr>
+            <p:ph type="sldImg"/>
+          </p:nvPr>
+        </p:nvSpPr>
+        <p:spPr/>
+      </p:sp>
+      <p:sp>
+        <p:nvSpPr>
+          <p:cNvPr id="3" name="Notes Placeholder 2"/>
+          <p:cNvSpPr>
+            <a:spLocks noGrp="1"/>
+          </p:cNvSpPr>
+          <p:nvPr>
+            <p:ph type="body" idx="1"/>
+          </p:nvPr>
+        </p:nvSpPr>
+        <p:spPr/>
+        <p:txBody>
+          <a:bodyPr/>
+          <a:lstStyle/>
+          <a:p>
+            <a:endParaRPr lang="en-US" dirty="0"/>
+          </a:p>
+        </p:txBody>
+      </p:sp>
+      <p:sp>
+        <p:nvSpPr>
+          <p:cNvPr id="4" name="Slide Number Placeholder 3"/>
+          <p:cNvSpPr>
+            <a:spLocks noGrp="1"/>
+          </p:cNvSpPr>
+          <p:nvPr>
+            <p:ph type="sldNum" sz="quarter" idx="5"/>
+          </p:nvPr>
+        </p:nvSpPr>
+        <p:spPr/>
+        <p:txBody>
+          <a:bodyPr/>
+          <a:lstStyle/>
+          <a:p>
+            <a:fld id="{A6313FD6-7C7B-4426-BFC4-490AC0CFBE05}" type="slidenum">
+              <a:rPr lang="en-US" smtClean="0"/>
+              <a:t>18</a:t>
+            </a:fld>
+            <a:endParaRPr lang="en-US"/>
+          </a:p>
+        </p:txBody>
+      </p:sp>
+    </p:spTree>
+    <p:extLst>
+      <p:ext uri="{BB962C8B-B14F-4D97-AF65-F5344CB8AC3E}">
+        <p14:creationId xmlns:p14="http://schemas.microsoft.com/office/powerpoint/2010/main" val="1417572512"/>
+      </p:ext>
+    </p:extLst>
+  </p:cSld>
+  <p:clrMapOvr>
+    <a:masterClrMapping/>
+  </p:clrMapOvr>
+</p:notes>
+</file>
+
+<file path=ppt/notesSlides/notesSlide2.xml><?xml version="1.0" encoding="utf-8"?>
+<p:notes xmlns:a="http://schemas.openxmlformats.org/drawingml/2006/main" xmlns:r="http://schemas.openxmlformats.org/officeDocument/2006/relationships" xmlns:p="http://schemas.openxmlformats.org/presentationml/2006/main">
+  <p:cSld>
+    <p:spTree>
+      <p:nvGrpSpPr>
+        <p:cNvPr id="1" name="">
+          <a:extLst>
+            <a:ext uri="{FF2B5EF4-FFF2-40B4-BE49-F238E27FC236}">
+              <a16:creationId xmlns:a16="http://schemas.microsoft.com/office/drawing/2014/main" id="{AD9C1BD8-BCC8-C0EF-A9DF-C9DD97B1B04C}"/>
+            </a:ext>
+          </a:extLst>
+        </p:cNvPr>
+        <p:cNvGrpSpPr/>
+        <p:nvPr/>
+      </p:nvGrpSpPr>
+      <p:grpSpPr>
+        <a:xfrm>
+          <a:off x="0" y="0"/>
+          <a:ext cx="0" cy="0"/>
+          <a:chOff x="0" y="0"/>
+          <a:chExt cx="0" cy="0"/>
+        </a:xfrm>
+      </p:grpSpPr>
+      <p:sp>
+        <p:nvSpPr>
+          <p:cNvPr id="2" name="Slide Image Placeholder 1">
+            <a:extLst>
+              <a:ext uri="{FF2B5EF4-FFF2-40B4-BE49-F238E27FC236}">
+                <a16:creationId xmlns:a16="http://schemas.microsoft.com/office/drawing/2014/main" id="{F94DDA73-1811-089C-435B-4F57048422FC}"/>
+              </a:ext>
+            </a:extLst>
+          </p:cNvPr>
+          <p:cNvSpPr>
+            <a:spLocks noGrp="1" noRot="1" noChangeAspect="1"/>
+          </p:cNvSpPr>
+          <p:nvPr>
+            <p:ph type="sldImg"/>
+          </p:nvPr>
+        </p:nvSpPr>
+        <p:spPr/>
+      </p:sp>
+      <p:sp>
+        <p:nvSpPr>
+          <p:cNvPr id="3" name="Notes Placeholder 2">
+            <a:extLst>
+              <a:ext uri="{FF2B5EF4-FFF2-40B4-BE49-F238E27FC236}">
+                <a16:creationId xmlns:a16="http://schemas.microsoft.com/office/drawing/2014/main" id="{D10D8221-502F-E885-72EA-55CAE9B87E67}"/>
+              </a:ext>
+            </a:extLst>
+          </p:cNvPr>
+          <p:cNvSpPr>
+            <a:spLocks noGrp="1"/>
+          </p:cNvSpPr>
+          <p:nvPr>
+            <p:ph type="body" idx="1"/>
+          </p:nvPr>
+        </p:nvSpPr>
+        <p:spPr/>
+        <p:txBody>
+          <a:bodyPr/>
+          <a:lstStyle/>
+          <a:p>
+            <a:endParaRPr lang="en-US" dirty="0"/>
+          </a:p>
+        </p:txBody>
+      </p:sp>
+      <p:sp>
+        <p:nvSpPr>
+          <p:cNvPr id="4" name="Slide Number Placeholder 3">
+            <a:extLst>
+              <a:ext uri="{FF2B5EF4-FFF2-40B4-BE49-F238E27FC236}">
+                <a16:creationId xmlns:a16="http://schemas.microsoft.com/office/drawing/2014/main" id="{271FC282-F475-4084-534F-F11AEBF72907}"/>
+              </a:ext>
+            </a:extLst>
+          </p:cNvPr>
+          <p:cNvSpPr>
+            <a:spLocks noGrp="1"/>
+          </p:cNvSpPr>
+          <p:nvPr>
+            <p:ph type="sldNum" sz="quarter" idx="5"/>
+          </p:nvPr>
+        </p:nvSpPr>
+        <p:spPr/>
+        <p:txBody>
+          <a:bodyPr/>
+          <a:lstStyle/>
+          <a:p>
+            <a:fld id="{A6313FD6-7C7B-4426-BFC4-490AC0CFBE05}" type="slidenum">
+              <a:rPr lang="en-US" smtClean="0"/>
+              <a:t>19</a:t>
+            </a:fld>
+            <a:endParaRPr lang="en-US"/>
+          </a:p>
+        </p:txBody>
+      </p:sp>
+    </p:spTree>
+    <p:extLst>
+      <p:ext uri="{BB962C8B-B14F-4D97-AF65-F5344CB8AC3E}">
+        <p14:creationId xmlns:p14="http://schemas.microsoft.com/office/powerpoint/2010/main" val="1298770745"/>
+      </p:ext>
+    </p:extLst>
+  </p:cSld>
+  <p:clrMapOvr>
+    <a:masterClrMapping/>
+  </p:clrMapOvr>
+</p:notes>
 </file>
 
 <file path=ppt/slideLayouts/slideLayout1.xml><?xml version="1.0" encoding="utf-8"?>
@@ -6523,6 +6960,352 @@
           <p:cNvPr id="2" name="Title 1">
             <a:extLst>
               <a:ext uri="{FF2B5EF4-FFF2-40B4-BE49-F238E27FC236}">
+                <a16:creationId xmlns:a16="http://schemas.microsoft.com/office/drawing/2014/main" id="{E9A01F76-B980-0774-3059-8D2F97F54932}"/>
+              </a:ext>
+            </a:extLst>
+          </p:cNvPr>
+          <p:cNvSpPr>
+            <a:spLocks noGrp="1"/>
+          </p:cNvSpPr>
+          <p:nvPr>
+            <p:ph type="title"/>
+          </p:nvPr>
+        </p:nvSpPr>
+        <p:spPr/>
+        <p:txBody>
+          <a:bodyPr>
+            <a:normAutofit fontScale="90000"/>
+          </a:bodyPr>
+          <a:lstStyle/>
+          <a:p>
+            <a:r>
+              <a:rPr lang="en-US" dirty="0"/>
+              <a:t>Markov chain</a:t>
+            </a:r>
+          </a:p>
+        </p:txBody>
+      </p:sp>
+      <p:sp>
+        <p:nvSpPr>
+          <p:cNvPr id="3" name="Content Placeholder 2">
+            <a:extLst>
+              <a:ext uri="{FF2B5EF4-FFF2-40B4-BE49-F238E27FC236}">
+                <a16:creationId xmlns:a16="http://schemas.microsoft.com/office/drawing/2014/main" id="{A241362D-6289-93C2-9175-08BB8693B456}"/>
+              </a:ext>
+            </a:extLst>
+          </p:cNvPr>
+          <p:cNvSpPr>
+            <a:spLocks noGrp="1"/>
+          </p:cNvSpPr>
+          <p:nvPr>
+            <p:ph idx="1"/>
+          </p:nvPr>
+        </p:nvSpPr>
+        <p:spPr>
+          <a:xfrm>
+            <a:off x="598620" y="1596540"/>
+            <a:ext cx="10972800" cy="5124936"/>
+          </a:xfrm>
+        </p:spPr>
+        <p:txBody>
+          <a:bodyPr>
+            <a:normAutofit/>
+          </a:bodyPr>
+          <a:lstStyle/>
+          <a:p>
+            <a:r>
+              <a:rPr lang="en-US" dirty="0"/>
+              <a:t>We will consider Discrete-time Markov Chains</a:t>
+            </a:r>
+          </a:p>
+          <a:p>
+            <a:r>
+              <a:rPr lang="en-US" dirty="0"/>
+              <a:t>A discrete-time Markov chain is a sequence of random variables </a:t>
+            </a:r>
+            <a:r>
+              <a:rPr lang="en-US" i="1" dirty="0"/>
+              <a:t>X</a:t>
+            </a:r>
+            <a:r>
+              <a:rPr lang="en-US" i="1" baseline="-25000" dirty="0"/>
+              <a:t>1</a:t>
+            </a:r>
+            <a:r>
+              <a:rPr lang="en-US" i="1" dirty="0"/>
+              <a:t>, X</a:t>
+            </a:r>
+            <a:r>
+              <a:rPr lang="en-US" i="1" baseline="-25000" dirty="0"/>
+              <a:t>2</a:t>
+            </a:r>
+            <a:r>
+              <a:rPr lang="en-US" i="1" dirty="0"/>
+              <a:t>, X</a:t>
+            </a:r>
+            <a:r>
+              <a:rPr lang="en-US" i="1" baseline="-25000" dirty="0"/>
+              <a:t>3</a:t>
+            </a:r>
+            <a:r>
+              <a:rPr lang="en-US" i="1" dirty="0"/>
+              <a:t>, ... </a:t>
+            </a:r>
+            <a:r>
+              <a:rPr lang="en-US" dirty="0"/>
+              <a:t>with the Markov property, namely that the probability the next state depends only on the previous states:</a:t>
+            </a:r>
+          </a:p>
+          <a:p>
+            <a:endParaRPr lang="en-US" dirty="0"/>
+          </a:p>
+          <a:p>
+            <a:endParaRPr lang="en-US" i="1" dirty="0"/>
+          </a:p>
+          <a:p>
+            <a:r>
+              <a:rPr lang="en-US" i="1" dirty="0"/>
+              <a:t>Order</a:t>
+            </a:r>
+            <a:r>
+              <a:rPr lang="en-US" dirty="0"/>
+              <a:t> of the Markov chain is equal to the number of the previous states considered to determine the probability of the next state</a:t>
+            </a:r>
+          </a:p>
+          <a:p>
+            <a:pPr marL="0" indent="0">
+              <a:buNone/>
+            </a:pPr>
+            <a:br>
+              <a:rPr lang="en-US" dirty="0"/>
+            </a:br>
+            <a:endParaRPr lang="en-US" dirty="0"/>
+          </a:p>
+        </p:txBody>
+      </p:sp>
+      <p:sp>
+        <p:nvSpPr>
+          <p:cNvPr id="4" name="Slide Number Placeholder 3">
+            <a:extLst>
+              <a:ext uri="{FF2B5EF4-FFF2-40B4-BE49-F238E27FC236}">
+                <a16:creationId xmlns:a16="http://schemas.microsoft.com/office/drawing/2014/main" id="{14024010-2C37-2FB8-95A9-C81A412BC4CD}"/>
+              </a:ext>
+            </a:extLst>
+          </p:cNvPr>
+          <p:cNvSpPr>
+            <a:spLocks noGrp="1"/>
+          </p:cNvSpPr>
+          <p:nvPr>
+            <p:ph type="sldNum" sz="quarter" idx="12"/>
+          </p:nvPr>
+        </p:nvSpPr>
+        <p:spPr/>
+        <p:txBody>
+          <a:bodyPr/>
+          <a:lstStyle/>
+          <a:p>
+            <a:fld id="{B82CCC60-E8CD-4174-8B1A-7DF615B22EEF}" type="slidenum">
+              <a:rPr lang="en-US" smtClean="0"/>
+              <a:pPr/>
+              <a:t>14</a:t>
+            </a:fld>
+            <a:endParaRPr lang="en-US"/>
+          </a:p>
+        </p:txBody>
+      </p:sp>
+      <p:pic>
+        <p:nvPicPr>
+          <p:cNvPr id="6" name="Picture 5">
+            <a:extLst>
+              <a:ext uri="{FF2B5EF4-FFF2-40B4-BE49-F238E27FC236}">
+                <a16:creationId xmlns:a16="http://schemas.microsoft.com/office/drawing/2014/main" id="{96420FFC-EA14-08C2-EC8D-168F81626249}"/>
+              </a:ext>
+            </a:extLst>
+          </p:cNvPr>
+          <p:cNvPicPr>
+            <a:picLocks noChangeAspect="1"/>
+          </p:cNvPicPr>
+          <p:nvPr/>
+        </p:nvPicPr>
+        <p:blipFill>
+          <a:blip r:embed="rId2"/>
+          <a:stretch>
+            <a:fillRect/>
+          </a:stretch>
+        </p:blipFill>
+        <p:spPr>
+          <a:xfrm>
+            <a:off x="425715" y="3718904"/>
+            <a:ext cx="10637587" cy="515083"/>
+          </a:xfrm>
+          <a:prstGeom prst="rect">
+            <a:avLst/>
+          </a:prstGeom>
+        </p:spPr>
+      </p:pic>
+    </p:spTree>
+    <p:extLst>
+      <p:ext uri="{BB962C8B-B14F-4D97-AF65-F5344CB8AC3E}">
+        <p14:creationId xmlns:p14="http://schemas.microsoft.com/office/powerpoint/2010/main" val="688161546"/>
+      </p:ext>
+    </p:extLst>
+  </p:cSld>
+  <p:clrMapOvr>
+    <a:masterClrMapping/>
+  </p:clrMapOvr>
+  <p:timing>
+    <p:tnLst>
+      <p:par>
+        <p:cTn id="1" dur="indefinite" restart="never" nodeType="tmRoot">
+          <p:childTnLst>
+            <p:seq concurrent="1" nextAc="seek">
+              <p:cTn id="2" dur="indefinite" nodeType="mainSeq">
+                <p:childTnLst>
+                  <p:par>
+                    <p:cTn id="3" fill="hold">
+                      <p:stCondLst>
+                        <p:cond delay="indefinite"/>
+                      </p:stCondLst>
+                      <p:childTnLst>
+                        <p:par>
+                          <p:cTn id="4" fill="hold">
+                            <p:stCondLst>
+                              <p:cond delay="0"/>
+                            </p:stCondLst>
+                            <p:childTnLst>
+                              <p:par>
+                                <p:cTn id="5" presetID="1" presetClass="entr" presetSubtype="0" fill="hold" nodeType="clickEffect">
+                                  <p:stCondLst>
+                                    <p:cond delay="0"/>
+                                  </p:stCondLst>
+                                  <p:childTnLst>
+                                    <p:set>
+                                      <p:cBhvr>
+                                        <p:cTn id="6" dur="1" fill="hold">
+                                          <p:stCondLst>
+                                            <p:cond delay="0"/>
+                                          </p:stCondLst>
+                                        </p:cTn>
+                                        <p:tgtEl>
+                                          <p:spTgt spid="3">
+                                            <p:txEl>
+                                              <p:pRg st="4" end="4"/>
+                                            </p:txEl>
+                                          </p:spTgt>
+                                        </p:tgtEl>
+                                        <p:attrNameLst>
+                                          <p:attrName>style.visibility</p:attrName>
+                                        </p:attrNameLst>
+                                      </p:cBhvr>
+                                      <p:to>
+                                        <p:strVal val="visible"/>
+                                      </p:to>
+                                    </p:set>
+                                  </p:childTnLst>
+                                </p:cTn>
+                              </p:par>
+                            </p:childTnLst>
+                          </p:cTn>
+                        </p:par>
+                      </p:childTnLst>
+                    </p:cTn>
+                  </p:par>
+                  <p:par>
+                    <p:cTn id="7" fill="hold">
+                      <p:stCondLst>
+                        <p:cond delay="indefinite"/>
+                      </p:stCondLst>
+                      <p:childTnLst>
+                        <p:par>
+                          <p:cTn id="8" fill="hold">
+                            <p:stCondLst>
+                              <p:cond delay="0"/>
+                            </p:stCondLst>
+                            <p:childTnLst>
+                              <p:par>
+                                <p:cTn id="9" presetID="1" presetClass="entr" presetSubtype="0" fill="hold" nodeType="clickEffect">
+                                  <p:stCondLst>
+                                    <p:cond delay="0"/>
+                                  </p:stCondLst>
+                                  <p:childTnLst>
+                                    <p:set>
+                                      <p:cBhvr>
+                                        <p:cTn id="10" dur="1" fill="hold">
+                                          <p:stCondLst>
+                                            <p:cond delay="0"/>
+                                          </p:stCondLst>
+                                        </p:cTn>
+                                        <p:tgtEl>
+                                          <p:spTgt spid="3">
+                                            <p:txEl>
+                                              <p:pRg st="5" end="5"/>
+                                            </p:txEl>
+                                          </p:spTgt>
+                                        </p:tgtEl>
+                                        <p:attrNameLst>
+                                          <p:attrName>style.visibility</p:attrName>
+                                        </p:attrNameLst>
+                                      </p:cBhvr>
+                                      <p:to>
+                                        <p:strVal val="visible"/>
+                                      </p:to>
+                                    </p:set>
+                                  </p:childTnLst>
+                                </p:cTn>
+                              </p:par>
+                            </p:childTnLst>
+                          </p:cTn>
+                        </p:par>
+                      </p:childTnLst>
+                    </p:cTn>
+                  </p:par>
+                </p:childTnLst>
+              </p:cTn>
+              <p:prevCondLst>
+                <p:cond evt="onPrev" delay="0">
+                  <p:tgtEl>
+                    <p:sldTgt/>
+                  </p:tgtEl>
+                </p:cond>
+              </p:prevCondLst>
+              <p:nextCondLst>
+                <p:cond evt="onNext" delay="0">
+                  <p:tgtEl>
+                    <p:sldTgt/>
+                  </p:tgtEl>
+                </p:cond>
+              </p:nextCondLst>
+            </p:seq>
+          </p:childTnLst>
+        </p:cTn>
+      </p:par>
+    </p:tnLst>
+  </p:timing>
+</p:sld>
+</file>
+
+<file path=ppt/slides/slide15.xml><?xml version="1.0" encoding="utf-8"?>
+<p:sld xmlns:a="http://schemas.openxmlformats.org/drawingml/2006/main" xmlns:r="http://schemas.openxmlformats.org/officeDocument/2006/relationships" xmlns:p="http://schemas.openxmlformats.org/presentationml/2006/main">
+  <p:cSld>
+    <p:spTree>
+      <p:nvGrpSpPr>
+        <p:cNvPr id="1" name=""/>
+        <p:cNvGrpSpPr/>
+        <p:nvPr/>
+      </p:nvGrpSpPr>
+      <p:grpSpPr>
+        <a:xfrm>
+          <a:off x="0" y="0"/>
+          <a:ext cx="0" cy="0"/>
+          <a:chOff x="0" y="0"/>
+          <a:chExt cx="0" cy="0"/>
+        </a:xfrm>
+      </p:grpSpPr>
+      <p:sp>
+        <p:nvSpPr>
+          <p:cNvPr id="2" name="Title 1">
+            <a:extLst>
+              <a:ext uri="{FF2B5EF4-FFF2-40B4-BE49-F238E27FC236}">
                 <a16:creationId xmlns:a16="http://schemas.microsoft.com/office/drawing/2014/main" id="{2850BA50-468B-9A7B-2055-9462DED1B608}"/>
               </a:ext>
             </a:extLst>
@@ -6572,7 +7355,7 @@
             <a:fld id="{B82CCC60-E8CD-4174-8B1A-7DF615B22EEF}" type="slidenum">
               <a:rPr lang="en-US" smtClean="0"/>
               <a:pPr/>
-              <a:t>14</a:t>
+              <a:t>15</a:t>
             </a:fld>
             <a:endParaRPr lang="en-US"/>
           </a:p>
@@ -7794,7 +8577,7 @@
 </p:sld>
 </file>
 
-<file path=ppt/slides/slide15.xml><?xml version="1.0" encoding="utf-8"?>
+<file path=ppt/slides/slide16.xml><?xml version="1.0" encoding="utf-8"?>
 <p:sld xmlns:a="http://schemas.openxmlformats.org/drawingml/2006/main" xmlns:r="http://schemas.openxmlformats.org/officeDocument/2006/relationships" xmlns:p="http://schemas.openxmlformats.org/presentationml/2006/main">
   <p:cSld>
     <p:spTree>
@@ -7871,7 +8654,7 @@
             <a:fld id="{B82CCC60-E8CD-4174-8B1A-7DF615B22EEF}" type="slidenum">
               <a:rPr lang="en-US" smtClean="0"/>
               <a:pPr/>
-              <a:t>15</a:t>
+              <a:t>16</a:t>
             </a:fld>
             <a:endParaRPr lang="en-US"/>
           </a:p>
@@ -8585,7 +9368,7 @@
 </p:sld>
 </file>
 
-<file path=ppt/slides/slide16.xml><?xml version="1.0" encoding="utf-8"?>
+<file path=ppt/slides/slide17.xml><?xml version="1.0" encoding="utf-8"?>
 <p:sld xmlns:a="http://schemas.openxmlformats.org/drawingml/2006/main" xmlns:r="http://schemas.openxmlformats.org/officeDocument/2006/relationships" xmlns:p="http://schemas.openxmlformats.org/presentationml/2006/main">
   <p:cSld>
     <p:spTree>
@@ -8662,7 +9445,7 @@
             <a:fld id="{B82CCC60-E8CD-4174-8B1A-7DF615B22EEF}" type="slidenum">
               <a:rPr lang="en-US" smtClean="0"/>
               <a:pPr/>
-              <a:t>16</a:t>
+              <a:t>17</a:t>
             </a:fld>
             <a:endParaRPr lang="en-US"/>
           </a:p>
@@ -9769,7 +10552,2340 @@
 </p:sld>
 </file>
 
-<file path=ppt/slides/slide17.xml><?xml version="1.0" encoding="utf-8"?>
+<file path=ppt/slides/slide18.xml><?xml version="1.0" encoding="utf-8"?>
+<p:sld xmlns:a="http://schemas.openxmlformats.org/drawingml/2006/main" xmlns:r="http://schemas.openxmlformats.org/officeDocument/2006/relationships" xmlns:p="http://schemas.openxmlformats.org/presentationml/2006/main">
+  <p:cSld>
+    <p:spTree>
+      <p:nvGrpSpPr>
+        <p:cNvPr id="1" name="">
+          <a:extLst>
+            <a:ext uri="{FF2B5EF4-FFF2-40B4-BE49-F238E27FC236}">
+              <a16:creationId xmlns:a16="http://schemas.microsoft.com/office/drawing/2014/main" id="{B7F01830-2F22-BD90-EAE8-288CE00FECE8}"/>
+            </a:ext>
+          </a:extLst>
+        </p:cNvPr>
+        <p:cNvGrpSpPr/>
+        <p:nvPr/>
+      </p:nvGrpSpPr>
+      <p:grpSpPr>
+        <a:xfrm>
+          <a:off x="0" y="0"/>
+          <a:ext cx="0" cy="0"/>
+          <a:chOff x="0" y="0"/>
+          <a:chExt cx="0" cy="0"/>
+        </a:xfrm>
+      </p:grpSpPr>
+      <p:sp>
+        <p:nvSpPr>
+          <p:cNvPr id="2" name="Title 1">
+            <a:extLst>
+              <a:ext uri="{FF2B5EF4-FFF2-40B4-BE49-F238E27FC236}">
+                <a16:creationId xmlns:a16="http://schemas.microsoft.com/office/drawing/2014/main" id="{4382E52E-C178-5C96-DEF5-6B9A6F59EC91}"/>
+              </a:ext>
+            </a:extLst>
+          </p:cNvPr>
+          <p:cNvSpPr>
+            <a:spLocks noGrp="1"/>
+          </p:cNvSpPr>
+          <p:nvPr>
+            <p:ph type="title"/>
+          </p:nvPr>
+        </p:nvSpPr>
+        <p:spPr>
+          <a:xfrm>
+            <a:off x="598620" y="136524"/>
+            <a:ext cx="6658828" cy="1001901"/>
+          </a:xfrm>
+        </p:spPr>
+        <p:txBody>
+          <a:bodyPr>
+            <a:normAutofit/>
+          </a:bodyPr>
+          <a:lstStyle/>
+          <a:p>
+            <a:r>
+              <a:rPr lang="en-US" dirty="0"/>
+              <a:t>Training Markov chain</a:t>
+            </a:r>
+          </a:p>
+        </p:txBody>
+      </p:sp>
+      <p:sp>
+        <p:nvSpPr>
+          <p:cNvPr id="3" name="Content Placeholder 2">
+            <a:extLst>
+              <a:ext uri="{FF2B5EF4-FFF2-40B4-BE49-F238E27FC236}">
+                <a16:creationId xmlns:a16="http://schemas.microsoft.com/office/drawing/2014/main" id="{46A9CE8A-8961-BF4E-40DE-A60A651AE001}"/>
+              </a:ext>
+            </a:extLst>
+          </p:cNvPr>
+          <p:cNvSpPr>
+            <a:spLocks noGrp="1"/>
+          </p:cNvSpPr>
+          <p:nvPr>
+            <p:ph idx="1"/>
+          </p:nvPr>
+        </p:nvSpPr>
+        <p:spPr>
+          <a:xfrm>
+            <a:off x="598620" y="1596540"/>
+            <a:ext cx="10972800" cy="4881262"/>
+          </a:xfrm>
+        </p:spPr>
+        <p:txBody>
+          <a:bodyPr>
+            <a:normAutofit lnSpcReduction="10000"/>
+          </a:bodyPr>
+          <a:lstStyle/>
+          <a:p>
+            <a:r>
+              <a:rPr lang="en-US" dirty="0"/>
+              <a:t>Training Markov chain involves estimating transition probability matrix from the data under a given model</a:t>
+            </a:r>
+          </a:p>
+          <a:p>
+            <a:endParaRPr lang="en-US" dirty="0"/>
+          </a:p>
+          <a:p>
+            <a:r>
+              <a:rPr lang="en-US" dirty="0"/>
+              <a:t>Consider 1</a:t>
+            </a:r>
+            <a:r>
+              <a:rPr lang="en-US" baseline="30000" dirty="0"/>
+              <a:t>st</a:t>
+            </a:r>
+            <a:r>
+              <a:rPr lang="en-US" dirty="0"/>
+              <a:t> order Markov chain.  The probability of the next letter depends only on the previous letter in the pattern</a:t>
+            </a:r>
+            <a:br>
+              <a:rPr lang="en-US" dirty="0"/>
+            </a:br>
+            <a:r>
+              <a:rPr lang="en-US" dirty="0"/>
+              <a:t>                                                                                                   To</a:t>
+            </a:r>
+            <a:br>
+              <a:rPr lang="en-US" dirty="0"/>
+            </a:br>
+            <a:r>
+              <a:rPr lang="en-US" dirty="0"/>
+              <a:t>                                                                                            A     C    G    T</a:t>
+            </a:r>
+            <a:br>
+              <a:rPr lang="en-US" dirty="0"/>
+            </a:br>
+            <a:r>
+              <a:rPr lang="en-US" dirty="0"/>
+              <a:t>                                                                                      A   .1    .4   .4   .1</a:t>
+            </a:r>
+            <a:br>
+              <a:rPr lang="en-US" dirty="0"/>
+            </a:br>
+            <a:r>
+              <a:rPr lang="en-US" dirty="0"/>
+              <a:t>                                                                       From      C   .2    .2   .3   .3</a:t>
+            </a:r>
+            <a:br>
+              <a:rPr lang="en-US" dirty="0"/>
+            </a:br>
+            <a:r>
+              <a:rPr lang="en-US" dirty="0"/>
+              <a:t>                                                                                      G   .4    .4   .1   .1</a:t>
+            </a:r>
+            <a:br>
+              <a:rPr lang="en-US" dirty="0"/>
+            </a:br>
+            <a:r>
+              <a:rPr lang="en-US" dirty="0"/>
+              <a:t>                                                                                      T    .5    .1   .2   .2</a:t>
+            </a:r>
+            <a:br>
+              <a:rPr lang="en-US" dirty="0"/>
+            </a:br>
+            <a:r>
+              <a:rPr lang="en-US" dirty="0"/>
+              <a:t>                                                                                  rows must add up to 1</a:t>
+            </a:r>
+          </a:p>
+          <a:p>
+            <a:endParaRPr lang="en-US" dirty="0"/>
+          </a:p>
+        </p:txBody>
+      </p:sp>
+      <p:sp>
+        <p:nvSpPr>
+          <p:cNvPr id="4" name="Slide Number Placeholder 3">
+            <a:extLst>
+              <a:ext uri="{FF2B5EF4-FFF2-40B4-BE49-F238E27FC236}">
+                <a16:creationId xmlns:a16="http://schemas.microsoft.com/office/drawing/2014/main" id="{F71D7956-B3FD-B407-50A8-4BC5889656FD}"/>
+              </a:ext>
+            </a:extLst>
+          </p:cNvPr>
+          <p:cNvSpPr>
+            <a:spLocks noGrp="1"/>
+          </p:cNvSpPr>
+          <p:nvPr>
+            <p:ph type="sldNum" sz="quarter" idx="12"/>
+          </p:nvPr>
+        </p:nvSpPr>
+        <p:spPr/>
+        <p:txBody>
+          <a:bodyPr/>
+          <a:lstStyle/>
+          <a:p>
+            <a:fld id="{B82CCC60-E8CD-4174-8B1A-7DF615B22EEF}" type="slidenum">
+              <a:rPr lang="en-US" smtClean="0"/>
+              <a:pPr/>
+              <a:t>18</a:t>
+            </a:fld>
+            <a:endParaRPr lang="en-US"/>
+          </a:p>
+        </p:txBody>
+      </p:sp>
+      <p:sp>
+        <p:nvSpPr>
+          <p:cNvPr id="6" name="Oval 5">
+            <a:extLst>
+              <a:ext uri="{FF2B5EF4-FFF2-40B4-BE49-F238E27FC236}">
+                <a16:creationId xmlns:a16="http://schemas.microsoft.com/office/drawing/2014/main" id="{84D88730-55CE-1903-FE19-C1BBC06C1308}"/>
+              </a:ext>
+            </a:extLst>
+          </p:cNvPr>
+          <p:cNvSpPr/>
+          <p:nvPr/>
+        </p:nvSpPr>
+        <p:spPr>
+          <a:xfrm>
+            <a:off x="3012707" y="4292867"/>
+            <a:ext cx="567891" cy="558266"/>
+          </a:xfrm>
+          <a:prstGeom prst="ellipse">
+            <a:avLst/>
+          </a:prstGeom>
+        </p:spPr>
+        <p:style>
+          <a:lnRef idx="2">
+            <a:schemeClr val="accent1">
+              <a:shade val="15000"/>
+            </a:schemeClr>
+          </a:lnRef>
+          <a:fillRef idx="1">
+            <a:schemeClr val="accent1"/>
+          </a:fillRef>
+          <a:effectRef idx="0">
+            <a:schemeClr val="accent1"/>
+          </a:effectRef>
+          <a:fontRef idx="minor">
+            <a:schemeClr val="lt1"/>
+          </a:fontRef>
+        </p:style>
+        <p:txBody>
+          <a:bodyPr rtlCol="0" anchor="ctr"/>
+          <a:lstStyle/>
+          <a:p>
+            <a:pPr algn="ctr"/>
+            <a:r>
+              <a:rPr lang="en-US" dirty="0"/>
+              <a:t>A</a:t>
+            </a:r>
+          </a:p>
+        </p:txBody>
+      </p:sp>
+      <p:sp>
+        <p:nvSpPr>
+          <p:cNvPr id="8" name="Oval 7">
+            <a:extLst>
+              <a:ext uri="{FF2B5EF4-FFF2-40B4-BE49-F238E27FC236}">
+                <a16:creationId xmlns:a16="http://schemas.microsoft.com/office/drawing/2014/main" id="{461674E9-B7A4-E483-C0E4-1A2493297659}"/>
+              </a:ext>
+            </a:extLst>
+          </p:cNvPr>
+          <p:cNvSpPr/>
+          <p:nvPr/>
+        </p:nvSpPr>
+        <p:spPr>
+          <a:xfrm>
+            <a:off x="4945780" y="4292867"/>
+            <a:ext cx="567891" cy="558266"/>
+          </a:xfrm>
+          <a:prstGeom prst="ellipse">
+            <a:avLst/>
+          </a:prstGeom>
+        </p:spPr>
+        <p:style>
+          <a:lnRef idx="2">
+            <a:schemeClr val="accent1">
+              <a:shade val="15000"/>
+            </a:schemeClr>
+          </a:lnRef>
+          <a:fillRef idx="1">
+            <a:schemeClr val="accent1"/>
+          </a:fillRef>
+          <a:effectRef idx="0">
+            <a:schemeClr val="accent1"/>
+          </a:effectRef>
+          <a:fontRef idx="minor">
+            <a:schemeClr val="lt1"/>
+          </a:fontRef>
+        </p:style>
+        <p:txBody>
+          <a:bodyPr rtlCol="0" anchor="ctr"/>
+          <a:lstStyle/>
+          <a:p>
+            <a:pPr algn="ctr"/>
+            <a:r>
+              <a:rPr lang="en-US" dirty="0"/>
+              <a:t>C</a:t>
+            </a:r>
+          </a:p>
+        </p:txBody>
+      </p:sp>
+      <p:sp>
+        <p:nvSpPr>
+          <p:cNvPr id="9" name="Oval 8">
+            <a:extLst>
+              <a:ext uri="{FF2B5EF4-FFF2-40B4-BE49-F238E27FC236}">
+                <a16:creationId xmlns:a16="http://schemas.microsoft.com/office/drawing/2014/main" id="{706E1422-10F4-B173-60AD-CC5AAD789030}"/>
+              </a:ext>
+            </a:extLst>
+          </p:cNvPr>
+          <p:cNvSpPr/>
+          <p:nvPr/>
+        </p:nvSpPr>
+        <p:spPr>
+          <a:xfrm>
+            <a:off x="3012706" y="5638799"/>
+            <a:ext cx="567891" cy="558266"/>
+          </a:xfrm>
+          <a:prstGeom prst="ellipse">
+            <a:avLst/>
+          </a:prstGeom>
+        </p:spPr>
+        <p:style>
+          <a:lnRef idx="2">
+            <a:schemeClr val="accent1">
+              <a:shade val="15000"/>
+            </a:schemeClr>
+          </a:lnRef>
+          <a:fillRef idx="1">
+            <a:schemeClr val="accent1"/>
+          </a:fillRef>
+          <a:effectRef idx="0">
+            <a:schemeClr val="accent1"/>
+          </a:effectRef>
+          <a:fontRef idx="minor">
+            <a:schemeClr val="lt1"/>
+          </a:fontRef>
+        </p:style>
+        <p:txBody>
+          <a:bodyPr rtlCol="0" anchor="ctr"/>
+          <a:lstStyle/>
+          <a:p>
+            <a:pPr algn="ctr"/>
+            <a:r>
+              <a:rPr lang="en-US" dirty="0"/>
+              <a:t>G</a:t>
+            </a:r>
+          </a:p>
+        </p:txBody>
+      </p:sp>
+      <p:sp>
+        <p:nvSpPr>
+          <p:cNvPr id="10" name="Oval 9">
+            <a:extLst>
+              <a:ext uri="{FF2B5EF4-FFF2-40B4-BE49-F238E27FC236}">
+                <a16:creationId xmlns:a16="http://schemas.microsoft.com/office/drawing/2014/main" id="{41F1BB44-55C3-790B-8096-680B2C6C3776}"/>
+              </a:ext>
+            </a:extLst>
+          </p:cNvPr>
+          <p:cNvSpPr/>
+          <p:nvPr/>
+        </p:nvSpPr>
+        <p:spPr>
+          <a:xfrm>
+            <a:off x="4945779" y="5638799"/>
+            <a:ext cx="567891" cy="558266"/>
+          </a:xfrm>
+          <a:prstGeom prst="ellipse">
+            <a:avLst/>
+          </a:prstGeom>
+        </p:spPr>
+        <p:style>
+          <a:lnRef idx="2">
+            <a:schemeClr val="accent1">
+              <a:shade val="15000"/>
+            </a:schemeClr>
+          </a:lnRef>
+          <a:fillRef idx="1">
+            <a:schemeClr val="accent1"/>
+          </a:fillRef>
+          <a:effectRef idx="0">
+            <a:schemeClr val="accent1"/>
+          </a:effectRef>
+          <a:fontRef idx="minor">
+            <a:schemeClr val="lt1"/>
+          </a:fontRef>
+        </p:style>
+        <p:txBody>
+          <a:bodyPr rtlCol="0" anchor="ctr"/>
+          <a:lstStyle/>
+          <a:p>
+            <a:pPr algn="ctr"/>
+            <a:r>
+              <a:rPr lang="en-US" dirty="0"/>
+              <a:t>T</a:t>
+            </a:r>
+          </a:p>
+        </p:txBody>
+      </p:sp>
+      <p:cxnSp>
+        <p:nvCxnSpPr>
+          <p:cNvPr id="12" name="Straight Arrow Connector 11">
+            <a:extLst>
+              <a:ext uri="{FF2B5EF4-FFF2-40B4-BE49-F238E27FC236}">
+                <a16:creationId xmlns:a16="http://schemas.microsoft.com/office/drawing/2014/main" id="{2F530CA4-291D-38A6-389D-70042A9E178C}"/>
+              </a:ext>
+            </a:extLst>
+          </p:cNvPr>
+          <p:cNvCxnSpPr>
+            <a:cxnSpLocks/>
+          </p:cNvCxnSpPr>
+          <p:nvPr/>
+        </p:nvCxnSpPr>
+        <p:spPr>
+          <a:xfrm>
+            <a:off x="3647975" y="4629751"/>
+            <a:ext cx="1212783" cy="0"/>
+          </a:xfrm>
+          <a:prstGeom prst="straightConnector1">
+            <a:avLst/>
+          </a:prstGeom>
+          <a:ln>
+            <a:tailEnd type="triangle"/>
+          </a:ln>
+        </p:spPr>
+        <p:style>
+          <a:lnRef idx="1">
+            <a:schemeClr val="accent1"/>
+          </a:lnRef>
+          <a:fillRef idx="0">
+            <a:schemeClr val="accent1"/>
+          </a:fillRef>
+          <a:effectRef idx="0">
+            <a:schemeClr val="accent1"/>
+          </a:effectRef>
+          <a:fontRef idx="minor">
+            <a:schemeClr val="tx1"/>
+          </a:fontRef>
+        </p:style>
+      </p:cxnSp>
+      <p:cxnSp>
+        <p:nvCxnSpPr>
+          <p:cNvPr id="14" name="Straight Arrow Connector 13">
+            <a:extLst>
+              <a:ext uri="{FF2B5EF4-FFF2-40B4-BE49-F238E27FC236}">
+                <a16:creationId xmlns:a16="http://schemas.microsoft.com/office/drawing/2014/main" id="{4BE1B286-7046-5E13-08D3-A3A9851766F4}"/>
+              </a:ext>
+            </a:extLst>
+          </p:cNvPr>
+          <p:cNvCxnSpPr>
+            <a:stCxn id="6" idx="5"/>
+            <a:endCxn id="10" idx="1"/>
+          </p:cNvCxnSpPr>
+          <p:nvPr/>
+        </p:nvCxnSpPr>
+        <p:spPr>
+          <a:xfrm>
+            <a:off x="3497432" y="4769377"/>
+            <a:ext cx="1531513" cy="951178"/>
+          </a:xfrm>
+          <a:prstGeom prst="straightConnector1">
+            <a:avLst/>
+          </a:prstGeom>
+          <a:ln>
+            <a:tailEnd type="triangle"/>
+          </a:ln>
+        </p:spPr>
+        <p:style>
+          <a:lnRef idx="1">
+            <a:schemeClr val="accent1"/>
+          </a:lnRef>
+          <a:fillRef idx="0">
+            <a:schemeClr val="accent1"/>
+          </a:fillRef>
+          <a:effectRef idx="0">
+            <a:schemeClr val="accent1"/>
+          </a:effectRef>
+          <a:fontRef idx="minor">
+            <a:schemeClr val="tx1"/>
+          </a:fontRef>
+        </p:style>
+      </p:cxnSp>
+      <p:cxnSp>
+        <p:nvCxnSpPr>
+          <p:cNvPr id="16" name="Straight Arrow Connector 15">
+            <a:extLst>
+              <a:ext uri="{FF2B5EF4-FFF2-40B4-BE49-F238E27FC236}">
+                <a16:creationId xmlns:a16="http://schemas.microsoft.com/office/drawing/2014/main" id="{58809807-A0AC-755E-BA42-837D89BA896B}"/>
+              </a:ext>
+            </a:extLst>
+          </p:cNvPr>
+          <p:cNvCxnSpPr>
+            <a:cxnSpLocks/>
+          </p:cNvCxnSpPr>
+          <p:nvPr/>
+        </p:nvCxnSpPr>
+        <p:spPr>
+          <a:xfrm>
+            <a:off x="3158109" y="4851133"/>
+            <a:ext cx="0" cy="787666"/>
+          </a:xfrm>
+          <a:prstGeom prst="straightConnector1">
+            <a:avLst/>
+          </a:prstGeom>
+          <a:ln>
+            <a:tailEnd type="triangle"/>
+          </a:ln>
+        </p:spPr>
+        <p:style>
+          <a:lnRef idx="1">
+            <a:schemeClr val="accent1"/>
+          </a:lnRef>
+          <a:fillRef idx="0">
+            <a:schemeClr val="accent1"/>
+          </a:fillRef>
+          <a:effectRef idx="0">
+            <a:schemeClr val="accent1"/>
+          </a:effectRef>
+          <a:fontRef idx="minor">
+            <a:schemeClr val="tx1"/>
+          </a:fontRef>
+        </p:style>
+      </p:cxnSp>
+      <mc:AlternateContent xmlns:mc="http://schemas.openxmlformats.org/markup-compatibility/2006" xmlns:p14="http://schemas.microsoft.com/office/powerpoint/2010/main">
+        <mc:Choice Requires="p14">
+          <p:contentPart p14:bwMode="auto" r:id="rId3">
+            <p14:nvContentPartPr>
+              <p14:cNvPr id="17" name="Ink 16">
+                <a:extLst>
+                  <a:ext uri="{FF2B5EF4-FFF2-40B4-BE49-F238E27FC236}">
+                    <a16:creationId xmlns:a16="http://schemas.microsoft.com/office/drawing/2014/main" id="{3F949105-0B45-D33B-883D-5C2A583F7E38}"/>
+                  </a:ext>
+                </a:extLst>
+              </p14:cNvPr>
+              <p14:cNvContentPartPr/>
+              <p14:nvPr/>
+            </p14:nvContentPartPr>
+            <p14:xfrm>
+              <a:off x="2482029" y="4051326"/>
+              <a:ext cx="676080" cy="723240"/>
+            </p14:xfrm>
+          </p:contentPart>
+        </mc:Choice>
+        <mc:Fallback xmlns="">
+          <p:pic>
+            <p:nvPicPr>
+              <p:cNvPr id="17" name="Ink 16">
+                <a:extLst>
+                  <a:ext uri="{FF2B5EF4-FFF2-40B4-BE49-F238E27FC236}">
+                    <a16:creationId xmlns:a16="http://schemas.microsoft.com/office/drawing/2014/main" id="{3F949105-0B45-D33B-883D-5C2A583F7E38}"/>
+                  </a:ext>
+                </a:extLst>
+              </p:cNvPr>
+              <p:cNvPicPr/>
+              <p:nvPr/>
+            </p:nvPicPr>
+            <p:blipFill>
+              <a:blip r:embed="rId4"/>
+              <a:stretch>
+                <a:fillRect/>
+              </a:stretch>
+            </p:blipFill>
+            <p:spPr>
+              <a:xfrm>
+                <a:off x="2475909" y="4045206"/>
+                <a:ext cx="688320" cy="735480"/>
+              </a:xfrm>
+              <a:prstGeom prst="rect">
+                <a:avLst/>
+              </a:prstGeom>
+            </p:spPr>
+          </p:pic>
+        </mc:Fallback>
+      </mc:AlternateContent>
+      <p:cxnSp>
+        <p:nvCxnSpPr>
+          <p:cNvPr id="18" name="Straight Arrow Connector 17">
+            <a:extLst>
+              <a:ext uri="{FF2B5EF4-FFF2-40B4-BE49-F238E27FC236}">
+                <a16:creationId xmlns:a16="http://schemas.microsoft.com/office/drawing/2014/main" id="{52B51CC2-844B-F65A-331D-E5AAC5DDE0F5}"/>
+              </a:ext>
+            </a:extLst>
+          </p:cNvPr>
+          <p:cNvCxnSpPr>
+            <a:cxnSpLocks/>
+          </p:cNvCxnSpPr>
+          <p:nvPr/>
+        </p:nvCxnSpPr>
+        <p:spPr>
+          <a:xfrm flipH="1">
+            <a:off x="3647975" y="4494998"/>
+            <a:ext cx="1212783" cy="0"/>
+          </a:xfrm>
+          <a:prstGeom prst="straightConnector1">
+            <a:avLst/>
+          </a:prstGeom>
+          <a:ln>
+            <a:tailEnd type="triangle"/>
+          </a:ln>
+        </p:spPr>
+        <p:style>
+          <a:lnRef idx="1">
+            <a:schemeClr val="accent1"/>
+          </a:lnRef>
+          <a:fillRef idx="0">
+            <a:schemeClr val="accent1"/>
+          </a:fillRef>
+          <a:effectRef idx="0">
+            <a:schemeClr val="accent1"/>
+          </a:effectRef>
+          <a:fontRef idx="minor">
+            <a:schemeClr val="tx1"/>
+          </a:fontRef>
+        </p:style>
+      </p:cxnSp>
+      <p:cxnSp>
+        <p:nvCxnSpPr>
+          <p:cNvPr id="23" name="Straight Arrow Connector 22">
+            <a:extLst>
+              <a:ext uri="{FF2B5EF4-FFF2-40B4-BE49-F238E27FC236}">
+                <a16:creationId xmlns:a16="http://schemas.microsoft.com/office/drawing/2014/main" id="{A0C22E34-9B1A-6FF9-6722-C167D1206891}"/>
+              </a:ext>
+            </a:extLst>
+          </p:cNvPr>
+          <p:cNvCxnSpPr>
+            <a:cxnSpLocks/>
+          </p:cNvCxnSpPr>
+          <p:nvPr/>
+        </p:nvCxnSpPr>
+        <p:spPr>
+          <a:xfrm>
+            <a:off x="3647975" y="5966059"/>
+            <a:ext cx="1212783" cy="0"/>
+          </a:xfrm>
+          <a:prstGeom prst="straightConnector1">
+            <a:avLst/>
+          </a:prstGeom>
+          <a:ln>
+            <a:tailEnd type="triangle"/>
+          </a:ln>
+        </p:spPr>
+        <p:style>
+          <a:lnRef idx="1">
+            <a:schemeClr val="accent1"/>
+          </a:lnRef>
+          <a:fillRef idx="0">
+            <a:schemeClr val="accent1"/>
+          </a:fillRef>
+          <a:effectRef idx="0">
+            <a:schemeClr val="accent1"/>
+          </a:effectRef>
+          <a:fontRef idx="minor">
+            <a:schemeClr val="tx1"/>
+          </a:fontRef>
+        </p:style>
+      </p:cxnSp>
+      <p:cxnSp>
+        <p:nvCxnSpPr>
+          <p:cNvPr id="24" name="Straight Arrow Connector 23">
+            <a:extLst>
+              <a:ext uri="{FF2B5EF4-FFF2-40B4-BE49-F238E27FC236}">
+                <a16:creationId xmlns:a16="http://schemas.microsoft.com/office/drawing/2014/main" id="{D8AB1EB7-16F2-4116-B746-63ED3F3884C1}"/>
+              </a:ext>
+            </a:extLst>
+          </p:cNvPr>
+          <p:cNvCxnSpPr>
+            <a:cxnSpLocks/>
+          </p:cNvCxnSpPr>
+          <p:nvPr/>
+        </p:nvCxnSpPr>
+        <p:spPr>
+          <a:xfrm flipH="1">
+            <a:off x="3647975" y="5831306"/>
+            <a:ext cx="1212783" cy="0"/>
+          </a:xfrm>
+          <a:prstGeom prst="straightConnector1">
+            <a:avLst/>
+          </a:prstGeom>
+          <a:ln>
+            <a:tailEnd type="triangle"/>
+          </a:ln>
+        </p:spPr>
+        <p:style>
+          <a:lnRef idx="1">
+            <a:schemeClr val="accent1"/>
+          </a:lnRef>
+          <a:fillRef idx="0">
+            <a:schemeClr val="accent1"/>
+          </a:fillRef>
+          <a:effectRef idx="0">
+            <a:schemeClr val="accent1"/>
+          </a:effectRef>
+          <a:fontRef idx="minor">
+            <a:schemeClr val="tx1"/>
+          </a:fontRef>
+        </p:style>
+      </p:cxnSp>
+      <p:cxnSp>
+        <p:nvCxnSpPr>
+          <p:cNvPr id="25" name="Straight Arrow Connector 24">
+            <a:extLst>
+              <a:ext uri="{FF2B5EF4-FFF2-40B4-BE49-F238E27FC236}">
+                <a16:creationId xmlns:a16="http://schemas.microsoft.com/office/drawing/2014/main" id="{DF97A8D2-5B10-8B5C-2225-A87F6194982F}"/>
+              </a:ext>
+            </a:extLst>
+          </p:cNvPr>
+          <p:cNvCxnSpPr>
+            <a:cxnSpLocks/>
+          </p:cNvCxnSpPr>
+          <p:nvPr/>
+        </p:nvCxnSpPr>
+        <p:spPr>
+          <a:xfrm flipV="1">
+            <a:off x="3368842" y="4851133"/>
+            <a:ext cx="0" cy="730683"/>
+          </a:xfrm>
+          <a:prstGeom prst="straightConnector1">
+            <a:avLst/>
+          </a:prstGeom>
+          <a:ln>
+            <a:tailEnd type="triangle"/>
+          </a:ln>
+        </p:spPr>
+        <p:style>
+          <a:lnRef idx="1">
+            <a:schemeClr val="accent1"/>
+          </a:lnRef>
+          <a:fillRef idx="0">
+            <a:schemeClr val="accent1"/>
+          </a:fillRef>
+          <a:effectRef idx="0">
+            <a:schemeClr val="accent1"/>
+          </a:effectRef>
+          <a:fontRef idx="minor">
+            <a:schemeClr val="tx1"/>
+          </a:fontRef>
+        </p:style>
+      </p:cxnSp>
+      <p:cxnSp>
+        <p:nvCxnSpPr>
+          <p:cNvPr id="33" name="Straight Arrow Connector 32">
+            <a:extLst>
+              <a:ext uri="{FF2B5EF4-FFF2-40B4-BE49-F238E27FC236}">
+                <a16:creationId xmlns:a16="http://schemas.microsoft.com/office/drawing/2014/main" id="{B10613DD-C423-8427-5E95-70334430298D}"/>
+              </a:ext>
+            </a:extLst>
+          </p:cNvPr>
+          <p:cNvCxnSpPr>
+            <a:cxnSpLocks/>
+          </p:cNvCxnSpPr>
+          <p:nvPr/>
+        </p:nvCxnSpPr>
+        <p:spPr>
+          <a:xfrm>
+            <a:off x="5110734" y="4851133"/>
+            <a:ext cx="0" cy="787666"/>
+          </a:xfrm>
+          <a:prstGeom prst="straightConnector1">
+            <a:avLst/>
+          </a:prstGeom>
+          <a:ln>
+            <a:tailEnd type="triangle"/>
+          </a:ln>
+        </p:spPr>
+        <p:style>
+          <a:lnRef idx="1">
+            <a:schemeClr val="accent1"/>
+          </a:lnRef>
+          <a:fillRef idx="0">
+            <a:schemeClr val="accent1"/>
+          </a:fillRef>
+          <a:effectRef idx="0">
+            <a:schemeClr val="accent1"/>
+          </a:effectRef>
+          <a:fontRef idx="minor">
+            <a:schemeClr val="tx1"/>
+          </a:fontRef>
+        </p:style>
+      </p:cxnSp>
+      <p:cxnSp>
+        <p:nvCxnSpPr>
+          <p:cNvPr id="34" name="Straight Arrow Connector 33">
+            <a:extLst>
+              <a:ext uri="{FF2B5EF4-FFF2-40B4-BE49-F238E27FC236}">
+                <a16:creationId xmlns:a16="http://schemas.microsoft.com/office/drawing/2014/main" id="{CB846A1B-05DF-02B3-5569-A3A9C1CECF20}"/>
+              </a:ext>
+            </a:extLst>
+          </p:cNvPr>
+          <p:cNvCxnSpPr>
+            <a:cxnSpLocks/>
+          </p:cNvCxnSpPr>
+          <p:nvPr/>
+        </p:nvCxnSpPr>
+        <p:spPr>
+          <a:xfrm flipV="1">
+            <a:off x="5321467" y="4851133"/>
+            <a:ext cx="0" cy="730683"/>
+          </a:xfrm>
+          <a:prstGeom prst="straightConnector1">
+            <a:avLst/>
+          </a:prstGeom>
+          <a:ln>
+            <a:tailEnd type="triangle"/>
+          </a:ln>
+        </p:spPr>
+        <p:style>
+          <a:lnRef idx="1">
+            <a:schemeClr val="accent1"/>
+          </a:lnRef>
+          <a:fillRef idx="0">
+            <a:schemeClr val="accent1"/>
+          </a:fillRef>
+          <a:effectRef idx="0">
+            <a:schemeClr val="accent1"/>
+          </a:effectRef>
+          <a:fontRef idx="minor">
+            <a:schemeClr val="tx1"/>
+          </a:fontRef>
+        </p:style>
+      </p:cxnSp>
+      <mc:AlternateContent xmlns:mc="http://schemas.openxmlformats.org/markup-compatibility/2006" xmlns:p14="http://schemas.microsoft.com/office/powerpoint/2010/main">
+        <mc:Choice Requires="p14">
+          <p:contentPart p14:bwMode="auto" r:id="rId5">
+            <p14:nvContentPartPr>
+              <p14:cNvPr id="35" name="Ink 34">
+                <a:extLst>
+                  <a:ext uri="{FF2B5EF4-FFF2-40B4-BE49-F238E27FC236}">
+                    <a16:creationId xmlns:a16="http://schemas.microsoft.com/office/drawing/2014/main" id="{23CB235E-5115-5714-4CFE-743E54F28F07}"/>
+                  </a:ext>
+                </a:extLst>
+              </p14:cNvPr>
+              <p14:cNvContentPartPr/>
+              <p14:nvPr/>
+            </p14:nvContentPartPr>
+            <p14:xfrm rot="8239620">
+              <a:off x="5477077" y="4039666"/>
+              <a:ext cx="676080" cy="723240"/>
+            </p14:xfrm>
+          </p:contentPart>
+        </mc:Choice>
+        <mc:Fallback xmlns="">
+          <p:pic>
+            <p:nvPicPr>
+              <p:cNvPr id="35" name="Ink 34">
+                <a:extLst>
+                  <a:ext uri="{FF2B5EF4-FFF2-40B4-BE49-F238E27FC236}">
+                    <a16:creationId xmlns:a16="http://schemas.microsoft.com/office/drawing/2014/main" id="{23CB235E-5115-5714-4CFE-743E54F28F07}"/>
+                  </a:ext>
+                </a:extLst>
+              </p:cNvPr>
+              <p:cNvPicPr/>
+              <p:nvPr/>
+            </p:nvPicPr>
+            <p:blipFill>
+              <a:blip r:embed="rId4"/>
+              <a:stretch>
+                <a:fillRect/>
+              </a:stretch>
+            </p:blipFill>
+            <p:spPr>
+              <a:xfrm rot="8239620">
+                <a:off x="5470957" y="4033546"/>
+                <a:ext cx="688320" cy="735480"/>
+              </a:xfrm>
+              <a:prstGeom prst="rect">
+                <a:avLst/>
+              </a:prstGeom>
+            </p:spPr>
+          </p:pic>
+        </mc:Fallback>
+      </mc:AlternateContent>
+      <mc:AlternateContent xmlns:mc="http://schemas.openxmlformats.org/markup-compatibility/2006" xmlns:p14="http://schemas.microsoft.com/office/powerpoint/2010/main">
+        <mc:Choice Requires="p14">
+          <p:contentPart p14:bwMode="auto" r:id="rId6">
+            <p14:nvContentPartPr>
+              <p14:cNvPr id="36" name="Ink 35">
+                <a:extLst>
+                  <a:ext uri="{FF2B5EF4-FFF2-40B4-BE49-F238E27FC236}">
+                    <a16:creationId xmlns:a16="http://schemas.microsoft.com/office/drawing/2014/main" id="{4613518A-7DB2-48FB-6968-443E937B063A}"/>
+                  </a:ext>
+                </a:extLst>
+              </p14:cNvPr>
+              <p14:cNvContentPartPr/>
+              <p14:nvPr/>
+            </p14:nvContentPartPr>
+            <p14:xfrm rot="18253453">
+              <a:off x="2427902" y="5830613"/>
+              <a:ext cx="676080" cy="723240"/>
+            </p14:xfrm>
+          </p:contentPart>
+        </mc:Choice>
+        <mc:Fallback xmlns="">
+          <p:pic>
+            <p:nvPicPr>
+              <p:cNvPr id="36" name="Ink 35">
+                <a:extLst>
+                  <a:ext uri="{FF2B5EF4-FFF2-40B4-BE49-F238E27FC236}">
+                    <a16:creationId xmlns:a16="http://schemas.microsoft.com/office/drawing/2014/main" id="{4613518A-7DB2-48FB-6968-443E937B063A}"/>
+                  </a:ext>
+                </a:extLst>
+              </p:cNvPr>
+              <p:cNvPicPr/>
+              <p:nvPr/>
+            </p:nvPicPr>
+            <p:blipFill>
+              <a:blip r:embed="rId4"/>
+              <a:stretch>
+                <a:fillRect/>
+              </a:stretch>
+            </p:blipFill>
+            <p:spPr>
+              <a:xfrm rot="18253453">
+                <a:off x="2421782" y="5824493"/>
+                <a:ext cx="688320" cy="735480"/>
+              </a:xfrm>
+              <a:prstGeom prst="rect">
+                <a:avLst/>
+              </a:prstGeom>
+            </p:spPr>
+          </p:pic>
+        </mc:Fallback>
+      </mc:AlternateContent>
+      <mc:AlternateContent xmlns:mc="http://schemas.openxmlformats.org/markup-compatibility/2006" xmlns:p14="http://schemas.microsoft.com/office/powerpoint/2010/main">
+        <mc:Choice Requires="p14">
+          <p:contentPart p14:bwMode="auto" r:id="rId7">
+            <p14:nvContentPartPr>
+              <p14:cNvPr id="37" name="Ink 36">
+                <a:extLst>
+                  <a:ext uri="{FF2B5EF4-FFF2-40B4-BE49-F238E27FC236}">
+                    <a16:creationId xmlns:a16="http://schemas.microsoft.com/office/drawing/2014/main" id="{19FAC484-E233-B2DC-7236-C3766353B3B8}"/>
+                  </a:ext>
+                </a:extLst>
+              </p14:cNvPr>
+              <p14:cNvContentPartPr/>
+              <p14:nvPr/>
+            </p14:nvContentPartPr>
+            <p14:xfrm rot="11019232">
+              <a:off x="5397562" y="5874122"/>
+              <a:ext cx="676080" cy="723240"/>
+            </p14:xfrm>
+          </p:contentPart>
+        </mc:Choice>
+        <mc:Fallback xmlns="">
+          <p:pic>
+            <p:nvPicPr>
+              <p:cNvPr id="37" name="Ink 36">
+                <a:extLst>
+                  <a:ext uri="{FF2B5EF4-FFF2-40B4-BE49-F238E27FC236}">
+                    <a16:creationId xmlns:a16="http://schemas.microsoft.com/office/drawing/2014/main" id="{19FAC484-E233-B2DC-7236-C3766353B3B8}"/>
+                  </a:ext>
+                </a:extLst>
+              </p:cNvPr>
+              <p:cNvPicPr/>
+              <p:nvPr/>
+            </p:nvPicPr>
+            <p:blipFill>
+              <a:blip r:embed="rId4"/>
+              <a:stretch>
+                <a:fillRect/>
+              </a:stretch>
+            </p:blipFill>
+            <p:spPr>
+              <a:xfrm rot="11019232">
+                <a:off x="5391442" y="5868002"/>
+                <a:ext cx="688320" cy="735480"/>
+              </a:xfrm>
+              <a:prstGeom prst="rect">
+                <a:avLst/>
+              </a:prstGeom>
+            </p:spPr>
+          </p:pic>
+        </mc:Fallback>
+      </mc:AlternateContent>
+      <p:cxnSp>
+        <p:nvCxnSpPr>
+          <p:cNvPr id="38" name="Straight Arrow Connector 37">
+            <a:extLst>
+              <a:ext uri="{FF2B5EF4-FFF2-40B4-BE49-F238E27FC236}">
+                <a16:creationId xmlns:a16="http://schemas.microsoft.com/office/drawing/2014/main" id="{7ACF8FDB-9316-7911-73BB-1103E226018A}"/>
+              </a:ext>
+            </a:extLst>
+          </p:cNvPr>
+          <p:cNvCxnSpPr>
+            <a:cxnSpLocks/>
+          </p:cNvCxnSpPr>
+          <p:nvPr/>
+        </p:nvCxnSpPr>
+        <p:spPr>
+          <a:xfrm flipH="1" flipV="1">
+            <a:off x="3497432" y="4896290"/>
+            <a:ext cx="1398592" cy="872445"/>
+          </a:xfrm>
+          <a:prstGeom prst="straightConnector1">
+            <a:avLst/>
+          </a:prstGeom>
+          <a:ln>
+            <a:tailEnd type="triangle"/>
+          </a:ln>
+        </p:spPr>
+        <p:style>
+          <a:lnRef idx="1">
+            <a:schemeClr val="accent1"/>
+          </a:lnRef>
+          <a:fillRef idx="0">
+            <a:schemeClr val="accent1"/>
+          </a:fillRef>
+          <a:effectRef idx="0">
+            <a:schemeClr val="accent1"/>
+          </a:effectRef>
+          <a:fontRef idx="minor">
+            <a:schemeClr val="tx1"/>
+          </a:fontRef>
+        </p:style>
+      </p:cxnSp>
+      <p:cxnSp>
+        <p:nvCxnSpPr>
+          <p:cNvPr id="42" name="Straight Arrow Connector 41">
+            <a:extLst>
+              <a:ext uri="{FF2B5EF4-FFF2-40B4-BE49-F238E27FC236}">
+                <a16:creationId xmlns:a16="http://schemas.microsoft.com/office/drawing/2014/main" id="{BDB94326-5DF3-E91F-2C87-131B174A124A}"/>
+              </a:ext>
+            </a:extLst>
+          </p:cNvPr>
+          <p:cNvCxnSpPr>
+            <a:cxnSpLocks/>
+          </p:cNvCxnSpPr>
+          <p:nvPr/>
+        </p:nvCxnSpPr>
+        <p:spPr>
+          <a:xfrm flipV="1">
+            <a:off x="3611205" y="4780724"/>
+            <a:ext cx="1284819" cy="903232"/>
+          </a:xfrm>
+          <a:prstGeom prst="straightConnector1">
+            <a:avLst/>
+          </a:prstGeom>
+          <a:ln>
+            <a:tailEnd type="triangle"/>
+          </a:ln>
+        </p:spPr>
+        <p:style>
+          <a:lnRef idx="1">
+            <a:schemeClr val="accent1"/>
+          </a:lnRef>
+          <a:fillRef idx="0">
+            <a:schemeClr val="accent1"/>
+          </a:fillRef>
+          <a:effectRef idx="0">
+            <a:schemeClr val="accent1"/>
+          </a:effectRef>
+          <a:fontRef idx="minor">
+            <a:schemeClr val="tx1"/>
+          </a:fontRef>
+        </p:style>
+      </p:cxnSp>
+      <p:cxnSp>
+        <p:nvCxnSpPr>
+          <p:cNvPr id="45" name="Straight Arrow Connector 44">
+            <a:extLst>
+              <a:ext uri="{FF2B5EF4-FFF2-40B4-BE49-F238E27FC236}">
+                <a16:creationId xmlns:a16="http://schemas.microsoft.com/office/drawing/2014/main" id="{B3BFF766-5FE9-0276-534A-876E4A9322B2}"/>
+              </a:ext>
+            </a:extLst>
+          </p:cNvPr>
+          <p:cNvCxnSpPr>
+            <a:cxnSpLocks/>
+          </p:cNvCxnSpPr>
+          <p:nvPr/>
+        </p:nvCxnSpPr>
+        <p:spPr>
+          <a:xfrm flipH="1">
+            <a:off x="3630352" y="4904130"/>
+            <a:ext cx="1315427" cy="864605"/>
+          </a:xfrm>
+          <a:prstGeom prst="straightConnector1">
+            <a:avLst/>
+          </a:prstGeom>
+          <a:ln>
+            <a:tailEnd type="triangle"/>
+          </a:ln>
+        </p:spPr>
+        <p:style>
+          <a:lnRef idx="1">
+            <a:schemeClr val="accent1"/>
+          </a:lnRef>
+          <a:fillRef idx="0">
+            <a:schemeClr val="accent1"/>
+          </a:fillRef>
+          <a:effectRef idx="0">
+            <a:schemeClr val="accent1"/>
+          </a:effectRef>
+          <a:fontRef idx="minor">
+            <a:schemeClr val="tx1"/>
+          </a:fontRef>
+        </p:style>
+      </p:cxnSp>
+      <p:cxnSp>
+        <p:nvCxnSpPr>
+          <p:cNvPr id="50" name="Straight Connector 49">
+            <a:extLst>
+              <a:ext uri="{FF2B5EF4-FFF2-40B4-BE49-F238E27FC236}">
+                <a16:creationId xmlns:a16="http://schemas.microsoft.com/office/drawing/2014/main" id="{D66C14CA-88FE-1B7F-478F-6E161B35006D}"/>
+              </a:ext>
+            </a:extLst>
+          </p:cNvPr>
+          <p:cNvCxnSpPr/>
+          <p:nvPr/>
+        </p:nvCxnSpPr>
+        <p:spPr>
+          <a:xfrm flipV="1">
+            <a:off x="7880956" y="4483338"/>
+            <a:ext cx="2657475" cy="11660"/>
+          </a:xfrm>
+          <a:prstGeom prst="line">
+            <a:avLst/>
+          </a:prstGeom>
+        </p:spPr>
+        <p:style>
+          <a:lnRef idx="1">
+            <a:schemeClr val="accent1"/>
+          </a:lnRef>
+          <a:fillRef idx="0">
+            <a:schemeClr val="accent1"/>
+          </a:fillRef>
+          <a:effectRef idx="0">
+            <a:schemeClr val="accent1"/>
+          </a:effectRef>
+          <a:fontRef idx="minor">
+            <a:schemeClr val="tx1"/>
+          </a:fontRef>
+        </p:style>
+      </p:cxnSp>
+      <p:cxnSp>
+        <p:nvCxnSpPr>
+          <p:cNvPr id="53" name="Straight Connector 52">
+            <a:extLst>
+              <a:ext uri="{FF2B5EF4-FFF2-40B4-BE49-F238E27FC236}">
+                <a16:creationId xmlns:a16="http://schemas.microsoft.com/office/drawing/2014/main" id="{B6E53995-9AB7-7CAF-24E4-BC605C1D4478}"/>
+              </a:ext>
+            </a:extLst>
+          </p:cNvPr>
+          <p:cNvCxnSpPr>
+            <a:cxnSpLocks/>
+          </p:cNvCxnSpPr>
+          <p:nvPr/>
+        </p:nvCxnSpPr>
+        <p:spPr>
+          <a:xfrm>
+            <a:off x="8303445" y="4133850"/>
+            <a:ext cx="0" cy="1978827"/>
+          </a:xfrm>
+          <a:prstGeom prst="line">
+            <a:avLst/>
+          </a:prstGeom>
+        </p:spPr>
+        <p:style>
+          <a:lnRef idx="1">
+            <a:schemeClr val="accent1"/>
+          </a:lnRef>
+          <a:fillRef idx="0">
+            <a:schemeClr val="accent1"/>
+          </a:fillRef>
+          <a:effectRef idx="0">
+            <a:schemeClr val="accent1"/>
+          </a:effectRef>
+          <a:fontRef idx="minor">
+            <a:schemeClr val="tx1"/>
+          </a:fontRef>
+        </p:style>
+      </p:cxnSp>
+    </p:spTree>
+    <p:extLst>
+      <p:ext uri="{BB962C8B-B14F-4D97-AF65-F5344CB8AC3E}">
+        <p14:creationId xmlns:p14="http://schemas.microsoft.com/office/powerpoint/2010/main" val="3765495272"/>
+      </p:ext>
+    </p:extLst>
+  </p:cSld>
+  <p:clrMapOvr>
+    <a:masterClrMapping/>
+  </p:clrMapOvr>
+</p:sld>
+</file>
+
+<file path=ppt/slides/slide19.xml><?xml version="1.0" encoding="utf-8"?>
+<p:sld xmlns:a="http://schemas.openxmlformats.org/drawingml/2006/main" xmlns:r="http://schemas.openxmlformats.org/officeDocument/2006/relationships" xmlns:p="http://schemas.openxmlformats.org/presentationml/2006/main">
+  <p:cSld>
+    <p:spTree>
+      <p:nvGrpSpPr>
+        <p:cNvPr id="1" name="">
+          <a:extLst>
+            <a:ext uri="{FF2B5EF4-FFF2-40B4-BE49-F238E27FC236}">
+              <a16:creationId xmlns:a16="http://schemas.microsoft.com/office/drawing/2014/main" id="{6CDA4562-32A5-47EA-41DF-D9039FF146BC}"/>
+            </a:ext>
+          </a:extLst>
+        </p:cNvPr>
+        <p:cNvGrpSpPr/>
+        <p:nvPr/>
+      </p:nvGrpSpPr>
+      <p:grpSpPr>
+        <a:xfrm>
+          <a:off x="0" y="0"/>
+          <a:ext cx="0" cy="0"/>
+          <a:chOff x="0" y="0"/>
+          <a:chExt cx="0" cy="0"/>
+        </a:xfrm>
+      </p:grpSpPr>
+      <p:sp>
+        <p:nvSpPr>
+          <p:cNvPr id="2" name="Title 1">
+            <a:extLst>
+              <a:ext uri="{FF2B5EF4-FFF2-40B4-BE49-F238E27FC236}">
+                <a16:creationId xmlns:a16="http://schemas.microsoft.com/office/drawing/2014/main" id="{8614983D-5AB3-5723-9340-BBD4D5C4A3AF}"/>
+              </a:ext>
+            </a:extLst>
+          </p:cNvPr>
+          <p:cNvSpPr>
+            <a:spLocks noGrp="1"/>
+          </p:cNvSpPr>
+          <p:nvPr>
+            <p:ph type="title"/>
+          </p:nvPr>
+        </p:nvSpPr>
+        <p:spPr>
+          <a:xfrm>
+            <a:off x="598620" y="136524"/>
+            <a:ext cx="6658828" cy="1001901"/>
+          </a:xfrm>
+        </p:spPr>
+        <p:txBody>
+          <a:bodyPr>
+            <a:normAutofit/>
+          </a:bodyPr>
+          <a:lstStyle/>
+          <a:p>
+            <a:r>
+              <a:rPr lang="en-US" dirty="0"/>
+              <a:t>Scoring with Markov chain</a:t>
+            </a:r>
+          </a:p>
+        </p:txBody>
+      </p:sp>
+      <p:sp>
+        <p:nvSpPr>
+          <p:cNvPr id="3" name="Content Placeholder 2">
+            <a:extLst>
+              <a:ext uri="{FF2B5EF4-FFF2-40B4-BE49-F238E27FC236}">
+                <a16:creationId xmlns:a16="http://schemas.microsoft.com/office/drawing/2014/main" id="{B814D584-A877-B46B-2BDD-8844F77B3C21}"/>
+              </a:ext>
+            </a:extLst>
+          </p:cNvPr>
+          <p:cNvSpPr>
+            <a:spLocks noGrp="1"/>
+          </p:cNvSpPr>
+          <p:nvPr>
+            <p:ph idx="1"/>
+          </p:nvPr>
+        </p:nvSpPr>
+        <p:spPr>
+          <a:xfrm>
+            <a:off x="598620" y="1596540"/>
+            <a:ext cx="10972800" cy="4881262"/>
+          </a:xfrm>
+        </p:spPr>
+        <p:txBody>
+          <a:bodyPr>
+            <a:normAutofit/>
+          </a:bodyPr>
+          <a:lstStyle/>
+          <a:p>
+            <a:r>
+              <a:rPr lang="en-US" dirty="0"/>
+              <a:t>Imagine sequence AGCG, all starting probabilities are equal to 0.25.  Its probability under this Markov model is P = 0.25*0.4*0.4*0.5</a:t>
+            </a:r>
+          </a:p>
+          <a:p>
+            <a:r>
+              <a:rPr lang="en-US" dirty="0"/>
+              <a:t>You can compare probabilities between different Markov chain models to see which model is more likely to have generated the pattern</a:t>
+            </a:r>
+            <a:br>
+              <a:rPr lang="en-US" dirty="0"/>
+            </a:br>
+            <a:r>
+              <a:rPr lang="en-US" dirty="0"/>
+              <a:t>                                                                                                   To</a:t>
+            </a:r>
+            <a:br>
+              <a:rPr lang="en-US" dirty="0"/>
+            </a:br>
+            <a:r>
+              <a:rPr lang="en-US" dirty="0"/>
+              <a:t>                                                                                            A     C    G    T</a:t>
+            </a:r>
+            <a:br>
+              <a:rPr lang="en-US" dirty="0"/>
+            </a:br>
+            <a:r>
+              <a:rPr lang="en-US" dirty="0"/>
+              <a:t>                                                                                      A   .1    .4   .4   .1</a:t>
+            </a:r>
+            <a:br>
+              <a:rPr lang="en-US" dirty="0"/>
+            </a:br>
+            <a:r>
+              <a:rPr lang="en-US" dirty="0"/>
+              <a:t>                                                                       From      C   .2    .2   .3   .3</a:t>
+            </a:r>
+            <a:br>
+              <a:rPr lang="en-US" dirty="0"/>
+            </a:br>
+            <a:r>
+              <a:rPr lang="en-US" dirty="0"/>
+              <a:t>                                                                                      G   .4    .4   .1   .1</a:t>
+            </a:r>
+            <a:br>
+              <a:rPr lang="en-US" dirty="0"/>
+            </a:br>
+            <a:r>
+              <a:rPr lang="en-US" dirty="0"/>
+              <a:t>                                                                                      T    .5    .1   .2   .2</a:t>
+            </a:r>
+            <a:br>
+              <a:rPr lang="en-US" dirty="0"/>
+            </a:br>
+            <a:r>
+              <a:rPr lang="en-US" dirty="0"/>
+              <a:t>                                                                                  rows must add up to 1</a:t>
+            </a:r>
+          </a:p>
+          <a:p>
+            <a:endParaRPr lang="en-US" dirty="0"/>
+          </a:p>
+        </p:txBody>
+      </p:sp>
+      <p:sp>
+        <p:nvSpPr>
+          <p:cNvPr id="4" name="Slide Number Placeholder 3">
+            <a:extLst>
+              <a:ext uri="{FF2B5EF4-FFF2-40B4-BE49-F238E27FC236}">
+                <a16:creationId xmlns:a16="http://schemas.microsoft.com/office/drawing/2014/main" id="{DD17D4E3-FB67-AB3C-18D7-C21E0ED269FB}"/>
+              </a:ext>
+            </a:extLst>
+          </p:cNvPr>
+          <p:cNvSpPr>
+            <a:spLocks noGrp="1"/>
+          </p:cNvSpPr>
+          <p:nvPr>
+            <p:ph type="sldNum" sz="quarter" idx="12"/>
+          </p:nvPr>
+        </p:nvSpPr>
+        <p:spPr/>
+        <p:txBody>
+          <a:bodyPr/>
+          <a:lstStyle/>
+          <a:p>
+            <a:fld id="{B82CCC60-E8CD-4174-8B1A-7DF615B22EEF}" type="slidenum">
+              <a:rPr lang="en-US" smtClean="0"/>
+              <a:pPr/>
+              <a:t>19</a:t>
+            </a:fld>
+            <a:endParaRPr lang="en-US"/>
+          </a:p>
+        </p:txBody>
+      </p:sp>
+      <p:sp>
+        <p:nvSpPr>
+          <p:cNvPr id="6" name="Oval 5">
+            <a:extLst>
+              <a:ext uri="{FF2B5EF4-FFF2-40B4-BE49-F238E27FC236}">
+                <a16:creationId xmlns:a16="http://schemas.microsoft.com/office/drawing/2014/main" id="{E012A8A2-7B59-9583-E70B-A8BBD1DB760D}"/>
+              </a:ext>
+            </a:extLst>
+          </p:cNvPr>
+          <p:cNvSpPr/>
+          <p:nvPr/>
+        </p:nvSpPr>
+        <p:spPr>
+          <a:xfrm>
+            <a:off x="1867167" y="4095543"/>
+            <a:ext cx="567891" cy="558266"/>
+          </a:xfrm>
+          <a:prstGeom prst="ellipse">
+            <a:avLst/>
+          </a:prstGeom>
+        </p:spPr>
+        <p:style>
+          <a:lnRef idx="2">
+            <a:schemeClr val="accent1">
+              <a:shade val="15000"/>
+            </a:schemeClr>
+          </a:lnRef>
+          <a:fillRef idx="1">
+            <a:schemeClr val="accent1"/>
+          </a:fillRef>
+          <a:effectRef idx="0">
+            <a:schemeClr val="accent1"/>
+          </a:effectRef>
+          <a:fontRef idx="minor">
+            <a:schemeClr val="lt1"/>
+          </a:fontRef>
+        </p:style>
+        <p:txBody>
+          <a:bodyPr rtlCol="0" anchor="ctr"/>
+          <a:lstStyle/>
+          <a:p>
+            <a:pPr algn="ctr"/>
+            <a:r>
+              <a:rPr lang="en-US" dirty="0"/>
+              <a:t>A</a:t>
+            </a:r>
+          </a:p>
+        </p:txBody>
+      </p:sp>
+      <p:sp>
+        <p:nvSpPr>
+          <p:cNvPr id="8" name="Oval 7">
+            <a:extLst>
+              <a:ext uri="{FF2B5EF4-FFF2-40B4-BE49-F238E27FC236}">
+                <a16:creationId xmlns:a16="http://schemas.microsoft.com/office/drawing/2014/main" id="{C99FAF67-3970-E829-844D-FFB7DDFBE3BF}"/>
+              </a:ext>
+            </a:extLst>
+          </p:cNvPr>
+          <p:cNvSpPr/>
+          <p:nvPr/>
+        </p:nvSpPr>
+        <p:spPr>
+          <a:xfrm>
+            <a:off x="3800240" y="4095543"/>
+            <a:ext cx="567891" cy="558266"/>
+          </a:xfrm>
+          <a:prstGeom prst="ellipse">
+            <a:avLst/>
+          </a:prstGeom>
+        </p:spPr>
+        <p:style>
+          <a:lnRef idx="2">
+            <a:schemeClr val="accent1">
+              <a:shade val="15000"/>
+            </a:schemeClr>
+          </a:lnRef>
+          <a:fillRef idx="1">
+            <a:schemeClr val="accent1"/>
+          </a:fillRef>
+          <a:effectRef idx="0">
+            <a:schemeClr val="accent1"/>
+          </a:effectRef>
+          <a:fontRef idx="minor">
+            <a:schemeClr val="lt1"/>
+          </a:fontRef>
+        </p:style>
+        <p:txBody>
+          <a:bodyPr rtlCol="0" anchor="ctr"/>
+          <a:lstStyle/>
+          <a:p>
+            <a:pPr algn="ctr"/>
+            <a:r>
+              <a:rPr lang="en-US" dirty="0"/>
+              <a:t>C</a:t>
+            </a:r>
+          </a:p>
+        </p:txBody>
+      </p:sp>
+      <p:sp>
+        <p:nvSpPr>
+          <p:cNvPr id="9" name="Oval 8">
+            <a:extLst>
+              <a:ext uri="{FF2B5EF4-FFF2-40B4-BE49-F238E27FC236}">
+                <a16:creationId xmlns:a16="http://schemas.microsoft.com/office/drawing/2014/main" id="{31C1D808-FD07-ECC4-51C1-161FE711A8EC}"/>
+              </a:ext>
+            </a:extLst>
+          </p:cNvPr>
+          <p:cNvSpPr/>
+          <p:nvPr/>
+        </p:nvSpPr>
+        <p:spPr>
+          <a:xfrm>
+            <a:off x="1867166" y="5441475"/>
+            <a:ext cx="567891" cy="558266"/>
+          </a:xfrm>
+          <a:prstGeom prst="ellipse">
+            <a:avLst/>
+          </a:prstGeom>
+        </p:spPr>
+        <p:style>
+          <a:lnRef idx="2">
+            <a:schemeClr val="accent1">
+              <a:shade val="15000"/>
+            </a:schemeClr>
+          </a:lnRef>
+          <a:fillRef idx="1">
+            <a:schemeClr val="accent1"/>
+          </a:fillRef>
+          <a:effectRef idx="0">
+            <a:schemeClr val="accent1"/>
+          </a:effectRef>
+          <a:fontRef idx="minor">
+            <a:schemeClr val="lt1"/>
+          </a:fontRef>
+        </p:style>
+        <p:txBody>
+          <a:bodyPr rtlCol="0" anchor="ctr"/>
+          <a:lstStyle/>
+          <a:p>
+            <a:pPr algn="ctr"/>
+            <a:r>
+              <a:rPr lang="en-US" dirty="0"/>
+              <a:t>G</a:t>
+            </a:r>
+          </a:p>
+        </p:txBody>
+      </p:sp>
+      <p:sp>
+        <p:nvSpPr>
+          <p:cNvPr id="10" name="Oval 9">
+            <a:extLst>
+              <a:ext uri="{FF2B5EF4-FFF2-40B4-BE49-F238E27FC236}">
+                <a16:creationId xmlns:a16="http://schemas.microsoft.com/office/drawing/2014/main" id="{5E840975-F43F-D221-DAF2-3FA3E262660F}"/>
+              </a:ext>
+            </a:extLst>
+          </p:cNvPr>
+          <p:cNvSpPr/>
+          <p:nvPr/>
+        </p:nvSpPr>
+        <p:spPr>
+          <a:xfrm>
+            <a:off x="3800239" y="5441475"/>
+            <a:ext cx="567891" cy="558266"/>
+          </a:xfrm>
+          <a:prstGeom prst="ellipse">
+            <a:avLst/>
+          </a:prstGeom>
+        </p:spPr>
+        <p:style>
+          <a:lnRef idx="2">
+            <a:schemeClr val="accent1">
+              <a:shade val="15000"/>
+            </a:schemeClr>
+          </a:lnRef>
+          <a:fillRef idx="1">
+            <a:schemeClr val="accent1"/>
+          </a:fillRef>
+          <a:effectRef idx="0">
+            <a:schemeClr val="accent1"/>
+          </a:effectRef>
+          <a:fontRef idx="minor">
+            <a:schemeClr val="lt1"/>
+          </a:fontRef>
+        </p:style>
+        <p:txBody>
+          <a:bodyPr rtlCol="0" anchor="ctr"/>
+          <a:lstStyle/>
+          <a:p>
+            <a:pPr algn="ctr"/>
+            <a:r>
+              <a:rPr lang="en-US" dirty="0"/>
+              <a:t>T</a:t>
+            </a:r>
+          </a:p>
+        </p:txBody>
+      </p:sp>
+      <p:cxnSp>
+        <p:nvCxnSpPr>
+          <p:cNvPr id="12" name="Straight Arrow Connector 11">
+            <a:extLst>
+              <a:ext uri="{FF2B5EF4-FFF2-40B4-BE49-F238E27FC236}">
+                <a16:creationId xmlns:a16="http://schemas.microsoft.com/office/drawing/2014/main" id="{DF3E9D12-5D8A-018F-F65A-CF780E368CE3}"/>
+              </a:ext>
+            </a:extLst>
+          </p:cNvPr>
+          <p:cNvCxnSpPr>
+            <a:cxnSpLocks/>
+          </p:cNvCxnSpPr>
+          <p:nvPr/>
+        </p:nvCxnSpPr>
+        <p:spPr>
+          <a:xfrm>
+            <a:off x="2502435" y="4432427"/>
+            <a:ext cx="1212783" cy="0"/>
+          </a:xfrm>
+          <a:prstGeom prst="straightConnector1">
+            <a:avLst/>
+          </a:prstGeom>
+          <a:ln>
+            <a:tailEnd type="triangle"/>
+          </a:ln>
+        </p:spPr>
+        <p:style>
+          <a:lnRef idx="1">
+            <a:schemeClr val="accent1"/>
+          </a:lnRef>
+          <a:fillRef idx="0">
+            <a:schemeClr val="accent1"/>
+          </a:fillRef>
+          <a:effectRef idx="0">
+            <a:schemeClr val="accent1"/>
+          </a:effectRef>
+          <a:fontRef idx="minor">
+            <a:schemeClr val="tx1"/>
+          </a:fontRef>
+        </p:style>
+      </p:cxnSp>
+      <p:cxnSp>
+        <p:nvCxnSpPr>
+          <p:cNvPr id="14" name="Straight Arrow Connector 13">
+            <a:extLst>
+              <a:ext uri="{FF2B5EF4-FFF2-40B4-BE49-F238E27FC236}">
+                <a16:creationId xmlns:a16="http://schemas.microsoft.com/office/drawing/2014/main" id="{342E4DC2-8C6E-BE9B-7D9A-EAAB4CEAE969}"/>
+              </a:ext>
+            </a:extLst>
+          </p:cNvPr>
+          <p:cNvCxnSpPr>
+            <a:stCxn id="6" idx="5"/>
+            <a:endCxn id="10" idx="1"/>
+          </p:cNvCxnSpPr>
+          <p:nvPr/>
+        </p:nvCxnSpPr>
+        <p:spPr>
+          <a:xfrm>
+            <a:off x="2351892" y="4572053"/>
+            <a:ext cx="1531513" cy="951178"/>
+          </a:xfrm>
+          <a:prstGeom prst="straightConnector1">
+            <a:avLst/>
+          </a:prstGeom>
+          <a:ln>
+            <a:tailEnd type="triangle"/>
+          </a:ln>
+        </p:spPr>
+        <p:style>
+          <a:lnRef idx="1">
+            <a:schemeClr val="accent1"/>
+          </a:lnRef>
+          <a:fillRef idx="0">
+            <a:schemeClr val="accent1"/>
+          </a:fillRef>
+          <a:effectRef idx="0">
+            <a:schemeClr val="accent1"/>
+          </a:effectRef>
+          <a:fontRef idx="minor">
+            <a:schemeClr val="tx1"/>
+          </a:fontRef>
+        </p:style>
+      </p:cxnSp>
+      <p:cxnSp>
+        <p:nvCxnSpPr>
+          <p:cNvPr id="16" name="Straight Arrow Connector 15">
+            <a:extLst>
+              <a:ext uri="{FF2B5EF4-FFF2-40B4-BE49-F238E27FC236}">
+                <a16:creationId xmlns:a16="http://schemas.microsoft.com/office/drawing/2014/main" id="{5AB5E933-91BB-5398-BDBA-1A49671895DF}"/>
+              </a:ext>
+            </a:extLst>
+          </p:cNvPr>
+          <p:cNvCxnSpPr>
+            <a:cxnSpLocks/>
+          </p:cNvCxnSpPr>
+          <p:nvPr/>
+        </p:nvCxnSpPr>
+        <p:spPr>
+          <a:xfrm>
+            <a:off x="2012569" y="4653809"/>
+            <a:ext cx="0" cy="787666"/>
+          </a:xfrm>
+          <a:prstGeom prst="straightConnector1">
+            <a:avLst/>
+          </a:prstGeom>
+          <a:ln>
+            <a:tailEnd type="triangle"/>
+          </a:ln>
+        </p:spPr>
+        <p:style>
+          <a:lnRef idx="1">
+            <a:schemeClr val="accent1"/>
+          </a:lnRef>
+          <a:fillRef idx="0">
+            <a:schemeClr val="accent1"/>
+          </a:fillRef>
+          <a:effectRef idx="0">
+            <a:schemeClr val="accent1"/>
+          </a:effectRef>
+          <a:fontRef idx="minor">
+            <a:schemeClr val="tx1"/>
+          </a:fontRef>
+        </p:style>
+      </p:cxnSp>
+      <mc:AlternateContent xmlns:mc="http://schemas.openxmlformats.org/markup-compatibility/2006" xmlns:p14="http://schemas.microsoft.com/office/powerpoint/2010/main">
+        <mc:Choice Requires="p14">
+          <p:contentPart p14:bwMode="auto" r:id="rId3">
+            <p14:nvContentPartPr>
+              <p14:cNvPr id="17" name="Ink 16">
+                <a:extLst>
+                  <a:ext uri="{FF2B5EF4-FFF2-40B4-BE49-F238E27FC236}">
+                    <a16:creationId xmlns:a16="http://schemas.microsoft.com/office/drawing/2014/main" id="{B7564B40-3474-D2D5-A753-80979674E91C}"/>
+                  </a:ext>
+                </a:extLst>
+              </p14:cNvPr>
+              <p14:cNvContentPartPr/>
+              <p14:nvPr/>
+            </p14:nvContentPartPr>
+            <p14:xfrm>
+              <a:off x="1336489" y="3854002"/>
+              <a:ext cx="676080" cy="723240"/>
+            </p14:xfrm>
+          </p:contentPart>
+        </mc:Choice>
+        <mc:Fallback xmlns="">
+          <p:pic>
+            <p:nvPicPr>
+              <p:cNvPr id="17" name="Ink 16">
+                <a:extLst>
+                  <a:ext uri="{FF2B5EF4-FFF2-40B4-BE49-F238E27FC236}">
+                    <a16:creationId xmlns:a16="http://schemas.microsoft.com/office/drawing/2014/main" id="{B7564B40-3474-D2D5-A753-80979674E91C}"/>
+                  </a:ext>
+                </a:extLst>
+              </p:cNvPr>
+              <p:cNvPicPr/>
+              <p:nvPr/>
+            </p:nvPicPr>
+            <p:blipFill>
+              <a:blip r:embed="rId4"/>
+              <a:stretch>
+                <a:fillRect/>
+              </a:stretch>
+            </p:blipFill>
+            <p:spPr>
+              <a:xfrm>
+                <a:off x="1330366" y="3847885"/>
+                <a:ext cx="688327" cy="735474"/>
+              </a:xfrm>
+              <a:prstGeom prst="rect">
+                <a:avLst/>
+              </a:prstGeom>
+            </p:spPr>
+          </p:pic>
+        </mc:Fallback>
+      </mc:AlternateContent>
+      <p:cxnSp>
+        <p:nvCxnSpPr>
+          <p:cNvPr id="18" name="Straight Arrow Connector 17">
+            <a:extLst>
+              <a:ext uri="{FF2B5EF4-FFF2-40B4-BE49-F238E27FC236}">
+                <a16:creationId xmlns:a16="http://schemas.microsoft.com/office/drawing/2014/main" id="{73096DD1-4E22-73D8-B014-16FA7D8EC284}"/>
+              </a:ext>
+            </a:extLst>
+          </p:cNvPr>
+          <p:cNvCxnSpPr>
+            <a:cxnSpLocks/>
+          </p:cNvCxnSpPr>
+          <p:nvPr/>
+        </p:nvCxnSpPr>
+        <p:spPr>
+          <a:xfrm flipH="1">
+            <a:off x="2502435" y="4297674"/>
+            <a:ext cx="1212783" cy="0"/>
+          </a:xfrm>
+          <a:prstGeom prst="straightConnector1">
+            <a:avLst/>
+          </a:prstGeom>
+          <a:ln>
+            <a:tailEnd type="triangle"/>
+          </a:ln>
+        </p:spPr>
+        <p:style>
+          <a:lnRef idx="1">
+            <a:schemeClr val="accent1"/>
+          </a:lnRef>
+          <a:fillRef idx="0">
+            <a:schemeClr val="accent1"/>
+          </a:fillRef>
+          <a:effectRef idx="0">
+            <a:schemeClr val="accent1"/>
+          </a:effectRef>
+          <a:fontRef idx="minor">
+            <a:schemeClr val="tx1"/>
+          </a:fontRef>
+        </p:style>
+      </p:cxnSp>
+      <p:cxnSp>
+        <p:nvCxnSpPr>
+          <p:cNvPr id="23" name="Straight Arrow Connector 22">
+            <a:extLst>
+              <a:ext uri="{FF2B5EF4-FFF2-40B4-BE49-F238E27FC236}">
+                <a16:creationId xmlns:a16="http://schemas.microsoft.com/office/drawing/2014/main" id="{30ACC0FA-F7DD-F775-B632-6C806D860BEE}"/>
+              </a:ext>
+            </a:extLst>
+          </p:cNvPr>
+          <p:cNvCxnSpPr>
+            <a:cxnSpLocks/>
+          </p:cNvCxnSpPr>
+          <p:nvPr/>
+        </p:nvCxnSpPr>
+        <p:spPr>
+          <a:xfrm>
+            <a:off x="2502435" y="5768735"/>
+            <a:ext cx="1212783" cy="0"/>
+          </a:xfrm>
+          <a:prstGeom prst="straightConnector1">
+            <a:avLst/>
+          </a:prstGeom>
+          <a:ln>
+            <a:tailEnd type="triangle"/>
+          </a:ln>
+        </p:spPr>
+        <p:style>
+          <a:lnRef idx="1">
+            <a:schemeClr val="accent1"/>
+          </a:lnRef>
+          <a:fillRef idx="0">
+            <a:schemeClr val="accent1"/>
+          </a:fillRef>
+          <a:effectRef idx="0">
+            <a:schemeClr val="accent1"/>
+          </a:effectRef>
+          <a:fontRef idx="minor">
+            <a:schemeClr val="tx1"/>
+          </a:fontRef>
+        </p:style>
+      </p:cxnSp>
+      <p:cxnSp>
+        <p:nvCxnSpPr>
+          <p:cNvPr id="24" name="Straight Arrow Connector 23">
+            <a:extLst>
+              <a:ext uri="{FF2B5EF4-FFF2-40B4-BE49-F238E27FC236}">
+                <a16:creationId xmlns:a16="http://schemas.microsoft.com/office/drawing/2014/main" id="{2870B382-BE0B-77CE-FB18-C76AA0235664}"/>
+              </a:ext>
+            </a:extLst>
+          </p:cNvPr>
+          <p:cNvCxnSpPr>
+            <a:cxnSpLocks/>
+          </p:cNvCxnSpPr>
+          <p:nvPr/>
+        </p:nvCxnSpPr>
+        <p:spPr>
+          <a:xfrm flipH="1">
+            <a:off x="2502435" y="5633982"/>
+            <a:ext cx="1212783" cy="0"/>
+          </a:xfrm>
+          <a:prstGeom prst="straightConnector1">
+            <a:avLst/>
+          </a:prstGeom>
+          <a:ln>
+            <a:tailEnd type="triangle"/>
+          </a:ln>
+        </p:spPr>
+        <p:style>
+          <a:lnRef idx="1">
+            <a:schemeClr val="accent1"/>
+          </a:lnRef>
+          <a:fillRef idx="0">
+            <a:schemeClr val="accent1"/>
+          </a:fillRef>
+          <a:effectRef idx="0">
+            <a:schemeClr val="accent1"/>
+          </a:effectRef>
+          <a:fontRef idx="minor">
+            <a:schemeClr val="tx1"/>
+          </a:fontRef>
+        </p:style>
+      </p:cxnSp>
+      <p:cxnSp>
+        <p:nvCxnSpPr>
+          <p:cNvPr id="25" name="Straight Arrow Connector 24">
+            <a:extLst>
+              <a:ext uri="{FF2B5EF4-FFF2-40B4-BE49-F238E27FC236}">
+                <a16:creationId xmlns:a16="http://schemas.microsoft.com/office/drawing/2014/main" id="{20E98C20-80EC-AF53-2F19-3814E32D310B}"/>
+              </a:ext>
+            </a:extLst>
+          </p:cNvPr>
+          <p:cNvCxnSpPr>
+            <a:cxnSpLocks/>
+          </p:cNvCxnSpPr>
+          <p:nvPr/>
+        </p:nvCxnSpPr>
+        <p:spPr>
+          <a:xfrm flipV="1">
+            <a:off x="2223302" y="4653809"/>
+            <a:ext cx="0" cy="730683"/>
+          </a:xfrm>
+          <a:prstGeom prst="straightConnector1">
+            <a:avLst/>
+          </a:prstGeom>
+          <a:ln>
+            <a:tailEnd type="triangle"/>
+          </a:ln>
+        </p:spPr>
+        <p:style>
+          <a:lnRef idx="1">
+            <a:schemeClr val="accent1"/>
+          </a:lnRef>
+          <a:fillRef idx="0">
+            <a:schemeClr val="accent1"/>
+          </a:fillRef>
+          <a:effectRef idx="0">
+            <a:schemeClr val="accent1"/>
+          </a:effectRef>
+          <a:fontRef idx="minor">
+            <a:schemeClr val="tx1"/>
+          </a:fontRef>
+        </p:style>
+      </p:cxnSp>
+      <p:cxnSp>
+        <p:nvCxnSpPr>
+          <p:cNvPr id="33" name="Straight Arrow Connector 32">
+            <a:extLst>
+              <a:ext uri="{FF2B5EF4-FFF2-40B4-BE49-F238E27FC236}">
+                <a16:creationId xmlns:a16="http://schemas.microsoft.com/office/drawing/2014/main" id="{0E27F4A9-E0E1-88FE-188E-D61674976C5D}"/>
+              </a:ext>
+            </a:extLst>
+          </p:cNvPr>
+          <p:cNvCxnSpPr>
+            <a:cxnSpLocks/>
+          </p:cNvCxnSpPr>
+          <p:nvPr/>
+        </p:nvCxnSpPr>
+        <p:spPr>
+          <a:xfrm>
+            <a:off x="3965194" y="4653809"/>
+            <a:ext cx="0" cy="787666"/>
+          </a:xfrm>
+          <a:prstGeom prst="straightConnector1">
+            <a:avLst/>
+          </a:prstGeom>
+          <a:ln>
+            <a:tailEnd type="triangle"/>
+          </a:ln>
+        </p:spPr>
+        <p:style>
+          <a:lnRef idx="1">
+            <a:schemeClr val="accent1"/>
+          </a:lnRef>
+          <a:fillRef idx="0">
+            <a:schemeClr val="accent1"/>
+          </a:fillRef>
+          <a:effectRef idx="0">
+            <a:schemeClr val="accent1"/>
+          </a:effectRef>
+          <a:fontRef idx="minor">
+            <a:schemeClr val="tx1"/>
+          </a:fontRef>
+        </p:style>
+      </p:cxnSp>
+      <p:cxnSp>
+        <p:nvCxnSpPr>
+          <p:cNvPr id="34" name="Straight Arrow Connector 33">
+            <a:extLst>
+              <a:ext uri="{FF2B5EF4-FFF2-40B4-BE49-F238E27FC236}">
+                <a16:creationId xmlns:a16="http://schemas.microsoft.com/office/drawing/2014/main" id="{908DF921-36C7-DB95-9BA8-5A737AA962BA}"/>
+              </a:ext>
+            </a:extLst>
+          </p:cNvPr>
+          <p:cNvCxnSpPr>
+            <a:cxnSpLocks/>
+          </p:cNvCxnSpPr>
+          <p:nvPr/>
+        </p:nvCxnSpPr>
+        <p:spPr>
+          <a:xfrm flipV="1">
+            <a:off x="4175927" y="4653809"/>
+            <a:ext cx="0" cy="730683"/>
+          </a:xfrm>
+          <a:prstGeom prst="straightConnector1">
+            <a:avLst/>
+          </a:prstGeom>
+          <a:ln>
+            <a:tailEnd type="triangle"/>
+          </a:ln>
+        </p:spPr>
+        <p:style>
+          <a:lnRef idx="1">
+            <a:schemeClr val="accent1"/>
+          </a:lnRef>
+          <a:fillRef idx="0">
+            <a:schemeClr val="accent1"/>
+          </a:fillRef>
+          <a:effectRef idx="0">
+            <a:schemeClr val="accent1"/>
+          </a:effectRef>
+          <a:fontRef idx="minor">
+            <a:schemeClr val="tx1"/>
+          </a:fontRef>
+        </p:style>
+      </p:cxnSp>
+      <mc:AlternateContent xmlns:mc="http://schemas.openxmlformats.org/markup-compatibility/2006" xmlns:p14="http://schemas.microsoft.com/office/powerpoint/2010/main">
+        <mc:Choice Requires="p14">
+          <p:contentPart p14:bwMode="auto" r:id="rId5">
+            <p14:nvContentPartPr>
+              <p14:cNvPr id="35" name="Ink 34">
+                <a:extLst>
+                  <a:ext uri="{FF2B5EF4-FFF2-40B4-BE49-F238E27FC236}">
+                    <a16:creationId xmlns:a16="http://schemas.microsoft.com/office/drawing/2014/main" id="{999367F5-72F6-1F10-94D1-AC3562320F55}"/>
+                  </a:ext>
+                </a:extLst>
+              </p14:cNvPr>
+              <p14:cNvContentPartPr/>
+              <p14:nvPr/>
+            </p14:nvContentPartPr>
+            <p14:xfrm rot="8239620">
+              <a:off x="4331537" y="3842342"/>
+              <a:ext cx="676080" cy="723240"/>
+            </p14:xfrm>
+          </p:contentPart>
+        </mc:Choice>
+        <mc:Fallback xmlns="">
+          <p:pic>
+            <p:nvPicPr>
+              <p:cNvPr id="35" name="Ink 34">
+                <a:extLst>
+                  <a:ext uri="{FF2B5EF4-FFF2-40B4-BE49-F238E27FC236}">
+                    <a16:creationId xmlns:a16="http://schemas.microsoft.com/office/drawing/2014/main" id="{999367F5-72F6-1F10-94D1-AC3562320F55}"/>
+                  </a:ext>
+                </a:extLst>
+              </p:cNvPr>
+              <p:cNvPicPr/>
+              <p:nvPr/>
+            </p:nvPicPr>
+            <p:blipFill>
+              <a:blip r:embed="rId4"/>
+              <a:stretch>
+                <a:fillRect/>
+              </a:stretch>
+            </p:blipFill>
+            <p:spPr>
+              <a:xfrm rot="8239620">
+                <a:off x="4325414" y="3836225"/>
+                <a:ext cx="688327" cy="735474"/>
+              </a:xfrm>
+              <a:prstGeom prst="rect">
+                <a:avLst/>
+              </a:prstGeom>
+            </p:spPr>
+          </p:pic>
+        </mc:Fallback>
+      </mc:AlternateContent>
+      <mc:AlternateContent xmlns:mc="http://schemas.openxmlformats.org/markup-compatibility/2006" xmlns:p14="http://schemas.microsoft.com/office/powerpoint/2010/main">
+        <mc:Choice Requires="p14">
+          <p:contentPart p14:bwMode="auto" r:id="rId6">
+            <p14:nvContentPartPr>
+              <p14:cNvPr id="36" name="Ink 35">
+                <a:extLst>
+                  <a:ext uri="{FF2B5EF4-FFF2-40B4-BE49-F238E27FC236}">
+                    <a16:creationId xmlns:a16="http://schemas.microsoft.com/office/drawing/2014/main" id="{F243284D-89D7-C818-5E11-F04932EF5D6A}"/>
+                  </a:ext>
+                </a:extLst>
+              </p14:cNvPr>
+              <p14:cNvContentPartPr/>
+              <p14:nvPr/>
+            </p14:nvContentPartPr>
+            <p14:xfrm rot="18253453">
+              <a:off x="1282362" y="5633289"/>
+              <a:ext cx="676080" cy="723240"/>
+            </p14:xfrm>
+          </p:contentPart>
+        </mc:Choice>
+        <mc:Fallback xmlns="">
+          <p:pic>
+            <p:nvPicPr>
+              <p:cNvPr id="36" name="Ink 35">
+                <a:extLst>
+                  <a:ext uri="{FF2B5EF4-FFF2-40B4-BE49-F238E27FC236}">
+                    <a16:creationId xmlns:a16="http://schemas.microsoft.com/office/drawing/2014/main" id="{F243284D-89D7-C818-5E11-F04932EF5D6A}"/>
+                  </a:ext>
+                </a:extLst>
+              </p:cNvPr>
+              <p:cNvPicPr/>
+              <p:nvPr/>
+            </p:nvPicPr>
+            <p:blipFill>
+              <a:blip r:embed="rId4"/>
+              <a:stretch>
+                <a:fillRect/>
+              </a:stretch>
+            </p:blipFill>
+            <p:spPr>
+              <a:xfrm rot="18253453">
+                <a:off x="1276239" y="5627172"/>
+                <a:ext cx="688327" cy="735474"/>
+              </a:xfrm>
+              <a:prstGeom prst="rect">
+                <a:avLst/>
+              </a:prstGeom>
+            </p:spPr>
+          </p:pic>
+        </mc:Fallback>
+      </mc:AlternateContent>
+      <mc:AlternateContent xmlns:mc="http://schemas.openxmlformats.org/markup-compatibility/2006" xmlns:p14="http://schemas.microsoft.com/office/powerpoint/2010/main">
+        <mc:Choice Requires="p14">
+          <p:contentPart p14:bwMode="auto" r:id="rId7">
+            <p14:nvContentPartPr>
+              <p14:cNvPr id="37" name="Ink 36">
+                <a:extLst>
+                  <a:ext uri="{FF2B5EF4-FFF2-40B4-BE49-F238E27FC236}">
+                    <a16:creationId xmlns:a16="http://schemas.microsoft.com/office/drawing/2014/main" id="{B339E501-BD7A-3E1A-04A5-09336F8EBFB5}"/>
+                  </a:ext>
+                </a:extLst>
+              </p14:cNvPr>
+              <p14:cNvContentPartPr/>
+              <p14:nvPr/>
+            </p14:nvContentPartPr>
+            <p14:xfrm rot="11019232">
+              <a:off x="4252022" y="5676798"/>
+              <a:ext cx="676080" cy="723240"/>
+            </p14:xfrm>
+          </p:contentPart>
+        </mc:Choice>
+        <mc:Fallback xmlns="">
+          <p:pic>
+            <p:nvPicPr>
+              <p:cNvPr id="37" name="Ink 36">
+                <a:extLst>
+                  <a:ext uri="{FF2B5EF4-FFF2-40B4-BE49-F238E27FC236}">
+                    <a16:creationId xmlns:a16="http://schemas.microsoft.com/office/drawing/2014/main" id="{B339E501-BD7A-3E1A-04A5-09336F8EBFB5}"/>
+                  </a:ext>
+                </a:extLst>
+              </p:cNvPr>
+              <p:cNvPicPr/>
+              <p:nvPr/>
+            </p:nvPicPr>
+            <p:blipFill>
+              <a:blip r:embed="rId4"/>
+              <a:stretch>
+                <a:fillRect/>
+              </a:stretch>
+            </p:blipFill>
+            <p:spPr>
+              <a:xfrm rot="11019232">
+                <a:off x="4245899" y="5670681"/>
+                <a:ext cx="688327" cy="735474"/>
+              </a:xfrm>
+              <a:prstGeom prst="rect">
+                <a:avLst/>
+              </a:prstGeom>
+            </p:spPr>
+          </p:pic>
+        </mc:Fallback>
+      </mc:AlternateContent>
+      <p:cxnSp>
+        <p:nvCxnSpPr>
+          <p:cNvPr id="38" name="Straight Arrow Connector 37">
+            <a:extLst>
+              <a:ext uri="{FF2B5EF4-FFF2-40B4-BE49-F238E27FC236}">
+                <a16:creationId xmlns:a16="http://schemas.microsoft.com/office/drawing/2014/main" id="{1F668BCA-890A-21E9-D316-C0E0CE0A80B4}"/>
+              </a:ext>
+            </a:extLst>
+          </p:cNvPr>
+          <p:cNvCxnSpPr>
+            <a:cxnSpLocks/>
+          </p:cNvCxnSpPr>
+          <p:nvPr/>
+        </p:nvCxnSpPr>
+        <p:spPr>
+          <a:xfrm flipH="1" flipV="1">
+            <a:off x="2351892" y="4698966"/>
+            <a:ext cx="1398592" cy="872445"/>
+          </a:xfrm>
+          <a:prstGeom prst="straightConnector1">
+            <a:avLst/>
+          </a:prstGeom>
+          <a:ln>
+            <a:tailEnd type="triangle"/>
+          </a:ln>
+        </p:spPr>
+        <p:style>
+          <a:lnRef idx="1">
+            <a:schemeClr val="accent1"/>
+          </a:lnRef>
+          <a:fillRef idx="0">
+            <a:schemeClr val="accent1"/>
+          </a:fillRef>
+          <a:effectRef idx="0">
+            <a:schemeClr val="accent1"/>
+          </a:effectRef>
+          <a:fontRef idx="minor">
+            <a:schemeClr val="tx1"/>
+          </a:fontRef>
+        </p:style>
+      </p:cxnSp>
+      <p:cxnSp>
+        <p:nvCxnSpPr>
+          <p:cNvPr id="42" name="Straight Arrow Connector 41">
+            <a:extLst>
+              <a:ext uri="{FF2B5EF4-FFF2-40B4-BE49-F238E27FC236}">
+                <a16:creationId xmlns:a16="http://schemas.microsoft.com/office/drawing/2014/main" id="{F34D845D-58C7-6C13-D3CC-07B54692751A}"/>
+              </a:ext>
+            </a:extLst>
+          </p:cNvPr>
+          <p:cNvCxnSpPr>
+            <a:cxnSpLocks/>
+          </p:cNvCxnSpPr>
+          <p:nvPr/>
+        </p:nvCxnSpPr>
+        <p:spPr>
+          <a:xfrm flipV="1">
+            <a:off x="2465665" y="4583400"/>
+            <a:ext cx="1284819" cy="903232"/>
+          </a:xfrm>
+          <a:prstGeom prst="straightConnector1">
+            <a:avLst/>
+          </a:prstGeom>
+          <a:ln>
+            <a:tailEnd type="triangle"/>
+          </a:ln>
+        </p:spPr>
+        <p:style>
+          <a:lnRef idx="1">
+            <a:schemeClr val="accent1"/>
+          </a:lnRef>
+          <a:fillRef idx="0">
+            <a:schemeClr val="accent1"/>
+          </a:fillRef>
+          <a:effectRef idx="0">
+            <a:schemeClr val="accent1"/>
+          </a:effectRef>
+          <a:fontRef idx="minor">
+            <a:schemeClr val="tx1"/>
+          </a:fontRef>
+        </p:style>
+      </p:cxnSp>
+      <p:cxnSp>
+        <p:nvCxnSpPr>
+          <p:cNvPr id="45" name="Straight Arrow Connector 44">
+            <a:extLst>
+              <a:ext uri="{FF2B5EF4-FFF2-40B4-BE49-F238E27FC236}">
+                <a16:creationId xmlns:a16="http://schemas.microsoft.com/office/drawing/2014/main" id="{7A79EF97-00D7-8D08-8121-C77B5B81D10E}"/>
+              </a:ext>
+            </a:extLst>
+          </p:cNvPr>
+          <p:cNvCxnSpPr>
+            <a:cxnSpLocks/>
+          </p:cNvCxnSpPr>
+          <p:nvPr/>
+        </p:nvCxnSpPr>
+        <p:spPr>
+          <a:xfrm flipH="1">
+            <a:off x="2484812" y="4706806"/>
+            <a:ext cx="1315427" cy="864605"/>
+          </a:xfrm>
+          <a:prstGeom prst="straightConnector1">
+            <a:avLst/>
+          </a:prstGeom>
+          <a:ln>
+            <a:tailEnd type="triangle"/>
+          </a:ln>
+        </p:spPr>
+        <p:style>
+          <a:lnRef idx="1">
+            <a:schemeClr val="accent1"/>
+          </a:lnRef>
+          <a:fillRef idx="0">
+            <a:schemeClr val="accent1"/>
+          </a:fillRef>
+          <a:effectRef idx="0">
+            <a:schemeClr val="accent1"/>
+          </a:effectRef>
+          <a:fontRef idx="minor">
+            <a:schemeClr val="tx1"/>
+          </a:fontRef>
+        </p:style>
+      </p:cxnSp>
+      <p:cxnSp>
+        <p:nvCxnSpPr>
+          <p:cNvPr id="50" name="Straight Connector 49">
+            <a:extLst>
+              <a:ext uri="{FF2B5EF4-FFF2-40B4-BE49-F238E27FC236}">
+                <a16:creationId xmlns:a16="http://schemas.microsoft.com/office/drawing/2014/main" id="{DE188676-2728-DB3A-865C-39C679CB1E25}"/>
+              </a:ext>
+            </a:extLst>
+          </p:cNvPr>
+          <p:cNvCxnSpPr/>
+          <p:nvPr/>
+        </p:nvCxnSpPr>
+        <p:spPr>
+          <a:xfrm flipV="1">
+            <a:off x="7945438" y="4301631"/>
+            <a:ext cx="2657475" cy="11660"/>
+          </a:xfrm>
+          <a:prstGeom prst="line">
+            <a:avLst/>
+          </a:prstGeom>
+        </p:spPr>
+        <p:style>
+          <a:lnRef idx="1">
+            <a:schemeClr val="accent1"/>
+          </a:lnRef>
+          <a:fillRef idx="0">
+            <a:schemeClr val="accent1"/>
+          </a:fillRef>
+          <a:effectRef idx="0">
+            <a:schemeClr val="accent1"/>
+          </a:effectRef>
+          <a:fontRef idx="minor">
+            <a:schemeClr val="tx1"/>
+          </a:fontRef>
+        </p:style>
+      </p:cxnSp>
+      <p:cxnSp>
+        <p:nvCxnSpPr>
+          <p:cNvPr id="53" name="Straight Connector 52">
+            <a:extLst>
+              <a:ext uri="{FF2B5EF4-FFF2-40B4-BE49-F238E27FC236}">
+                <a16:creationId xmlns:a16="http://schemas.microsoft.com/office/drawing/2014/main" id="{3BE28165-703F-50B1-AFFE-6326C6E7A967}"/>
+              </a:ext>
+            </a:extLst>
+          </p:cNvPr>
+          <p:cNvCxnSpPr>
+            <a:cxnSpLocks/>
+          </p:cNvCxnSpPr>
+          <p:nvPr/>
+        </p:nvCxnSpPr>
+        <p:spPr>
+          <a:xfrm>
+            <a:off x="8312970" y="3939668"/>
+            <a:ext cx="0" cy="1978827"/>
+          </a:xfrm>
+          <a:prstGeom prst="line">
+            <a:avLst/>
+          </a:prstGeom>
+        </p:spPr>
+        <p:style>
+          <a:lnRef idx="1">
+            <a:schemeClr val="accent1"/>
+          </a:lnRef>
+          <a:fillRef idx="0">
+            <a:schemeClr val="accent1"/>
+          </a:fillRef>
+          <a:effectRef idx="0">
+            <a:schemeClr val="accent1"/>
+          </a:effectRef>
+          <a:fontRef idx="minor">
+            <a:schemeClr val="tx1"/>
+          </a:fontRef>
+        </p:style>
+      </p:cxnSp>
+    </p:spTree>
+    <p:extLst>
+      <p:ext uri="{BB962C8B-B14F-4D97-AF65-F5344CB8AC3E}">
+        <p14:creationId xmlns:p14="http://schemas.microsoft.com/office/powerpoint/2010/main" val="3424257516"/>
+      </p:ext>
+    </p:extLst>
+  </p:cSld>
+  <p:clrMapOvr>
+    <a:masterClrMapping/>
+  </p:clrMapOvr>
+</p:sld>
+</file>
+
+<file path=ppt/slides/slide2.xml><?xml version="1.0" encoding="utf-8"?>
 <p:sld xmlns:a="http://schemas.openxmlformats.org/drawingml/2006/main" xmlns:r="http://schemas.openxmlformats.org/officeDocument/2006/relationships" xmlns:p="http://schemas.openxmlformats.org/presentationml/2006/main">
   <p:cSld>
     <p:spTree>
@@ -9791,7 +12907,7 @@
           <p:cNvPr id="2" name="Title 1">
             <a:extLst>
               <a:ext uri="{FF2B5EF4-FFF2-40B4-BE49-F238E27FC236}">
-                <a16:creationId xmlns:a16="http://schemas.microsoft.com/office/drawing/2014/main" id="{E9A01F76-B980-0774-3059-8D2F97F54932}"/>
+                <a16:creationId xmlns:a16="http://schemas.microsoft.com/office/drawing/2014/main" id="{0E25A960-9AED-42DD-A4CE-32DEB70A2854}"/>
               </a:ext>
             </a:extLst>
           </p:cNvPr>
@@ -9811,7 +12927,7 @@
           <a:p>
             <a:r>
               <a:rPr lang="en-US" dirty="0"/>
-              <a:t>Markov chain</a:t>
+              <a:t>Machine learning algorithms</a:t>
             </a:r>
           </a:p>
         </p:txBody>
@@ -9821,7 +12937,7 @@
           <p:cNvPr id="3" name="Content Placeholder 2">
             <a:extLst>
               <a:ext uri="{FF2B5EF4-FFF2-40B4-BE49-F238E27FC236}">
-                <a16:creationId xmlns:a16="http://schemas.microsoft.com/office/drawing/2014/main" id="{A241362D-6289-93C2-9175-08BB8693B456}"/>
+                <a16:creationId xmlns:a16="http://schemas.microsoft.com/office/drawing/2014/main" id="{5387AFB0-4CD4-49AE-5635-A884EF4A400C}"/>
               </a:ext>
             </a:extLst>
           </p:cNvPr>
@@ -9835,80 +12951,66 @@
         <p:spPr>
           <a:xfrm>
             <a:off x="598620" y="1596540"/>
-            <a:ext cx="10972800" cy="5124936"/>
+            <a:ext cx="10972800" cy="4818774"/>
           </a:xfrm>
         </p:spPr>
         <p:txBody>
           <a:bodyPr>
-            <a:normAutofit lnSpcReduction="10000"/>
+            <a:normAutofit/>
           </a:bodyPr>
           <a:lstStyle/>
           <a:p>
             <a:r>
               <a:rPr lang="en-US" dirty="0"/>
-              <a:t>We will consider Discrete-time Markov Chains</a:t>
+              <a:t>Protein coding and non-coding sequences have different patterns of letters</a:t>
             </a:r>
           </a:p>
           <a:p>
             <a:r>
               <a:rPr lang="en-US" dirty="0"/>
-              <a:t>A discrete-time Markov chain is a sequence of random variables </a:t>
+              <a:t>Spliceosome does not just cut out introns at GT-AG, it recognizes longer patterns around splice sites</a:t>
+            </a:r>
+          </a:p>
+          <a:p>
+            <a:r>
+              <a:rPr lang="en-US" dirty="0"/>
+              <a:t>We can look for the patterns with </a:t>
             </a:r>
             <a:r>
               <a:rPr lang="en-US" i="1" dirty="0"/>
-              <a:t>X</a:t>
-            </a:r>
-            <a:r>
-              <a:rPr lang="en-US" i="1" baseline="-25000" dirty="0"/>
-              <a:t>1</a:t>
-            </a:r>
-            <a:r>
-              <a:rPr lang="en-US" i="1" dirty="0"/>
-              <a:t>, X</a:t>
-            </a:r>
-            <a:r>
-              <a:rPr lang="en-US" i="1" baseline="-25000" dirty="0"/>
-              <a:t>2</a:t>
-            </a:r>
-            <a:r>
-              <a:rPr lang="en-US" i="1" dirty="0"/>
-              <a:t>, X</a:t>
-            </a:r>
-            <a:r>
-              <a:rPr lang="en-US" i="1" baseline="-25000" dirty="0"/>
-              <a:t>3</a:t>
-            </a:r>
-            <a:r>
-              <a:rPr lang="en-US" i="1" dirty="0"/>
-              <a:t>, ... </a:t>
+              <a:t>machine learning </a:t>
             </a:r>
             <a:r>
               <a:rPr lang="en-US" dirty="0"/>
-              <a:t>with the Markov property, namely that the probability of moving to the next state depends only on the present state and not on the previous states:</a:t>
-            </a:r>
-          </a:p>
-          <a:p>
-            <a:endParaRPr lang="en-US" dirty="0"/>
-          </a:p>
-          <a:p>
-            <a:r>
-              <a:rPr lang="en-US" i="1" dirty="0"/>
-              <a:t>Order</a:t>
-            </a:r>
+              <a:t>algorithms</a:t>
+            </a:r>
+          </a:p>
+          <a:p>
             <a:r>
               <a:rPr lang="en-US" dirty="0"/>
-              <a:t> of the Markov chain is equal to the dimension of the previous state</a:t>
-            </a:r>
-          </a:p>
-          <a:p>
+              <a:t>We can model and test the patterns with:</a:t>
+            </a:r>
+          </a:p>
+          <a:p>
+            <a:pPr lvl="1"/>
             <a:r>
               <a:rPr lang="en-US" dirty="0"/>
-              <a:t>PPM/PWM is zero-order Markov chain (current state does not depend on previous state</a:t>
-            </a:r>
-            <a:br>
+              <a:t>Positional Probabilities or Positional Weights</a:t>
+            </a:r>
+          </a:p>
+          <a:p>
+            <a:pPr lvl="1"/>
+            <a:r>
               <a:rPr lang="en-US" dirty="0"/>
-            </a:br>
-            <a:endParaRPr lang="en-US" dirty="0"/>
+              <a:t>Markov chains</a:t>
+            </a:r>
+          </a:p>
+          <a:p>
+            <a:pPr lvl="1"/>
+            <a:r>
+              <a:rPr lang="en-US" dirty="0"/>
+              <a:t>Hidden Markov Models</a:t>
+            </a:r>
           </a:p>
         </p:txBody>
       </p:sp>
@@ -9917,7 +13019,7 @@
           <p:cNvPr id="4" name="Slide Number Placeholder 3">
             <a:extLst>
               <a:ext uri="{FF2B5EF4-FFF2-40B4-BE49-F238E27FC236}">
-                <a16:creationId xmlns:a16="http://schemas.microsoft.com/office/drawing/2014/main" id="{14024010-2C37-2FB8-95A9-C81A412BC4CD}"/>
+                <a16:creationId xmlns:a16="http://schemas.microsoft.com/office/drawing/2014/main" id="{C00C02BC-5B68-B2F7-B466-6A9EF3BC48AA}"/>
               </a:ext>
             </a:extLst>
           </p:cNvPr>
@@ -9936,184 +13038,26 @@
             <a:fld id="{B82CCC60-E8CD-4174-8B1A-7DF615B22EEF}" type="slidenum">
               <a:rPr lang="en-US" smtClean="0"/>
               <a:pPr/>
-              <a:t>17</a:t>
+              <a:t>2</a:t>
             </a:fld>
             <a:endParaRPr lang="en-US"/>
           </a:p>
         </p:txBody>
       </p:sp>
-      <p:pic>
-        <p:nvPicPr>
-          <p:cNvPr id="6" name="Picture 5">
-            <a:extLst>
-              <a:ext uri="{FF2B5EF4-FFF2-40B4-BE49-F238E27FC236}">
-                <a16:creationId xmlns:a16="http://schemas.microsoft.com/office/drawing/2014/main" id="{96420FFC-EA14-08C2-EC8D-168F81626249}"/>
-              </a:ext>
-            </a:extLst>
-          </p:cNvPr>
-          <p:cNvPicPr>
-            <a:picLocks noChangeAspect="1"/>
-          </p:cNvPicPr>
-          <p:nvPr/>
-        </p:nvPicPr>
-        <p:blipFill>
-          <a:blip r:embed="rId2"/>
-          <a:stretch>
-            <a:fillRect/>
-          </a:stretch>
-        </p:blipFill>
-        <p:spPr>
-          <a:xfrm>
-            <a:off x="620580" y="3643925"/>
-            <a:ext cx="10637587" cy="515083"/>
-          </a:xfrm>
-          <a:prstGeom prst="rect">
-            <a:avLst/>
-          </a:prstGeom>
-        </p:spPr>
-      </p:pic>
     </p:spTree>
     <p:extLst>
       <p:ext uri="{BB962C8B-B14F-4D97-AF65-F5344CB8AC3E}">
-        <p14:creationId xmlns:p14="http://schemas.microsoft.com/office/powerpoint/2010/main" val="688161546"/>
+        <p14:creationId xmlns:p14="http://schemas.microsoft.com/office/powerpoint/2010/main" val="523482158"/>
       </p:ext>
     </p:extLst>
   </p:cSld>
   <p:clrMapOvr>
     <a:masterClrMapping/>
   </p:clrMapOvr>
-  <p:timing>
-    <p:tnLst>
-      <p:par>
-        <p:cTn id="1" dur="indefinite" restart="never" nodeType="tmRoot">
-          <p:childTnLst>
-            <p:seq concurrent="1" nextAc="seek">
-              <p:cTn id="2" dur="indefinite" nodeType="mainSeq">
-                <p:childTnLst>
-                  <p:par>
-                    <p:cTn id="3" fill="hold">
-                      <p:stCondLst>
-                        <p:cond delay="indefinite"/>
-                      </p:stCondLst>
-                      <p:childTnLst>
-                        <p:par>
-                          <p:cTn id="4" fill="hold">
-                            <p:stCondLst>
-                              <p:cond delay="0"/>
-                            </p:stCondLst>
-                            <p:childTnLst>
-                              <p:par>
-                                <p:cTn id="5" presetID="1" presetClass="entr" presetSubtype="0" fill="hold" nodeType="clickEffect">
-                                  <p:stCondLst>
-                                    <p:cond delay="0"/>
-                                  </p:stCondLst>
-                                  <p:childTnLst>
-                                    <p:set>
-                                      <p:cBhvr>
-                                        <p:cTn id="6" dur="1" fill="hold">
-                                          <p:stCondLst>
-                                            <p:cond delay="0"/>
-                                          </p:stCondLst>
-                                        </p:cTn>
-                                        <p:tgtEl>
-                                          <p:spTgt spid="3">
-                                            <p:txEl>
-                                              <p:pRg st="3" end="3"/>
-                                            </p:txEl>
-                                          </p:spTgt>
-                                        </p:tgtEl>
-                                        <p:attrNameLst>
-                                          <p:attrName>style.visibility</p:attrName>
-                                        </p:attrNameLst>
-                                      </p:cBhvr>
-                                      <p:to>
-                                        <p:strVal val="visible"/>
-                                      </p:to>
-                                    </p:set>
-                                  </p:childTnLst>
-                                </p:cTn>
-                              </p:par>
-                            </p:childTnLst>
-                          </p:cTn>
-                        </p:par>
-                      </p:childTnLst>
-                    </p:cTn>
-                  </p:par>
-                  <p:par>
-                    <p:cTn id="7" fill="hold">
-                      <p:stCondLst>
-                        <p:cond delay="indefinite"/>
-                      </p:stCondLst>
-                      <p:childTnLst>
-                        <p:par>
-                          <p:cTn id="8" fill="hold">
-                            <p:stCondLst>
-                              <p:cond delay="0"/>
-                            </p:stCondLst>
-                            <p:childTnLst>
-                              <p:par>
-                                <p:cTn id="9" presetID="1" presetClass="entr" presetSubtype="0" fill="hold" nodeType="clickEffect">
-                                  <p:stCondLst>
-                                    <p:cond delay="0"/>
-                                  </p:stCondLst>
-                                  <p:childTnLst>
-                                    <p:set>
-                                      <p:cBhvr>
-                                        <p:cTn id="10" dur="1" fill="hold">
-                                          <p:stCondLst>
-                                            <p:cond delay="0"/>
-                                          </p:stCondLst>
-                                        </p:cTn>
-                                        <p:tgtEl>
-                                          <p:spTgt spid="3">
-                                            <p:txEl>
-                                              <p:pRg st="4" end="4"/>
-                                            </p:txEl>
-                                          </p:spTgt>
-                                        </p:tgtEl>
-                                        <p:attrNameLst>
-                                          <p:attrName>style.visibility</p:attrName>
-                                        </p:attrNameLst>
-                                      </p:cBhvr>
-                                      <p:to>
-                                        <p:strVal val="visible"/>
-                                      </p:to>
-                                    </p:set>
-                                  </p:childTnLst>
-                                </p:cTn>
-                              </p:par>
-                            </p:childTnLst>
-                          </p:cTn>
-                        </p:par>
-                      </p:childTnLst>
-                    </p:cTn>
-                  </p:par>
-                </p:childTnLst>
-              </p:cTn>
-              <p:prevCondLst>
-                <p:cond evt="onPrev" delay="0">
-                  <p:tgtEl>
-                    <p:sldTgt/>
-                  </p:tgtEl>
-                </p:cond>
-              </p:prevCondLst>
-              <p:nextCondLst>
-                <p:cond evt="onNext" delay="0">
-                  <p:tgtEl>
-                    <p:sldTgt/>
-                  </p:tgtEl>
-                </p:cond>
-              </p:nextCondLst>
-            </p:seq>
-          </p:childTnLst>
-        </p:cTn>
-      </p:par>
-    </p:tnLst>
-  </p:timing>
 </p:sld>
 </file>
 
-<file path=ppt/slides/slide18.xml><?xml version="1.0" encoding="utf-8"?>
+<file path=ppt/slides/slide20.xml><?xml version="1.0" encoding="utf-8"?>
 <p:sld xmlns:a="http://schemas.openxmlformats.org/drawingml/2006/main" xmlns:r="http://schemas.openxmlformats.org/officeDocument/2006/relationships" xmlns:p="http://schemas.openxmlformats.org/presentationml/2006/main">
   <p:cSld>
     <p:spTree>
@@ -10160,7 +13104,7 @@
           <a:p>
             <a:r>
               <a:rPr lang="en-US" dirty="0"/>
-              <a:t>Training Markov chain</a:t>
+              <a:t>Markov Weight Array Matrix</a:t>
             </a:r>
           </a:p>
         </p:txBody>
@@ -10189,30 +13133,21 @@
         </p:spPr>
         <p:txBody>
           <a:bodyPr>
-            <a:normAutofit fontScale="92500" lnSpcReduction="20000"/>
+            <a:normAutofit/>
           </a:bodyPr>
           <a:lstStyle/>
           <a:p>
             <a:r>
               <a:rPr lang="en-US" dirty="0"/>
-              <a:t>Training Markov chain involves estimating transition probability matrix from the data</a:t>
-            </a:r>
-          </a:p>
-          <a:p>
-            <a:endParaRPr lang="en-US" dirty="0"/>
-          </a:p>
-          <a:p>
+              <a:t>A Weight Array Matrix is a specific kind of Markov chain model that incorporates </a:t>
+            </a:r>
+            <a:r>
+              <a:rPr lang="en-US" b="1" dirty="0"/>
+              <a:t>positions</a:t>
+            </a:r>
             <a:r>
               <a:rPr lang="en-US" dirty="0"/>
-              <a:t>Consider 1</a:t>
-            </a:r>
-            <a:r>
-              <a:rPr lang="en-US" baseline="30000" dirty="0"/>
-              <a:t>st</a:t>
-            </a:r>
-            <a:r>
-              <a:rPr lang="en-US" dirty="0"/>
-              <a:t> order Markov chain for a splice site pattern.  The probability of the next letter depends only on the previous letter in the pattern</a:t>
+              <a:t> within the pattern</a:t>
             </a:r>
           </a:p>
           <a:p>
@@ -10291,7 +13226,7 @@
             <a:fld id="{B82CCC60-E8CD-4174-8B1A-7DF615B22EEF}" type="slidenum">
               <a:rPr lang="en-US" smtClean="0"/>
               <a:pPr/>
-              <a:t>18</a:t>
+              <a:t>20</a:t>
             </a:fld>
             <a:endParaRPr lang="en-US"/>
           </a:p>
@@ -10313,7 +13248,7 @@
             </p:nvSpPr>
             <p:spPr>
               <a:xfrm>
-                <a:off x="2453800" y="5931470"/>
+                <a:off x="3017807" y="5872866"/>
                 <a:ext cx="1474234" cy="739433"/>
               </a:xfrm>
               <a:prstGeom prst="rect">
@@ -10404,7 +13339,7 @@
             </p:nvSpPr>
             <p:spPr>
               <a:xfrm>
-                <a:off x="2453800" y="5931470"/>
+                <a:off x="3017807" y="5872866"/>
                 <a:ext cx="1474234" cy="739433"/>
               </a:xfrm>
               <a:prstGeom prst="rect">
@@ -10448,7 +13383,7 @@
             </p:nvSpPr>
             <p:spPr>
               <a:xfrm>
-                <a:off x="3017807" y="4823043"/>
+                <a:off x="3190917" y="4447658"/>
                 <a:ext cx="1474234" cy="646331"/>
               </a:xfrm>
               <a:prstGeom prst="rect">
@@ -10519,7 +13454,7 @@
             </p:nvSpPr>
             <p:spPr>
               <a:xfrm>
-                <a:off x="3017807" y="4823043"/>
+                <a:off x="3190917" y="4447658"/>
                 <a:ext cx="1474234" cy="646331"/>
               </a:xfrm>
               <a:prstGeom prst="rect">
@@ -10560,7 +13495,7 @@
 </p:sld>
 </file>
 
-<file path=ppt/slides/slide19.xml><?xml version="1.0" encoding="utf-8"?>
+<file path=ppt/slides/slide21.xml><?xml version="1.0" encoding="utf-8"?>
 <p:sld xmlns:a="http://schemas.openxmlformats.org/drawingml/2006/main" xmlns:r="http://schemas.openxmlformats.org/officeDocument/2006/relationships" xmlns:p="http://schemas.openxmlformats.org/presentationml/2006/main">
   <p:cSld>
     <p:spTree>
@@ -10607,19 +13542,19 @@
         </p:spPr>
         <p:txBody>
           <a:bodyPr>
-            <a:normAutofit fontScale="90000"/>
+            <a:normAutofit/>
           </a:bodyPr>
           <a:lstStyle/>
           <a:p>
             <a:r>
               <a:rPr lang="en-US" dirty="0"/>
-              <a:t>Computing Markov chain probability matrix</a:t>
+              <a:t>Scoring with Markov WAM</a:t>
             </a:r>
           </a:p>
         </p:txBody>
       </p:sp>
-      <mc:AlternateContent xmlns:mc="http://schemas.openxmlformats.org/markup-compatibility/2006" xmlns:a14="http://schemas.microsoft.com/office/drawing/2010/main">
-        <mc:Choice Requires="a14">
+      <mc:AlternateContent xmlns:mc="http://schemas.openxmlformats.org/markup-compatibility/2006">
+        <mc:Choice xmlns:a14="http://schemas.microsoft.com/office/drawing/2010/main" Requires="a14">
           <p:sp>
             <p:nvSpPr>
               <p:cNvPr id="3" name="Content Placeholder 2">
@@ -10650,7 +13585,7 @@
               <a:p>
                 <a:r>
                   <a:rPr lang="en-US" dirty="0"/>
-                  <a:t>Convert PPM to PWM by using </a:t>
+                  <a:t>Convert probabilities to weights by using </a:t>
                 </a:r>
                 <a14:m>
                   <m:oMath xmlns:m="http://schemas.openxmlformats.org/officeDocument/2006/math">
@@ -10747,7 +13682,7 @@
               <a:p>
                 <a:r>
                   <a:rPr lang="en-US" dirty="0"/>
-                  <a:t>Markov chain score </a:t>
+                  <a:t>Weight array score </a:t>
                 </a:r>
                 <a14:m>
                   <m:oMath xmlns:m="http://schemas.openxmlformats.org/officeDocument/2006/math">
@@ -11222,7 +14157,7 @@
             </p:txBody>
           </p:sp>
         </mc:Choice>
-        <mc:Fallback xmlns="">
+        <mc:Fallback>
           <p:sp>
             <p:nvSpPr>
               <p:cNvPr id="3" name="Content Placeholder 2">
@@ -11290,14 +14225,14 @@
             <a:fld id="{B82CCC60-E8CD-4174-8B1A-7DF615B22EEF}" type="slidenum">
               <a:rPr lang="en-US" smtClean="0"/>
               <a:pPr/>
-              <a:t>19</a:t>
+              <a:t>21</a:t>
             </a:fld>
             <a:endParaRPr lang="en-US"/>
           </a:p>
         </p:txBody>
       </p:sp>
-      <mc:AlternateContent xmlns:mc="http://schemas.openxmlformats.org/markup-compatibility/2006" xmlns:a14="http://schemas.microsoft.com/office/drawing/2010/main">
-        <mc:Choice Requires="a14">
+      <mc:AlternateContent xmlns:mc="http://schemas.openxmlformats.org/markup-compatibility/2006">
+        <mc:Choice xmlns:a14="http://schemas.microsoft.com/office/drawing/2010/main" Requires="a14">
           <p:sp>
             <p:nvSpPr>
               <p:cNvPr id="6" name="TextBox 5">
@@ -11312,7 +14247,7 @@
             </p:nvSpPr>
             <p:spPr>
               <a:xfrm>
-                <a:off x="1951256" y="2236276"/>
+                <a:off x="2345892" y="2149649"/>
                 <a:ext cx="4797907" cy="1350947"/>
               </a:xfrm>
               <a:prstGeom prst="rect">
@@ -11518,7 +14453,7 @@
             </p:txBody>
           </p:sp>
         </mc:Choice>
-        <mc:Fallback xmlns="">
+        <mc:Fallback>
           <p:sp>
             <p:nvSpPr>
               <p:cNvPr id="6" name="TextBox 5">
@@ -11535,7 +14470,7 @@
             </p:nvSpPr>
             <p:spPr>
               <a:xfrm>
-                <a:off x="1951256" y="2236276"/>
+                <a:off x="2345892" y="2149649"/>
                 <a:ext cx="4797907" cy="1350947"/>
               </a:xfrm>
               <a:prstGeom prst="rect">
@@ -11561,6 +14496,57 @@
               </a:p>
             </p:txBody>
           </p:sp>
+        </mc:Fallback>
+      </mc:AlternateContent>
+      <mc:AlternateContent xmlns:mc="http://schemas.openxmlformats.org/markup-compatibility/2006" xmlns:p14="http://schemas.microsoft.com/office/powerpoint/2010/main">
+        <mc:Choice Requires="p14">
+          <p:contentPart p14:bwMode="auto" r:id="rId4">
+            <p14:nvContentPartPr>
+              <p14:cNvPr id="5" name="Ink 4">
+                <a:extLst>
+                  <a:ext uri="{FF2B5EF4-FFF2-40B4-BE49-F238E27FC236}">
+                    <a16:creationId xmlns:a16="http://schemas.microsoft.com/office/drawing/2014/main" id="{29AA2238-149C-70C6-B1BC-E94DD206EFD6}"/>
+                  </a:ext>
+                </a:extLst>
+              </p14:cNvPr>
+              <p14:cNvContentPartPr/>
+              <p14:nvPr/>
+            </p14:nvContentPartPr>
+            <p14:xfrm>
+              <a:off x="1886229" y="1125606"/>
+              <a:ext cx="360" cy="360"/>
+            </p14:xfrm>
+          </p:contentPart>
+        </mc:Choice>
+        <mc:Fallback xmlns="">
+          <p:pic>
+            <p:nvPicPr>
+              <p:cNvPr id="5" name="Ink 4">
+                <a:extLst>
+                  <a:ext uri="{FF2B5EF4-FFF2-40B4-BE49-F238E27FC236}">
+                    <a16:creationId xmlns:a16="http://schemas.microsoft.com/office/drawing/2014/main" id="{29AA2238-149C-70C6-B1BC-E94DD206EFD6}"/>
+                  </a:ext>
+                </a:extLst>
+              </p:cNvPr>
+              <p:cNvPicPr/>
+              <p:nvPr/>
+            </p:nvPicPr>
+            <p:blipFill>
+              <a:blip r:embed="rId5"/>
+              <a:stretch>
+                <a:fillRect/>
+              </a:stretch>
+            </p:blipFill>
+            <p:spPr>
+              <a:xfrm>
+                <a:off x="1880109" y="1119486"/>
+                <a:ext cx="12600" cy="12600"/>
+              </a:xfrm>
+              <a:prstGeom prst="rect">
+                <a:avLst/>
+              </a:prstGeom>
+            </p:spPr>
+          </p:pic>
         </mc:Fallback>
       </mc:AlternateContent>
     </p:spTree>
@@ -11652,178 +14638,6 @@
       </p:par>
     </p:tnLst>
   </p:timing>
-</p:sld>
-</file>
-
-<file path=ppt/slides/slide2.xml><?xml version="1.0" encoding="utf-8"?>
-<p:sld xmlns:a="http://schemas.openxmlformats.org/drawingml/2006/main" xmlns:r="http://schemas.openxmlformats.org/officeDocument/2006/relationships" xmlns:p="http://schemas.openxmlformats.org/presentationml/2006/main">
-  <p:cSld>
-    <p:spTree>
-      <p:nvGrpSpPr>
-        <p:cNvPr id="1" name=""/>
-        <p:cNvGrpSpPr/>
-        <p:nvPr/>
-      </p:nvGrpSpPr>
-      <p:grpSpPr>
-        <a:xfrm>
-          <a:off x="0" y="0"/>
-          <a:ext cx="0" cy="0"/>
-          <a:chOff x="0" y="0"/>
-          <a:chExt cx="0" cy="0"/>
-        </a:xfrm>
-      </p:grpSpPr>
-      <p:sp>
-        <p:nvSpPr>
-          <p:cNvPr id="2" name="Title 1">
-            <a:extLst>
-              <a:ext uri="{FF2B5EF4-FFF2-40B4-BE49-F238E27FC236}">
-                <a16:creationId xmlns:a16="http://schemas.microsoft.com/office/drawing/2014/main" id="{0E25A960-9AED-42DD-A4CE-32DEB70A2854}"/>
-              </a:ext>
-            </a:extLst>
-          </p:cNvPr>
-          <p:cNvSpPr>
-            <a:spLocks noGrp="1"/>
-          </p:cNvSpPr>
-          <p:nvPr>
-            <p:ph type="title"/>
-          </p:nvPr>
-        </p:nvSpPr>
-        <p:spPr/>
-        <p:txBody>
-          <a:bodyPr>
-            <a:normAutofit fontScale="90000"/>
-          </a:bodyPr>
-          <a:lstStyle/>
-          <a:p>
-            <a:r>
-              <a:rPr lang="en-US" dirty="0"/>
-              <a:t>Machine learning algorithms</a:t>
-            </a:r>
-          </a:p>
-        </p:txBody>
-      </p:sp>
-      <p:sp>
-        <p:nvSpPr>
-          <p:cNvPr id="3" name="Content Placeholder 2">
-            <a:extLst>
-              <a:ext uri="{FF2B5EF4-FFF2-40B4-BE49-F238E27FC236}">
-                <a16:creationId xmlns:a16="http://schemas.microsoft.com/office/drawing/2014/main" id="{5387AFB0-4CD4-49AE-5635-A884EF4A400C}"/>
-              </a:ext>
-            </a:extLst>
-          </p:cNvPr>
-          <p:cNvSpPr>
-            <a:spLocks noGrp="1"/>
-          </p:cNvSpPr>
-          <p:nvPr>
-            <p:ph idx="1"/>
-          </p:nvPr>
-        </p:nvSpPr>
-        <p:spPr>
-          <a:xfrm>
-            <a:off x="598620" y="1596540"/>
-            <a:ext cx="10972800" cy="4818774"/>
-          </a:xfrm>
-        </p:spPr>
-        <p:txBody>
-          <a:bodyPr>
-            <a:normAutofit/>
-          </a:bodyPr>
-          <a:lstStyle/>
-          <a:p>
-            <a:r>
-              <a:rPr lang="en-US" dirty="0"/>
-              <a:t>Protein coding and non-coding sequences have different patterns of letters</a:t>
-            </a:r>
-          </a:p>
-          <a:p>
-            <a:r>
-              <a:rPr lang="en-US" dirty="0"/>
-              <a:t>Spliceosome does not just cut out introns at GT-AG, it recognizes longer patterns around splice sites</a:t>
-            </a:r>
-          </a:p>
-          <a:p>
-            <a:r>
-              <a:rPr lang="en-US" dirty="0"/>
-              <a:t>We can look for the patterns with </a:t>
-            </a:r>
-            <a:r>
-              <a:rPr lang="en-US" i="1" dirty="0"/>
-              <a:t>machine learning </a:t>
-            </a:r>
-            <a:r>
-              <a:rPr lang="en-US" dirty="0"/>
-              <a:t>algorithms</a:t>
-            </a:r>
-          </a:p>
-          <a:p>
-            <a:r>
-              <a:rPr lang="en-US" dirty="0"/>
-              <a:t>We can model and test the patterns with:</a:t>
-            </a:r>
-          </a:p>
-          <a:p>
-            <a:pPr lvl="1"/>
-            <a:r>
-              <a:rPr lang="en-US" dirty="0"/>
-              <a:t>Positional Probabilities or Positional Weights</a:t>
-            </a:r>
-          </a:p>
-          <a:p>
-            <a:pPr lvl="1"/>
-            <a:r>
-              <a:rPr lang="en-US" dirty="0"/>
-              <a:t>Markov chains</a:t>
-            </a:r>
-          </a:p>
-          <a:p>
-            <a:pPr lvl="1"/>
-            <a:r>
-              <a:rPr lang="en-US" dirty="0"/>
-              <a:t>Hidden Markov Models</a:t>
-            </a:r>
-          </a:p>
-        </p:txBody>
-      </p:sp>
-      <p:sp>
-        <p:nvSpPr>
-          <p:cNvPr id="4" name="Slide Number Placeholder 3">
-            <a:extLst>
-              <a:ext uri="{FF2B5EF4-FFF2-40B4-BE49-F238E27FC236}">
-                <a16:creationId xmlns:a16="http://schemas.microsoft.com/office/drawing/2014/main" id="{C00C02BC-5B68-B2F7-B466-6A9EF3BC48AA}"/>
-              </a:ext>
-            </a:extLst>
-          </p:cNvPr>
-          <p:cNvSpPr>
-            <a:spLocks noGrp="1"/>
-          </p:cNvSpPr>
-          <p:nvPr>
-            <p:ph type="sldNum" sz="quarter" idx="12"/>
-          </p:nvPr>
-        </p:nvSpPr>
-        <p:spPr/>
-        <p:txBody>
-          <a:bodyPr/>
-          <a:lstStyle/>
-          <a:p>
-            <a:fld id="{B82CCC60-E8CD-4174-8B1A-7DF615B22EEF}" type="slidenum">
-              <a:rPr lang="en-US" smtClean="0"/>
-              <a:pPr/>
-              <a:t>2</a:t>
-            </a:fld>
-            <a:endParaRPr lang="en-US"/>
-          </a:p>
-        </p:txBody>
-      </p:sp>
-    </p:spTree>
-    <p:extLst>
-      <p:ext uri="{BB962C8B-B14F-4D97-AF65-F5344CB8AC3E}">
-        <p14:creationId xmlns:p14="http://schemas.microsoft.com/office/powerpoint/2010/main" val="523482158"/>
-      </p:ext>
-    </p:extLst>
-  </p:cSld>
-  <p:clrMapOvr>
-    <a:masterClrMapping/>
-  </p:clrMapOvr>
 </p:sld>
 </file>
 

--- a/Week 11 Monday November 3.pptx
+++ b/Week 11 Monday November 3.pptx
@@ -151,229 +151,229 @@
   <pc:docChgLst>
     <pc:chgData name="Aleksey Zimin" userId="7f2637d0bc515791" providerId="LiveId" clId="{8553A319-8433-4677-8F80-E28D63617D4C}"/>
     <pc:docChg chg="delSld">
-      <pc:chgData name="Aleksey Zimin" userId="7f2637d0bc515791" providerId="LiveId" clId="{8553A319-8433-4677-8F80-E28D63617D4C}" dt="2025-11-04T17:37:51.459" v="1" actId="47"/>
+      <pc:chgData name="Aleksey Zimin" userId="7f2637d0bc515791" providerId="LiveId" clId="{8553A319-8433-4677-8F80-E28D63617D4C}" dt="2025-11-04T18:19:11.187" v="1" actId="47"/>
       <pc:docMkLst>
         <pc:docMk/>
       </pc:docMkLst>
       <pc:sldChg chg="del">
-        <pc:chgData name="Aleksey Zimin" userId="7f2637d0bc515791" providerId="LiveId" clId="{8553A319-8433-4677-8F80-E28D63617D4C}" dt="2025-11-04T17:37:51.459" v="1" actId="47"/>
+        <pc:chgData name="Aleksey Zimin" userId="7f2637d0bc515791" providerId="LiveId" clId="{8553A319-8433-4677-8F80-E28D63617D4C}" dt="2025-11-04T18:18:58.922" v="0" actId="47"/>
         <pc:sldMkLst>
           <pc:docMk/>
           <pc:sldMk cId="1052403946" sldId="272"/>
         </pc:sldMkLst>
       </pc:sldChg>
       <pc:sldChg chg="del">
-        <pc:chgData name="Aleksey Zimin" userId="7f2637d0bc515791" providerId="LiveId" clId="{8553A319-8433-4677-8F80-E28D63617D4C}" dt="2025-11-04T17:37:19.903" v="0" actId="47"/>
+        <pc:chgData name="Aleksey Zimin" userId="7f2637d0bc515791" providerId="LiveId" clId="{8553A319-8433-4677-8F80-E28D63617D4C}" dt="2025-11-04T18:19:11.187" v="1" actId="47"/>
         <pc:sldMkLst>
           <pc:docMk/>
           <pc:sldMk cId="582660925" sldId="557"/>
         </pc:sldMkLst>
       </pc:sldChg>
       <pc:sldChg chg="del">
-        <pc:chgData name="Aleksey Zimin" userId="7f2637d0bc515791" providerId="LiveId" clId="{8553A319-8433-4677-8F80-E28D63617D4C}" dt="2025-11-04T17:37:19.903" v="0" actId="47"/>
+        <pc:chgData name="Aleksey Zimin" userId="7f2637d0bc515791" providerId="LiveId" clId="{8553A319-8433-4677-8F80-E28D63617D4C}" dt="2025-11-04T18:19:11.187" v="1" actId="47"/>
         <pc:sldMkLst>
           <pc:docMk/>
           <pc:sldMk cId="897960614" sldId="559"/>
         </pc:sldMkLst>
       </pc:sldChg>
       <pc:sldChg chg="del">
-        <pc:chgData name="Aleksey Zimin" userId="7f2637d0bc515791" providerId="LiveId" clId="{8553A319-8433-4677-8F80-E28D63617D4C}" dt="2025-11-04T17:37:19.903" v="0" actId="47"/>
+        <pc:chgData name="Aleksey Zimin" userId="7f2637d0bc515791" providerId="LiveId" clId="{8553A319-8433-4677-8F80-E28D63617D4C}" dt="2025-11-04T18:19:11.187" v="1" actId="47"/>
         <pc:sldMkLst>
           <pc:docMk/>
           <pc:sldMk cId="2016871750" sldId="560"/>
         </pc:sldMkLst>
       </pc:sldChg>
       <pc:sldChg chg="del">
-        <pc:chgData name="Aleksey Zimin" userId="7f2637d0bc515791" providerId="LiveId" clId="{8553A319-8433-4677-8F80-E28D63617D4C}" dt="2025-11-04T17:37:19.903" v="0" actId="47"/>
+        <pc:chgData name="Aleksey Zimin" userId="7f2637d0bc515791" providerId="LiveId" clId="{8553A319-8433-4677-8F80-E28D63617D4C}" dt="2025-11-04T18:19:11.187" v="1" actId="47"/>
         <pc:sldMkLst>
           <pc:docMk/>
           <pc:sldMk cId="1731479648" sldId="863"/>
         </pc:sldMkLst>
       </pc:sldChg>
       <pc:sldChg chg="del">
-        <pc:chgData name="Aleksey Zimin" userId="7f2637d0bc515791" providerId="LiveId" clId="{8553A319-8433-4677-8F80-E28D63617D4C}" dt="2025-11-04T17:37:19.903" v="0" actId="47"/>
+        <pc:chgData name="Aleksey Zimin" userId="7f2637d0bc515791" providerId="LiveId" clId="{8553A319-8433-4677-8F80-E28D63617D4C}" dt="2025-11-04T18:19:11.187" v="1" actId="47"/>
         <pc:sldMkLst>
           <pc:docMk/>
           <pc:sldMk cId="80240427" sldId="864"/>
         </pc:sldMkLst>
       </pc:sldChg>
       <pc:sldChg chg="del">
-        <pc:chgData name="Aleksey Zimin" userId="7f2637d0bc515791" providerId="LiveId" clId="{8553A319-8433-4677-8F80-E28D63617D4C}" dt="2025-11-04T17:37:19.903" v="0" actId="47"/>
+        <pc:chgData name="Aleksey Zimin" userId="7f2637d0bc515791" providerId="LiveId" clId="{8553A319-8433-4677-8F80-E28D63617D4C}" dt="2025-11-04T18:19:11.187" v="1" actId="47"/>
         <pc:sldMkLst>
           <pc:docMk/>
           <pc:sldMk cId="2634646025" sldId="865"/>
         </pc:sldMkLst>
       </pc:sldChg>
       <pc:sldChg chg="del">
-        <pc:chgData name="Aleksey Zimin" userId="7f2637d0bc515791" providerId="LiveId" clId="{8553A319-8433-4677-8F80-E28D63617D4C}" dt="2025-11-04T17:37:19.903" v="0" actId="47"/>
+        <pc:chgData name="Aleksey Zimin" userId="7f2637d0bc515791" providerId="LiveId" clId="{8553A319-8433-4677-8F80-E28D63617D4C}" dt="2025-11-04T18:19:11.187" v="1" actId="47"/>
         <pc:sldMkLst>
           <pc:docMk/>
           <pc:sldMk cId="2143161316" sldId="870"/>
         </pc:sldMkLst>
       </pc:sldChg>
       <pc:sldChg chg="del">
-        <pc:chgData name="Aleksey Zimin" userId="7f2637d0bc515791" providerId="LiveId" clId="{8553A319-8433-4677-8F80-E28D63617D4C}" dt="2025-11-04T17:37:19.903" v="0" actId="47"/>
+        <pc:chgData name="Aleksey Zimin" userId="7f2637d0bc515791" providerId="LiveId" clId="{8553A319-8433-4677-8F80-E28D63617D4C}" dt="2025-11-04T18:19:11.187" v="1" actId="47"/>
         <pc:sldMkLst>
           <pc:docMk/>
           <pc:sldMk cId="3261130923" sldId="871"/>
         </pc:sldMkLst>
       </pc:sldChg>
       <pc:sldChg chg="del">
-        <pc:chgData name="Aleksey Zimin" userId="7f2637d0bc515791" providerId="LiveId" clId="{8553A319-8433-4677-8F80-E28D63617D4C}" dt="2025-11-04T17:37:19.903" v="0" actId="47"/>
+        <pc:chgData name="Aleksey Zimin" userId="7f2637d0bc515791" providerId="LiveId" clId="{8553A319-8433-4677-8F80-E28D63617D4C}" dt="2025-11-04T18:19:11.187" v="1" actId="47"/>
         <pc:sldMkLst>
           <pc:docMk/>
           <pc:sldMk cId="415209501" sldId="872"/>
         </pc:sldMkLst>
       </pc:sldChg>
       <pc:sldChg chg="del">
-        <pc:chgData name="Aleksey Zimin" userId="7f2637d0bc515791" providerId="LiveId" clId="{8553A319-8433-4677-8F80-E28D63617D4C}" dt="2025-11-04T17:37:19.903" v="0" actId="47"/>
+        <pc:chgData name="Aleksey Zimin" userId="7f2637d0bc515791" providerId="LiveId" clId="{8553A319-8433-4677-8F80-E28D63617D4C}" dt="2025-11-04T18:19:11.187" v="1" actId="47"/>
         <pc:sldMkLst>
           <pc:docMk/>
           <pc:sldMk cId="3041595195" sldId="873"/>
         </pc:sldMkLst>
       </pc:sldChg>
       <pc:sldChg chg="del">
-        <pc:chgData name="Aleksey Zimin" userId="7f2637d0bc515791" providerId="LiveId" clId="{8553A319-8433-4677-8F80-E28D63617D4C}" dt="2025-11-04T17:37:19.903" v="0" actId="47"/>
+        <pc:chgData name="Aleksey Zimin" userId="7f2637d0bc515791" providerId="LiveId" clId="{8553A319-8433-4677-8F80-E28D63617D4C}" dt="2025-11-04T18:19:11.187" v="1" actId="47"/>
         <pc:sldMkLst>
           <pc:docMk/>
           <pc:sldMk cId="841664835" sldId="874"/>
         </pc:sldMkLst>
       </pc:sldChg>
       <pc:sldChg chg="del">
-        <pc:chgData name="Aleksey Zimin" userId="7f2637d0bc515791" providerId="LiveId" clId="{8553A319-8433-4677-8F80-E28D63617D4C}" dt="2025-11-04T17:37:19.903" v="0" actId="47"/>
+        <pc:chgData name="Aleksey Zimin" userId="7f2637d0bc515791" providerId="LiveId" clId="{8553A319-8433-4677-8F80-E28D63617D4C}" dt="2025-11-04T18:19:11.187" v="1" actId="47"/>
         <pc:sldMkLst>
           <pc:docMk/>
           <pc:sldMk cId="749756353" sldId="875"/>
         </pc:sldMkLst>
       </pc:sldChg>
       <pc:sldChg chg="del">
-        <pc:chgData name="Aleksey Zimin" userId="7f2637d0bc515791" providerId="LiveId" clId="{8553A319-8433-4677-8F80-E28D63617D4C}" dt="2025-11-04T17:37:19.903" v="0" actId="47"/>
+        <pc:chgData name="Aleksey Zimin" userId="7f2637d0bc515791" providerId="LiveId" clId="{8553A319-8433-4677-8F80-E28D63617D4C}" dt="2025-11-04T18:19:11.187" v="1" actId="47"/>
         <pc:sldMkLst>
           <pc:docMk/>
           <pc:sldMk cId="1943159719" sldId="876"/>
         </pc:sldMkLst>
       </pc:sldChg>
       <pc:sldChg chg="del">
-        <pc:chgData name="Aleksey Zimin" userId="7f2637d0bc515791" providerId="LiveId" clId="{8553A319-8433-4677-8F80-E28D63617D4C}" dt="2025-11-04T17:37:19.903" v="0" actId="47"/>
+        <pc:chgData name="Aleksey Zimin" userId="7f2637d0bc515791" providerId="LiveId" clId="{8553A319-8433-4677-8F80-E28D63617D4C}" dt="2025-11-04T18:19:11.187" v="1" actId="47"/>
         <pc:sldMkLst>
           <pc:docMk/>
           <pc:sldMk cId="2131417150" sldId="877"/>
         </pc:sldMkLst>
       </pc:sldChg>
       <pc:sldChg chg="del">
-        <pc:chgData name="Aleksey Zimin" userId="7f2637d0bc515791" providerId="LiveId" clId="{8553A319-8433-4677-8F80-E28D63617D4C}" dt="2025-11-04T17:37:19.903" v="0" actId="47"/>
+        <pc:chgData name="Aleksey Zimin" userId="7f2637d0bc515791" providerId="LiveId" clId="{8553A319-8433-4677-8F80-E28D63617D4C}" dt="2025-11-04T18:19:11.187" v="1" actId="47"/>
         <pc:sldMkLst>
           <pc:docMk/>
           <pc:sldMk cId="323728444" sldId="878"/>
         </pc:sldMkLst>
       </pc:sldChg>
       <pc:sldChg chg="del">
-        <pc:chgData name="Aleksey Zimin" userId="7f2637d0bc515791" providerId="LiveId" clId="{8553A319-8433-4677-8F80-E28D63617D4C}" dt="2025-11-04T17:37:19.903" v="0" actId="47"/>
+        <pc:chgData name="Aleksey Zimin" userId="7f2637d0bc515791" providerId="LiveId" clId="{8553A319-8433-4677-8F80-E28D63617D4C}" dt="2025-11-04T18:19:11.187" v="1" actId="47"/>
         <pc:sldMkLst>
           <pc:docMk/>
           <pc:sldMk cId="1697097188" sldId="879"/>
         </pc:sldMkLst>
       </pc:sldChg>
       <pc:sldChg chg="del">
-        <pc:chgData name="Aleksey Zimin" userId="7f2637d0bc515791" providerId="LiveId" clId="{8553A319-8433-4677-8F80-E28D63617D4C}" dt="2025-11-04T17:37:19.903" v="0" actId="47"/>
+        <pc:chgData name="Aleksey Zimin" userId="7f2637d0bc515791" providerId="LiveId" clId="{8553A319-8433-4677-8F80-E28D63617D4C}" dt="2025-11-04T18:19:11.187" v="1" actId="47"/>
         <pc:sldMkLst>
           <pc:docMk/>
           <pc:sldMk cId="702189588" sldId="882"/>
         </pc:sldMkLst>
       </pc:sldChg>
       <pc:sldChg chg="del">
-        <pc:chgData name="Aleksey Zimin" userId="7f2637d0bc515791" providerId="LiveId" clId="{8553A319-8433-4677-8F80-E28D63617D4C}" dt="2025-11-04T17:37:19.903" v="0" actId="47"/>
+        <pc:chgData name="Aleksey Zimin" userId="7f2637d0bc515791" providerId="LiveId" clId="{8553A319-8433-4677-8F80-E28D63617D4C}" dt="2025-11-04T18:19:11.187" v="1" actId="47"/>
         <pc:sldMkLst>
           <pc:docMk/>
           <pc:sldMk cId="1452179586" sldId="883"/>
         </pc:sldMkLst>
       </pc:sldChg>
       <pc:sldChg chg="del">
-        <pc:chgData name="Aleksey Zimin" userId="7f2637d0bc515791" providerId="LiveId" clId="{8553A319-8433-4677-8F80-E28D63617D4C}" dt="2025-11-04T17:37:19.903" v="0" actId="47"/>
+        <pc:chgData name="Aleksey Zimin" userId="7f2637d0bc515791" providerId="LiveId" clId="{8553A319-8433-4677-8F80-E28D63617D4C}" dt="2025-11-04T18:19:11.187" v="1" actId="47"/>
         <pc:sldMkLst>
           <pc:docMk/>
           <pc:sldMk cId="3549718570" sldId="884"/>
         </pc:sldMkLst>
       </pc:sldChg>
       <pc:sldChg chg="del">
-        <pc:chgData name="Aleksey Zimin" userId="7f2637d0bc515791" providerId="LiveId" clId="{8553A319-8433-4677-8F80-E28D63617D4C}" dt="2025-11-04T17:37:19.903" v="0" actId="47"/>
+        <pc:chgData name="Aleksey Zimin" userId="7f2637d0bc515791" providerId="LiveId" clId="{8553A319-8433-4677-8F80-E28D63617D4C}" dt="2025-11-04T18:19:11.187" v="1" actId="47"/>
         <pc:sldMkLst>
           <pc:docMk/>
           <pc:sldMk cId="941793736" sldId="885"/>
         </pc:sldMkLst>
       </pc:sldChg>
       <pc:sldChg chg="del">
-        <pc:chgData name="Aleksey Zimin" userId="7f2637d0bc515791" providerId="LiveId" clId="{8553A319-8433-4677-8F80-E28D63617D4C}" dt="2025-11-04T17:37:19.903" v="0" actId="47"/>
+        <pc:chgData name="Aleksey Zimin" userId="7f2637d0bc515791" providerId="LiveId" clId="{8553A319-8433-4677-8F80-E28D63617D4C}" dt="2025-11-04T18:19:11.187" v="1" actId="47"/>
         <pc:sldMkLst>
           <pc:docMk/>
           <pc:sldMk cId="2352345771" sldId="886"/>
         </pc:sldMkLst>
       </pc:sldChg>
       <pc:sldChg chg="del">
-        <pc:chgData name="Aleksey Zimin" userId="7f2637d0bc515791" providerId="LiveId" clId="{8553A319-8433-4677-8F80-E28D63617D4C}" dt="2025-11-04T17:37:19.903" v="0" actId="47"/>
+        <pc:chgData name="Aleksey Zimin" userId="7f2637d0bc515791" providerId="LiveId" clId="{8553A319-8433-4677-8F80-E28D63617D4C}" dt="2025-11-04T18:19:11.187" v="1" actId="47"/>
         <pc:sldMkLst>
           <pc:docMk/>
           <pc:sldMk cId="3197633200" sldId="887"/>
         </pc:sldMkLst>
       </pc:sldChg>
       <pc:sldChg chg="del">
-        <pc:chgData name="Aleksey Zimin" userId="7f2637d0bc515791" providerId="LiveId" clId="{8553A319-8433-4677-8F80-E28D63617D4C}" dt="2025-11-04T17:37:19.903" v="0" actId="47"/>
+        <pc:chgData name="Aleksey Zimin" userId="7f2637d0bc515791" providerId="LiveId" clId="{8553A319-8433-4677-8F80-E28D63617D4C}" dt="2025-11-04T18:19:11.187" v="1" actId="47"/>
         <pc:sldMkLst>
           <pc:docMk/>
           <pc:sldMk cId="2537798046" sldId="888"/>
         </pc:sldMkLst>
       </pc:sldChg>
       <pc:sldChg chg="del">
-        <pc:chgData name="Aleksey Zimin" userId="7f2637d0bc515791" providerId="LiveId" clId="{8553A319-8433-4677-8F80-E28D63617D4C}" dt="2025-11-04T17:37:19.903" v="0" actId="47"/>
+        <pc:chgData name="Aleksey Zimin" userId="7f2637d0bc515791" providerId="LiveId" clId="{8553A319-8433-4677-8F80-E28D63617D4C}" dt="2025-11-04T18:19:11.187" v="1" actId="47"/>
         <pc:sldMkLst>
           <pc:docMk/>
           <pc:sldMk cId="1574673349" sldId="890"/>
         </pc:sldMkLst>
       </pc:sldChg>
       <pc:sldChg chg="del">
-        <pc:chgData name="Aleksey Zimin" userId="7f2637d0bc515791" providerId="LiveId" clId="{8553A319-8433-4677-8F80-E28D63617D4C}" dt="2025-11-04T17:37:19.903" v="0" actId="47"/>
+        <pc:chgData name="Aleksey Zimin" userId="7f2637d0bc515791" providerId="LiveId" clId="{8553A319-8433-4677-8F80-E28D63617D4C}" dt="2025-11-04T18:19:11.187" v="1" actId="47"/>
         <pc:sldMkLst>
           <pc:docMk/>
           <pc:sldMk cId="3699968443" sldId="891"/>
         </pc:sldMkLst>
       </pc:sldChg>
       <pc:sldChg chg="del">
-        <pc:chgData name="Aleksey Zimin" userId="7f2637d0bc515791" providerId="LiveId" clId="{8553A319-8433-4677-8F80-E28D63617D4C}" dt="2025-11-04T17:37:19.903" v="0" actId="47"/>
+        <pc:chgData name="Aleksey Zimin" userId="7f2637d0bc515791" providerId="LiveId" clId="{8553A319-8433-4677-8F80-E28D63617D4C}" dt="2025-11-04T18:19:11.187" v="1" actId="47"/>
         <pc:sldMkLst>
           <pc:docMk/>
           <pc:sldMk cId="752308720" sldId="892"/>
         </pc:sldMkLst>
       </pc:sldChg>
       <pc:sldChg chg="del">
-        <pc:chgData name="Aleksey Zimin" userId="7f2637d0bc515791" providerId="LiveId" clId="{8553A319-8433-4677-8F80-E28D63617D4C}" dt="2025-11-04T17:37:19.903" v="0" actId="47"/>
+        <pc:chgData name="Aleksey Zimin" userId="7f2637d0bc515791" providerId="LiveId" clId="{8553A319-8433-4677-8F80-E28D63617D4C}" dt="2025-11-04T18:19:11.187" v="1" actId="47"/>
         <pc:sldMkLst>
           <pc:docMk/>
           <pc:sldMk cId="872453536" sldId="893"/>
         </pc:sldMkLst>
       </pc:sldChg>
       <pc:sldChg chg="del">
-        <pc:chgData name="Aleksey Zimin" userId="7f2637d0bc515791" providerId="LiveId" clId="{8553A319-8433-4677-8F80-E28D63617D4C}" dt="2025-11-04T17:37:19.903" v="0" actId="47"/>
+        <pc:chgData name="Aleksey Zimin" userId="7f2637d0bc515791" providerId="LiveId" clId="{8553A319-8433-4677-8F80-E28D63617D4C}" dt="2025-11-04T18:19:11.187" v="1" actId="47"/>
         <pc:sldMkLst>
           <pc:docMk/>
           <pc:sldMk cId="2702561878" sldId="894"/>
         </pc:sldMkLst>
       </pc:sldChg>
       <pc:sldChg chg="del">
-        <pc:chgData name="Aleksey Zimin" userId="7f2637d0bc515791" providerId="LiveId" clId="{8553A319-8433-4677-8F80-E28D63617D4C}" dt="2025-11-04T17:37:19.903" v="0" actId="47"/>
+        <pc:chgData name="Aleksey Zimin" userId="7f2637d0bc515791" providerId="LiveId" clId="{8553A319-8433-4677-8F80-E28D63617D4C}" dt="2025-11-04T18:19:11.187" v="1" actId="47"/>
         <pc:sldMkLst>
           <pc:docMk/>
           <pc:sldMk cId="1526773716" sldId="895"/>
         </pc:sldMkLst>
       </pc:sldChg>
       <pc:sldChg chg="del">
-        <pc:chgData name="Aleksey Zimin" userId="7f2637d0bc515791" providerId="LiveId" clId="{8553A319-8433-4677-8F80-E28D63617D4C}" dt="2025-11-04T17:37:19.903" v="0" actId="47"/>
+        <pc:chgData name="Aleksey Zimin" userId="7f2637d0bc515791" providerId="LiveId" clId="{8553A319-8433-4677-8F80-E28D63617D4C}" dt="2025-11-04T18:19:11.187" v="1" actId="47"/>
         <pc:sldMkLst>
           <pc:docMk/>
           <pc:sldMk cId="2253551215" sldId="896"/>
         </pc:sldMkLst>
       </pc:sldChg>
       <pc:sldChg chg="del">
-        <pc:chgData name="Aleksey Zimin" userId="7f2637d0bc515791" providerId="LiveId" clId="{8553A319-8433-4677-8F80-E28D63617D4C}" dt="2025-11-04T17:37:19.903" v="0" actId="47"/>
+        <pc:chgData name="Aleksey Zimin" userId="7f2637d0bc515791" providerId="LiveId" clId="{8553A319-8433-4677-8F80-E28D63617D4C}" dt="2025-11-04T18:19:11.187" v="1" actId="47"/>
         <pc:sldMkLst>
           <pc:docMk/>
           <pc:sldMk cId="512676943" sldId="897"/>
@@ -9111,7 +9111,7 @@
         <p:spPr>
           <a:xfrm>
             <a:off x="586283" y="1654283"/>
-            <a:ext cx="8465972" cy="5078313"/>
+            <a:ext cx="8465972" cy="5170646"/>
           </a:xfrm>
           <a:prstGeom prst="rect">
             <a:avLst/>
@@ -9179,7 +9179,7 @@
           </a:p>
           <a:p>
             <a:r>
-              <a:rPr lang="en-US" dirty="0"/>
+              <a:rPr lang="en-US" sz="2400" dirty="0"/>
               <a:t>Transition probability matrix:</a:t>
             </a:r>
           </a:p>
@@ -10634,7 +10634,7 @@
         </p:spPr>
         <p:txBody>
           <a:bodyPr>
-            <a:normAutofit lnSpcReduction="10000"/>
+            <a:normAutofit fontScale="85000" lnSpcReduction="20000"/>
           </a:bodyPr>
           <a:lstStyle/>
           <a:p>
@@ -10644,9 +10644,6 @@
             </a:r>
           </a:p>
           <a:p>
-            <a:endParaRPr lang="en-US" dirty="0"/>
-          </a:p>
-          <a:p>
             <a:r>
               <a:rPr lang="en-US" dirty="0"/>
               <a:t>Consider 1</a:t>
@@ -10657,60 +10654,93 @@
             </a:r>
             <a:r>
               <a:rPr lang="en-US" dirty="0"/>
-              <a:t> order Markov chain.  The probability of the next letter depends only on the previous letter in the pattern</a:t>
+              <a:t> order Markov chain for DNA.  The probability of the next letter depends only on the previous letter in the pattern</a:t>
+            </a:r>
+          </a:p>
+          <a:p>
+            <a:r>
+              <a:rPr lang="en-US" dirty="0"/>
+              <a:t>One can estimate transition probabilities by counting all tuples </a:t>
+            </a:r>
+            <a:r>
+              <a:rPr lang="en-US" i="1" dirty="0"/>
+              <a:t>T</a:t>
+            </a:r>
+            <a:r>
+              <a:rPr lang="en-US" i="1" baseline="-25000" dirty="0"/>
+              <a:t>i</a:t>
+            </a:r>
+            <a:r>
+              <a:rPr lang="en-US" dirty="0"/>
+              <a:t>=(“AA”,”AC”,”AG”,”AT”,”CA”,....,”TT”) in the DNA data, and dividing the count of each tuple starting with A, C, G, T by the total number of </a:t>
+            </a:r>
+            <a:r>
+              <a:rPr lang="en-US" i="1" dirty="0"/>
+              <a:t>T</a:t>
+            </a:r>
+            <a:r>
+              <a:rPr lang="en-US" i="1" baseline="-25000" dirty="0"/>
+              <a:t>i</a:t>
+            </a:r>
+            <a:r>
+              <a:rPr lang="en-US" dirty="0"/>
+              <a:t> starting with A, C, G and T</a:t>
             </a:r>
             <a:br>
               <a:rPr lang="en-US" dirty="0"/>
             </a:br>
-            <a:r>
-              <a:rPr lang="en-US" dirty="0"/>
-              <a:t>                                                                                                   To</a:t>
+            <a:endParaRPr lang="en-US" dirty="0"/>
+          </a:p>
+          <a:p>
+            <a:pPr marL="0" indent="0">
+              <a:buNone/>
+            </a:pPr>
+            <a:r>
+              <a:rPr lang="en-US" dirty="0"/>
+              <a:t>                                                                                                                 To</a:t>
             </a:r>
             <a:br>
               <a:rPr lang="en-US" dirty="0"/>
             </a:br>
             <a:r>
               <a:rPr lang="en-US" dirty="0"/>
-              <a:t>                                                                                            A     C    G    T</a:t>
+              <a:t>                                                                                                         A     C    G    T</a:t>
             </a:r>
             <a:br>
               <a:rPr lang="en-US" dirty="0"/>
             </a:br>
             <a:r>
               <a:rPr lang="en-US" dirty="0"/>
-              <a:t>                                                                                      A   .1    .4   .4   .1</a:t>
+              <a:t>                                                                                                   A   .1    .4   .4   .1</a:t>
             </a:r>
             <a:br>
               <a:rPr lang="en-US" dirty="0"/>
             </a:br>
             <a:r>
               <a:rPr lang="en-US" dirty="0"/>
-              <a:t>                                                                       From      C   .2    .2   .3   .3</a:t>
+              <a:t>                                                                                    From      C   .2    .2   .3   .3</a:t>
             </a:r>
             <a:br>
               <a:rPr lang="en-US" dirty="0"/>
             </a:br>
             <a:r>
               <a:rPr lang="en-US" dirty="0"/>
-              <a:t>                                                                                      G   .4    .4   .1   .1</a:t>
+              <a:t>                                                                                                   G   .4    .4   .1   .1</a:t>
             </a:r>
             <a:br>
               <a:rPr lang="en-US" dirty="0"/>
             </a:br>
             <a:r>
               <a:rPr lang="en-US" dirty="0"/>
-              <a:t>                                                                                      T    .5    .1   .2   .2</a:t>
+              <a:t>                                                                                                   T    .5    .1   .2   .2</a:t>
             </a:r>
             <a:br>
               <a:rPr lang="en-US" dirty="0"/>
             </a:br>
             <a:r>
               <a:rPr lang="en-US" dirty="0"/>
-              <a:t>                                                                                  rows must add up to 1</a:t>
-            </a:r>
-          </a:p>
-          <a:p>
-            <a:endParaRPr lang="en-US" dirty="0"/>
+              <a:t>                                                                                              rows must add up to 1</a:t>
+            </a:r>
           </a:p>
         </p:txBody>
       </p:sp>
@@ -11646,13 +11676,15 @@
               </a:ext>
             </a:extLst>
           </p:cNvPr>
-          <p:cNvCxnSpPr/>
+          <p:cNvCxnSpPr>
+            <a:cxnSpLocks/>
+          </p:cNvCxnSpPr>
           <p:nvPr/>
         </p:nvCxnSpPr>
         <p:spPr>
-          <a:xfrm flipV="1">
-            <a:off x="7880956" y="4483338"/>
-            <a:ext cx="2657475" cy="11660"/>
+          <a:xfrm>
+            <a:off x="7325736" y="4769377"/>
+            <a:ext cx="2404291" cy="0"/>
           </a:xfrm>
           <a:prstGeom prst="line">
             <a:avLst/>
@@ -11689,8 +11721,8 @@
         </p:nvCxnSpPr>
         <p:spPr>
           <a:xfrm>
-            <a:off x="8303445" y="4133850"/>
-            <a:ext cx="0" cy="1978827"/>
+            <a:off x="7732947" y="4351347"/>
+            <a:ext cx="0" cy="1614712"/>
           </a:xfrm>
           <a:prstGeom prst="line">
             <a:avLst/>
@@ -13133,7 +13165,7 @@
         </p:spPr>
         <p:txBody>
           <a:bodyPr>
-            <a:normAutofit/>
+            <a:normAutofit fontScale="92500" lnSpcReduction="20000"/>
           </a:bodyPr>
           <a:lstStyle/>
           <a:p>
@@ -13148,6 +13180,15 @@
             <a:r>
               <a:rPr lang="en-US" dirty="0"/>
               <a:t> within the pattern</a:t>
+            </a:r>
+          </a:p>
+          <a:p>
+            <a:endParaRPr lang="en-US" dirty="0"/>
+          </a:p>
+          <a:p>
+            <a:r>
+              <a:rPr lang="en-US" dirty="0"/>
+              <a:t>WAM works better than PWM in scoring patterns because it incorporates Markov chain transition probabilities</a:t>
             </a:r>
           </a:p>
           <a:p>
@@ -13177,7 +13218,7 @@
           <a:p>
             <a:r>
               <a:rPr lang="en-US" dirty="0"/>
-              <a:t>Compute probabilities for every pair of consecutive letters, for a pattern of length </a:t>
+              <a:t>Compute probabilities for every          , for a pattern of length </a:t>
             </a:r>
             <a:r>
               <a:rPr lang="en-US" i="1" dirty="0"/>
@@ -13248,7 +13289,7 @@
             </p:nvSpPr>
             <p:spPr>
               <a:xfrm>
-                <a:off x="3017807" y="5872866"/>
+                <a:off x="9721375" y="5511370"/>
                 <a:ext cx="1474234" cy="739433"/>
               </a:xfrm>
               <a:prstGeom prst="rect">
@@ -13339,7 +13380,7 @@
             </p:nvSpPr>
             <p:spPr>
               <a:xfrm>
-                <a:off x="3017807" y="5872866"/>
+                <a:off x="9721375" y="5511370"/>
                 <a:ext cx="1474234" cy="739433"/>
               </a:xfrm>
               <a:prstGeom prst="rect">
@@ -13383,7 +13424,7 @@
             </p:nvSpPr>
             <p:spPr>
               <a:xfrm>
-                <a:off x="3190917" y="4447658"/>
+                <a:off x="5019717" y="5511370"/>
                 <a:ext cx="1474234" cy="646331"/>
               </a:xfrm>
               <a:prstGeom prst="rect">
@@ -13454,7 +13495,7 @@
             </p:nvSpPr>
             <p:spPr>
               <a:xfrm>
-                <a:off x="3190917" y="4447658"/>
+                <a:off x="5019717" y="5511370"/>
                 <a:ext cx="1474234" cy="646331"/>
               </a:xfrm>
               <a:prstGeom prst="rect">
@@ -13462,6 +13503,121 @@
               </a:prstGeom>
               <a:blipFill>
                 <a:blip r:embed="rId3"/>
+                <a:stretch>
+                  <a:fillRect/>
+                </a:stretch>
+              </a:blipFill>
+            </p:spPr>
+            <p:txBody>
+              <a:bodyPr/>
+              <a:lstStyle/>
+              <a:p>
+                <a:r>
+                  <a:rPr lang="en-US">
+                    <a:noFill/>
+                  </a:rPr>
+                  <a:t> </a:t>
+                </a:r>
+              </a:p>
+            </p:txBody>
+          </p:sp>
+        </mc:Fallback>
+      </mc:AlternateContent>
+      <mc:AlternateContent xmlns:mc="http://schemas.openxmlformats.org/markup-compatibility/2006" xmlns:a14="http://schemas.microsoft.com/office/drawing/2010/main">
+        <mc:Choice Requires="a14">
+          <p:sp>
+            <p:nvSpPr>
+              <p:cNvPr id="6" name="TextBox 5">
+                <a:extLst>
+                  <a:ext uri="{FF2B5EF4-FFF2-40B4-BE49-F238E27FC236}">
+                    <a16:creationId xmlns:a16="http://schemas.microsoft.com/office/drawing/2014/main" id="{22C44CB0-B8D8-3410-4E06-1D3817C69C50}"/>
+                  </a:ext>
+                </a:extLst>
+              </p:cNvPr>
+              <p:cNvSpPr txBox="1"/>
+              <p:nvPr/>
+            </p:nvSpPr>
+            <p:spPr>
+              <a:xfrm>
+                <a:off x="2952792" y="4739845"/>
+                <a:ext cx="1474234" cy="646331"/>
+              </a:xfrm>
+              <a:prstGeom prst="rect">
+                <a:avLst/>
+              </a:prstGeom>
+              <a:noFill/>
+            </p:spPr>
+            <p:txBody>
+              <a:bodyPr wrap="square">
+                <a:spAutoFit/>
+              </a:bodyPr>
+              <a:lstStyle/>
+              <a:p>
+                <a:pPr/>
+                <a14:m>
+                  <m:oMathPara xmlns:m="http://schemas.openxmlformats.org/officeDocument/2006/math">
+                    <m:oMathParaPr>
+                      <m:jc m:val="centerGroup"/>
+                    </m:oMathParaPr>
+                    <m:oMath xmlns:m="http://schemas.openxmlformats.org/officeDocument/2006/math">
+                      <m:sSub>
+                        <m:sSubPr>
+                          <m:ctrlPr>
+                            <a:rPr lang="en-US" sz="3600" i="1">
+                              <a:latin typeface="Cambria Math" panose="02040503050406030204" pitchFamily="18" charset="0"/>
+                            </a:rPr>
+                          </m:ctrlPr>
+                        </m:sSubPr>
+                        <m:e>
+                          <m:r>
+                            <a:rPr lang="en-US" sz="3600" i="1">
+                              <a:latin typeface="Cambria Math" panose="02040503050406030204" pitchFamily="18" charset="0"/>
+                            </a:rPr>
+                            <m:t>𝑇</m:t>
+                          </m:r>
+                        </m:e>
+                        <m:sub>
+                          <m:r>
+                            <a:rPr lang="en-US" sz="3600" i="1">
+                              <a:latin typeface="Cambria Math" panose="02040503050406030204" pitchFamily="18" charset="0"/>
+                            </a:rPr>
+                            <m:t>𝑖</m:t>
+                          </m:r>
+                        </m:sub>
+                      </m:sSub>
+                    </m:oMath>
+                  </m:oMathPara>
+                </a14:m>
+                <a:endParaRPr lang="en-US" sz="3600" dirty="0"/>
+              </a:p>
+            </p:txBody>
+          </p:sp>
+        </mc:Choice>
+        <mc:Fallback xmlns="">
+          <p:sp>
+            <p:nvSpPr>
+              <p:cNvPr id="6" name="TextBox 5">
+                <a:extLst>
+                  <a:ext uri="{FF2B5EF4-FFF2-40B4-BE49-F238E27FC236}">
+                    <a16:creationId xmlns:a16="http://schemas.microsoft.com/office/drawing/2014/main" id="{22C44CB0-B8D8-3410-4E06-1D3817C69C50}"/>
+                  </a:ext>
+                </a:extLst>
+              </p:cNvPr>
+              <p:cNvSpPr txBox="1">
+                <a:spLocks noRot="1" noChangeAspect="1" noMove="1" noResize="1" noEditPoints="1" noAdjustHandles="1" noChangeArrowheads="1" noChangeShapeType="1" noTextEdit="1"/>
+              </p:cNvSpPr>
+              <p:nvPr/>
+            </p:nvSpPr>
+            <p:spPr>
+              <a:xfrm>
+                <a:off x="2952792" y="4739845"/>
+                <a:ext cx="1474234" cy="646331"/>
+              </a:xfrm>
+              <a:prstGeom prst="rect">
+                <a:avLst/>
+              </a:prstGeom>
+              <a:blipFill>
+                <a:blip r:embed="rId4"/>
                 <a:stretch>
                   <a:fillRect/>
                 </a:stretch>
@@ -13553,8 +13709,8 @@
           </a:p>
         </p:txBody>
       </p:sp>
-      <mc:AlternateContent xmlns:mc="http://schemas.openxmlformats.org/markup-compatibility/2006">
-        <mc:Choice xmlns:a14="http://schemas.microsoft.com/office/drawing/2010/main" Requires="a14">
+      <mc:AlternateContent xmlns:mc="http://schemas.openxmlformats.org/markup-compatibility/2006" xmlns:a14="http://schemas.microsoft.com/office/drawing/2010/main">
+        <mc:Choice Requires="a14">
           <p:sp>
             <p:nvSpPr>
               <p:cNvPr id="3" name="Content Placeholder 2">
@@ -13682,7 +13838,7 @@
               <a:p>
                 <a:r>
                   <a:rPr lang="en-US" dirty="0"/>
-                  <a:t>Weight array score </a:t>
+                  <a:t>Score </a:t>
                 </a:r>
                 <a14:m>
                   <m:oMath xmlns:m="http://schemas.openxmlformats.org/officeDocument/2006/math">
@@ -14157,7 +14313,7 @@
             </p:txBody>
           </p:sp>
         </mc:Choice>
-        <mc:Fallback>
+        <mc:Fallback xmlns="">
           <p:sp>
             <p:nvSpPr>
               <p:cNvPr id="3" name="Content Placeholder 2">
@@ -14231,8 +14387,8 @@
           </a:p>
         </p:txBody>
       </p:sp>
-      <mc:AlternateContent xmlns:mc="http://schemas.openxmlformats.org/markup-compatibility/2006">
-        <mc:Choice xmlns:a14="http://schemas.microsoft.com/office/drawing/2010/main" Requires="a14">
+      <mc:AlternateContent xmlns:mc="http://schemas.openxmlformats.org/markup-compatibility/2006" xmlns:a14="http://schemas.microsoft.com/office/drawing/2010/main">
+        <mc:Choice Requires="a14">
           <p:sp>
             <p:nvSpPr>
               <p:cNvPr id="6" name="TextBox 5">
@@ -14453,7 +14609,7 @@
             </p:txBody>
           </p:sp>
         </mc:Choice>
-        <mc:Fallback>
+        <mc:Fallback xmlns="">
           <p:sp>
             <p:nvSpPr>
               <p:cNvPr id="6" name="TextBox 5">
